--- a/99_進捗・会議用/パワポ/pptx/SilenceFujita考案 AnarchyCrash.pptx
+++ b/99_進捗・会議用/パワポ/pptx/SilenceFujita考案 AnarchyCrash.pptx
@@ -6,6 +6,7 @@
   </p:sldMasterIdLst>
   <p:sldIdLst>
     <p:sldId id="256" r:id="rId2"/>
+    <p:sldId id="257" r:id="rId3"/>
   </p:sldIdLst>
   <p:sldSz cx="6858000" cy="9906000" type="A4"/>
   <p:notesSz cx="6858000" cy="9144000"/>
@@ -104,6 +105,11 @@
       </a:defRPr>
     </a:lvl9pPr>
   </p:defaultTextStyle>
+  <p:extLst>
+    <p:ext uri="{EFAFB233-063F-42B5-8137-9DF3F51BA10A}">
+      <p15:sldGuideLst xmlns:p15="http://schemas.microsoft.com/office/powerpoint/2012/main"/>
+    </p:ext>
+  </p:extLst>
 </p:presentation>
 </file>
 
@@ -250,7 +256,7 @@
           <a:p>
             <a:fld id="{4243B9F3-7FF2-4191-A3DF-6D4F95FF8DB0}" type="datetimeFigureOut">
               <a:rPr kumimoji="1" lang="ja-JP" altLang="en-US" smtClean="0"/>
-              <a:t>2022/12/8</a:t>
+              <a:t>2022/12/12</a:t>
             </a:fld>
             <a:endParaRPr kumimoji="1" lang="ja-JP" altLang="en-US"/>
           </a:p>
@@ -452,7 +458,7 @@
           <a:p>
             <a:fld id="{4243B9F3-7FF2-4191-A3DF-6D4F95FF8DB0}" type="datetimeFigureOut">
               <a:rPr kumimoji="1" lang="ja-JP" altLang="en-US" smtClean="0"/>
-              <a:t>2022/12/8</a:t>
+              <a:t>2022/12/12</a:t>
             </a:fld>
             <a:endParaRPr kumimoji="1" lang="ja-JP" altLang="en-US"/>
           </a:p>
@@ -664,7 +670,7 @@
           <a:p>
             <a:fld id="{4243B9F3-7FF2-4191-A3DF-6D4F95FF8DB0}" type="datetimeFigureOut">
               <a:rPr kumimoji="1" lang="ja-JP" altLang="en-US" smtClean="0"/>
-              <a:t>2022/12/8</a:t>
+              <a:t>2022/12/12</a:t>
             </a:fld>
             <a:endParaRPr kumimoji="1" lang="ja-JP" altLang="en-US"/>
           </a:p>
@@ -866,7 +872,7 @@
           <a:p>
             <a:fld id="{4243B9F3-7FF2-4191-A3DF-6D4F95FF8DB0}" type="datetimeFigureOut">
               <a:rPr kumimoji="1" lang="ja-JP" altLang="en-US" smtClean="0"/>
-              <a:t>2022/12/8</a:t>
+              <a:t>2022/12/12</a:t>
             </a:fld>
             <a:endParaRPr kumimoji="1" lang="ja-JP" altLang="en-US"/>
           </a:p>
@@ -1110,7 +1116,7 @@
           <a:p>
             <a:fld id="{4243B9F3-7FF2-4191-A3DF-6D4F95FF8DB0}" type="datetimeFigureOut">
               <a:rPr kumimoji="1" lang="ja-JP" altLang="en-US" smtClean="0"/>
-              <a:t>2022/12/8</a:t>
+              <a:t>2022/12/12</a:t>
             </a:fld>
             <a:endParaRPr kumimoji="1" lang="ja-JP" altLang="en-US"/>
           </a:p>
@@ -1406,7 +1412,7 @@
           <a:p>
             <a:fld id="{4243B9F3-7FF2-4191-A3DF-6D4F95FF8DB0}" type="datetimeFigureOut">
               <a:rPr kumimoji="1" lang="ja-JP" altLang="en-US" smtClean="0"/>
-              <a:t>2022/12/8</a:t>
+              <a:t>2022/12/12</a:t>
             </a:fld>
             <a:endParaRPr kumimoji="1" lang="ja-JP" altLang="en-US"/>
           </a:p>
@@ -1837,7 +1843,7 @@
           <a:p>
             <a:fld id="{4243B9F3-7FF2-4191-A3DF-6D4F95FF8DB0}" type="datetimeFigureOut">
               <a:rPr kumimoji="1" lang="ja-JP" altLang="en-US" smtClean="0"/>
-              <a:t>2022/12/8</a:t>
+              <a:t>2022/12/12</a:t>
             </a:fld>
             <a:endParaRPr kumimoji="1" lang="ja-JP" altLang="en-US"/>
           </a:p>
@@ -1955,7 +1961,7 @@
           <a:p>
             <a:fld id="{4243B9F3-7FF2-4191-A3DF-6D4F95FF8DB0}" type="datetimeFigureOut">
               <a:rPr kumimoji="1" lang="ja-JP" altLang="en-US" smtClean="0"/>
-              <a:t>2022/12/8</a:t>
+              <a:t>2022/12/12</a:t>
             </a:fld>
             <a:endParaRPr kumimoji="1" lang="ja-JP" altLang="en-US"/>
           </a:p>
@@ -2050,7 +2056,7 @@
           <a:p>
             <a:fld id="{4243B9F3-7FF2-4191-A3DF-6D4F95FF8DB0}" type="datetimeFigureOut">
               <a:rPr kumimoji="1" lang="ja-JP" altLang="en-US" smtClean="0"/>
-              <a:t>2022/12/8</a:t>
+              <a:t>2022/12/12</a:t>
             </a:fld>
             <a:endParaRPr kumimoji="1" lang="ja-JP" altLang="en-US"/>
           </a:p>
@@ -2359,7 +2365,7 @@
           <a:p>
             <a:fld id="{4243B9F3-7FF2-4191-A3DF-6D4F95FF8DB0}" type="datetimeFigureOut">
               <a:rPr kumimoji="1" lang="ja-JP" altLang="en-US" smtClean="0"/>
-              <a:t>2022/12/8</a:t>
+              <a:t>2022/12/12</a:t>
             </a:fld>
             <a:endParaRPr kumimoji="1" lang="ja-JP" altLang="en-US"/>
           </a:p>
@@ -2616,7 +2622,7 @@
           <a:p>
             <a:fld id="{4243B9F3-7FF2-4191-A3DF-6D4F95FF8DB0}" type="datetimeFigureOut">
               <a:rPr kumimoji="1" lang="ja-JP" altLang="en-US" smtClean="0"/>
-              <a:t>2022/12/8</a:t>
+              <a:t>2022/12/12</a:t>
             </a:fld>
             <a:endParaRPr kumimoji="1" lang="ja-JP" altLang="en-US"/>
           </a:p>
@@ -2861,7 +2867,7 @@
           <a:p>
             <a:fld id="{4243B9F3-7FF2-4191-A3DF-6D4F95FF8DB0}" type="datetimeFigureOut">
               <a:rPr kumimoji="1" lang="ja-JP" altLang="en-US" smtClean="0"/>
-              <a:t>2022/12/8</a:t>
+              <a:t>2022/12/12</a:t>
             </a:fld>
             <a:endParaRPr kumimoji="1" lang="ja-JP" altLang="en-US"/>
           </a:p>
@@ -3266,6 +3272,42 @@
           <a:chExt cx="0" cy="0"/>
         </a:xfrm>
       </p:grpSpPr>
+      <p:pic>
+        <p:nvPicPr>
+          <p:cNvPr id="29" name="図 28">
+            <a:extLst>
+              <a:ext uri="{FF2B5EF4-FFF2-40B4-BE49-F238E27FC236}">
+                <a16:creationId xmlns:a16="http://schemas.microsoft.com/office/drawing/2014/main" id="{93AF8511-AD12-4519-87B3-A827FF6F02BC}"/>
+              </a:ext>
+            </a:extLst>
+          </p:cNvPr>
+          <p:cNvPicPr>
+            <a:picLocks noChangeAspect="1"/>
+          </p:cNvPicPr>
+          <p:nvPr/>
+        </p:nvPicPr>
+        <p:blipFill>
+          <a:blip r:embed="rId2">
+            <a:extLst>
+              <a:ext uri="{28A0092B-C50C-407E-A947-70E740481C1C}">
+                <a14:useLocalDpi xmlns:a14="http://schemas.microsoft.com/office/drawing/2010/main" val="0"/>
+              </a:ext>
+            </a:extLst>
+          </a:blip>
+          <a:stretch>
+            <a:fillRect/>
+          </a:stretch>
+        </p:blipFill>
+        <p:spPr>
+          <a:xfrm>
+            <a:off x="359450" y="2020662"/>
+            <a:ext cx="3497442" cy="1426817"/>
+          </a:xfrm>
+          <a:prstGeom prst="rect">
+            <a:avLst/>
+          </a:prstGeom>
+        </p:spPr>
+      </p:pic>
       <p:sp>
         <p:nvSpPr>
           <p:cNvPr id="23" name="正方形/長方形 22">
@@ -3280,8 +3322,8 @@
         </p:nvSpPr>
         <p:spPr>
           <a:xfrm>
-            <a:off x="67457" y="7254051"/>
-            <a:ext cx="4417484" cy="2190395"/>
+            <a:off x="4018960" y="1598007"/>
+            <a:ext cx="2803727" cy="1788319"/>
           </a:xfrm>
           <a:prstGeom prst="rect">
             <a:avLst/>
@@ -3337,8 +3379,8 @@
         </p:nvSpPr>
         <p:spPr>
           <a:xfrm>
-            <a:off x="47304" y="4815916"/>
-            <a:ext cx="6707510" cy="1875593"/>
+            <a:off x="209238" y="3692235"/>
+            <a:ext cx="4238071" cy="961656"/>
           </a:xfrm>
           <a:prstGeom prst="rect">
             <a:avLst/>
@@ -3393,6 +3435,1033 @@
         </p:nvSpPr>
         <p:spPr>
           <a:xfrm>
+            <a:off x="197382" y="1764612"/>
+            <a:ext cx="3797865" cy="1788319"/>
+          </a:xfrm>
+          <a:prstGeom prst="roundRect">
+            <a:avLst/>
+          </a:prstGeom>
+          <a:noFill/>
+          <a:ln w="38100">
+            <a:solidFill>
+              <a:schemeClr val="tx1"/>
+            </a:solidFill>
+          </a:ln>
+        </p:spPr>
+        <p:style>
+          <a:lnRef idx="2">
+            <a:schemeClr val="accent1">
+              <a:shade val="50000"/>
+            </a:schemeClr>
+          </a:lnRef>
+          <a:fillRef idx="1">
+            <a:schemeClr val="accent1"/>
+          </a:fillRef>
+          <a:effectRef idx="0">
+            <a:schemeClr val="accent1"/>
+          </a:effectRef>
+          <a:fontRef idx="minor">
+            <a:schemeClr val="lt1"/>
+          </a:fontRef>
+        </p:style>
+        <p:txBody>
+          <a:bodyPr rtlCol="0" anchor="ctr"/>
+          <a:lstStyle/>
+          <a:p>
+            <a:pPr algn="ctr"/>
+            <a:endParaRPr kumimoji="1" lang="ja-JP" altLang="en-US"/>
+          </a:p>
+        </p:txBody>
+      </p:sp>
+      <p:sp>
+        <p:nvSpPr>
+          <p:cNvPr id="4" name="テキスト ボックス 3">
+            <a:extLst>
+              <a:ext uri="{FF2B5EF4-FFF2-40B4-BE49-F238E27FC236}">
+                <a16:creationId xmlns:a16="http://schemas.microsoft.com/office/drawing/2014/main" id="{080E7010-DAD7-4472-81B3-5DCA9915A3E1}"/>
+              </a:ext>
+            </a:extLst>
+          </p:cNvPr>
+          <p:cNvSpPr txBox="1"/>
+          <p:nvPr/>
+        </p:nvSpPr>
+        <p:spPr>
+          <a:xfrm>
+            <a:off x="746089" y="0"/>
+            <a:ext cx="5365828" cy="1354217"/>
+          </a:xfrm>
+          <a:prstGeom prst="rect">
+            <a:avLst/>
+          </a:prstGeom>
+          <a:solidFill>
+            <a:schemeClr val="accent2"/>
+          </a:solidFill>
+          <a:ln w="44450">
+            <a:solidFill>
+              <a:schemeClr val="bg2">
+                <a:lumMod val="25000"/>
+              </a:schemeClr>
+            </a:solidFill>
+          </a:ln>
+        </p:spPr>
+        <p:txBody>
+          <a:bodyPr wrap="none" rtlCol="0">
+            <a:spAutoFit/>
+          </a:bodyPr>
+          <a:lstStyle/>
+          <a:p>
+            <a:pPr algn="ctr"/>
+            <a:r>
+              <a:rPr kumimoji="1" lang="ja-JP" altLang="en-US" sz="4100" u="sng" dirty="0">
+                <a:ln w="12700">
+                  <a:solidFill>
+                    <a:schemeClr val="bg1"/>
+                  </a:solidFill>
+                </a:ln>
+                <a:latin typeface="HGSｺﾞｼｯｸE" panose="020B0900000000000000" pitchFamily="50" charset="-128"/>
+                <a:ea typeface="HGSｺﾞｼｯｸE" panose="020B0900000000000000" pitchFamily="50" charset="-128"/>
+              </a:rPr>
+              <a:t>過剰な必要悪</a:t>
+            </a:r>
+            <a:endParaRPr kumimoji="1" lang="en-US" altLang="ja-JP" sz="4100" u="sng" dirty="0">
+              <a:ln w="12700">
+                <a:solidFill>
+                  <a:schemeClr val="bg1"/>
+                </a:solidFill>
+              </a:ln>
+              <a:latin typeface="HGSｺﾞｼｯｸE" panose="020B0900000000000000" pitchFamily="50" charset="-128"/>
+              <a:ea typeface="HGSｺﾞｼｯｸE" panose="020B0900000000000000" pitchFamily="50" charset="-128"/>
+            </a:endParaRPr>
+          </a:p>
+          <a:p>
+            <a:pPr algn="ctr"/>
+            <a:r>
+              <a:rPr kumimoji="1" lang="en-US" altLang="ja-JP" sz="4100" u="sng" dirty="0">
+                <a:ln w="12700">
+                  <a:solidFill>
+                    <a:schemeClr val="bg1"/>
+                  </a:solidFill>
+                </a:ln>
+                <a:latin typeface="Arial Black" panose="020B0A04020102020204" pitchFamily="34" charset="0"/>
+              </a:rPr>
+              <a:t>Anarchy Cars!!</a:t>
+            </a:r>
+            <a:r>
+              <a:rPr kumimoji="1" lang="en-US" altLang="ja-JP" sz="4100" u="sng" dirty="0">
+                <a:latin typeface="HGP創英ﾌﾟﾚｾﾞﾝｽEB" panose="02020800000000000000" pitchFamily="18" charset="-128"/>
+                <a:ea typeface="HGP創英ﾌﾟﾚｾﾞﾝｽEB" panose="02020800000000000000" pitchFamily="18" charset="-128"/>
+              </a:rPr>
+              <a:t>(</a:t>
+            </a:r>
+            <a:r>
+              <a:rPr kumimoji="1" lang="ja-JP" altLang="en-US" sz="4100" u="sng" dirty="0">
+                <a:latin typeface="HGP創英ﾌﾟﾚｾﾞﾝｽEB" panose="02020800000000000000" pitchFamily="18" charset="-128"/>
+                <a:ea typeface="HGP創英ﾌﾟﾚｾﾞﾝｽEB" panose="02020800000000000000" pitchFamily="18" charset="-128"/>
+              </a:rPr>
+              <a:t>仮</a:t>
+            </a:r>
+            <a:r>
+              <a:rPr kumimoji="1" lang="en-US" altLang="ja-JP" sz="4100" u="sng" dirty="0">
+                <a:latin typeface="HGP創英ﾌﾟﾚｾﾞﾝｽEB" panose="02020800000000000000" pitchFamily="18" charset="-128"/>
+                <a:ea typeface="HGP創英ﾌﾟﾚｾﾞﾝｽEB" panose="02020800000000000000" pitchFamily="18" charset="-128"/>
+              </a:rPr>
+              <a:t>)</a:t>
+            </a:r>
+          </a:p>
+        </p:txBody>
+      </p:sp>
+      <p:sp>
+        <p:nvSpPr>
+          <p:cNvPr id="5" name="テキスト ボックス 4">
+            <a:extLst>
+              <a:ext uri="{FF2B5EF4-FFF2-40B4-BE49-F238E27FC236}">
+                <a16:creationId xmlns:a16="http://schemas.microsoft.com/office/drawing/2014/main" id="{037D42CE-6DDC-46D8-A2BD-B5934E064002}"/>
+              </a:ext>
+            </a:extLst>
+          </p:cNvPr>
+          <p:cNvSpPr txBox="1"/>
+          <p:nvPr/>
+        </p:nvSpPr>
+        <p:spPr>
+          <a:xfrm>
+            <a:off x="359450" y="1542329"/>
+            <a:ext cx="2243073" cy="400110"/>
+          </a:xfrm>
+          <a:prstGeom prst="rect">
+            <a:avLst/>
+          </a:prstGeom>
+          <a:solidFill>
+            <a:schemeClr val="bg2">
+              <a:lumMod val="90000"/>
+            </a:schemeClr>
+          </a:solidFill>
+          <a:ln w="25400">
+            <a:solidFill>
+              <a:schemeClr val="accent4"/>
+            </a:solidFill>
+          </a:ln>
+        </p:spPr>
+        <p:txBody>
+          <a:bodyPr wrap="square" rtlCol="0">
+            <a:spAutoFit/>
+          </a:bodyPr>
+          <a:lstStyle/>
+          <a:p>
+            <a:pPr algn="ctr"/>
+            <a:r>
+              <a:rPr kumimoji="1" lang="ja-JP" altLang="en-US" sz="2000" dirty="0">
+                <a:latin typeface="HGP創英角ﾎﾟｯﾌﾟ体" panose="040B0A00000000000000" pitchFamily="50" charset="-128"/>
+                <a:ea typeface="HGP創英角ﾎﾟｯﾌﾟ体" panose="040B0A00000000000000" pitchFamily="50" charset="-128"/>
+              </a:rPr>
+              <a:t>ゲームのイメージ</a:t>
+            </a:r>
+          </a:p>
+        </p:txBody>
+      </p:sp>
+      <p:sp>
+        <p:nvSpPr>
+          <p:cNvPr id="6" name="テキスト ボックス 5">
+            <a:extLst>
+              <a:ext uri="{FF2B5EF4-FFF2-40B4-BE49-F238E27FC236}">
+                <a16:creationId xmlns:a16="http://schemas.microsoft.com/office/drawing/2014/main" id="{D85EB44D-D17D-46DA-B772-401EE313ED12}"/>
+              </a:ext>
+            </a:extLst>
+          </p:cNvPr>
+          <p:cNvSpPr txBox="1"/>
+          <p:nvPr/>
+        </p:nvSpPr>
+        <p:spPr>
+          <a:xfrm>
+            <a:off x="209238" y="3691787"/>
+            <a:ext cx="4238071" cy="379954"/>
+          </a:xfrm>
+          <a:prstGeom prst="rect">
+            <a:avLst/>
+          </a:prstGeom>
+          <a:solidFill>
+            <a:schemeClr val="accent2"/>
+          </a:solidFill>
+          <a:ln w="12700">
+            <a:solidFill>
+              <a:schemeClr val="tx1"/>
+            </a:solidFill>
+          </a:ln>
+        </p:spPr>
+        <p:txBody>
+          <a:bodyPr wrap="square" rtlCol="0">
+            <a:spAutoFit/>
+          </a:bodyPr>
+          <a:lstStyle/>
+          <a:p>
+            <a:pPr algn="ctr"/>
+            <a:r>
+              <a:rPr lang="ja-JP" altLang="en-US" dirty="0">
+                <a:latin typeface="HGPｺﾞｼｯｸE" panose="020B0900000000000000" pitchFamily="50" charset="-128"/>
+                <a:ea typeface="HGPｺﾞｼｯｸE" panose="020B0900000000000000" pitchFamily="50" charset="-128"/>
+              </a:rPr>
+              <a:t>ゲームの概要</a:t>
+            </a:r>
+          </a:p>
+        </p:txBody>
+      </p:sp>
+      <p:sp>
+        <p:nvSpPr>
+          <p:cNvPr id="7" name="テキスト ボックス 6">
+            <a:extLst>
+              <a:ext uri="{FF2B5EF4-FFF2-40B4-BE49-F238E27FC236}">
+                <a16:creationId xmlns:a16="http://schemas.microsoft.com/office/drawing/2014/main" id="{E3F1BEFB-3FDE-48D2-AFB7-7959856CEBBC}"/>
+              </a:ext>
+            </a:extLst>
+          </p:cNvPr>
+          <p:cNvSpPr txBox="1"/>
+          <p:nvPr/>
+        </p:nvSpPr>
+        <p:spPr>
+          <a:xfrm>
+            <a:off x="129562" y="4007559"/>
+            <a:ext cx="4414991" cy="646331"/>
+          </a:xfrm>
+          <a:prstGeom prst="rect">
+            <a:avLst/>
+          </a:prstGeom>
+          <a:noFill/>
+        </p:spPr>
+        <p:txBody>
+          <a:bodyPr wrap="none" rtlCol="0">
+            <a:spAutoFit/>
+          </a:bodyPr>
+          <a:lstStyle/>
+          <a:p>
+            <a:r>
+              <a:rPr kumimoji="1" lang="ja-JP" altLang="en-US" dirty="0">
+                <a:latin typeface="HGPｺﾞｼｯｸE" panose="020B0900000000000000" pitchFamily="50" charset="-128"/>
+                <a:ea typeface="HGPｺﾞｼｯｸE" panose="020B0900000000000000" pitchFamily="50" charset="-128"/>
+              </a:rPr>
+              <a:t>・やってはいけない</a:t>
+            </a:r>
+            <a:r>
+              <a:rPr kumimoji="1" lang="en-US" altLang="ja-JP" dirty="0">
+                <a:latin typeface="HGPｺﾞｼｯｸE" panose="020B0900000000000000" pitchFamily="50" charset="-128"/>
+                <a:ea typeface="HGPｺﾞｼｯｸE" panose="020B0900000000000000" pitchFamily="50" charset="-128"/>
+              </a:rPr>
+              <a:t>“</a:t>
+            </a:r>
+            <a:r>
+              <a:rPr kumimoji="1" lang="ja-JP" altLang="en-US" dirty="0">
+                <a:solidFill>
+                  <a:srgbClr val="FF0000"/>
+                </a:solidFill>
+                <a:latin typeface="HGPｺﾞｼｯｸE" panose="020B0900000000000000" pitchFamily="50" charset="-128"/>
+                <a:ea typeface="HGPｺﾞｼｯｸE" panose="020B0900000000000000" pitchFamily="50" charset="-128"/>
+              </a:rPr>
+              <a:t>背徳感</a:t>
+            </a:r>
+            <a:r>
+              <a:rPr kumimoji="1" lang="en-US" altLang="ja-JP" dirty="0">
+                <a:latin typeface="HGPｺﾞｼｯｸE" panose="020B0900000000000000" pitchFamily="50" charset="-128"/>
+                <a:ea typeface="HGPｺﾞｼｯｸE" panose="020B0900000000000000" pitchFamily="50" charset="-128"/>
+              </a:rPr>
+              <a:t>”</a:t>
+            </a:r>
+            <a:r>
+              <a:rPr kumimoji="1" lang="ja-JP" altLang="en-US" dirty="0">
+                <a:latin typeface="HGPｺﾞｼｯｸE" panose="020B0900000000000000" pitchFamily="50" charset="-128"/>
+                <a:ea typeface="HGPｺﾞｼｯｸE" panose="020B0900000000000000" pitchFamily="50" charset="-128"/>
+              </a:rPr>
+              <a:t>を感じてもらう</a:t>
+            </a:r>
+            <a:r>
+              <a:rPr kumimoji="1" lang="en-US" altLang="ja-JP" dirty="0">
+                <a:latin typeface="HGPｺﾞｼｯｸE" panose="020B0900000000000000" pitchFamily="50" charset="-128"/>
+                <a:ea typeface="HGPｺﾞｼｯｸE" panose="020B0900000000000000" pitchFamily="50" charset="-128"/>
+              </a:rPr>
+              <a:t>!!</a:t>
+            </a:r>
+          </a:p>
+          <a:p>
+            <a:r>
+              <a:rPr kumimoji="1" lang="ja-JP" altLang="en-US" dirty="0">
+                <a:latin typeface="HGPｺﾞｼｯｸE" panose="020B0900000000000000" pitchFamily="50" charset="-128"/>
+                <a:ea typeface="HGPｺﾞｼｯｸE" panose="020B0900000000000000" pitchFamily="50" charset="-128"/>
+              </a:rPr>
+              <a:t>・警察の猛攻を掻い潜り、暴れまわれ</a:t>
+            </a:r>
+            <a:r>
+              <a:rPr kumimoji="1" lang="en-US" altLang="ja-JP" dirty="0">
+                <a:latin typeface="HGPｺﾞｼｯｸE" panose="020B0900000000000000" pitchFamily="50" charset="-128"/>
+                <a:ea typeface="HGPｺﾞｼｯｸE" panose="020B0900000000000000" pitchFamily="50" charset="-128"/>
+              </a:rPr>
+              <a:t>!!</a:t>
+            </a:r>
+          </a:p>
+        </p:txBody>
+      </p:sp>
+      <p:sp>
+        <p:nvSpPr>
+          <p:cNvPr id="8" name="テキスト ボックス 7">
+            <a:extLst>
+              <a:ext uri="{FF2B5EF4-FFF2-40B4-BE49-F238E27FC236}">
+                <a16:creationId xmlns:a16="http://schemas.microsoft.com/office/drawing/2014/main" id="{D752C7F8-47FE-49C5-95F0-E6F8F8198A92}"/>
+              </a:ext>
+            </a:extLst>
+          </p:cNvPr>
+          <p:cNvSpPr txBox="1"/>
+          <p:nvPr/>
+        </p:nvSpPr>
+        <p:spPr>
+          <a:xfrm>
+            <a:off x="4018962" y="1547012"/>
+            <a:ext cx="2803726" cy="461665"/>
+          </a:xfrm>
+          <a:prstGeom prst="rect">
+            <a:avLst/>
+          </a:prstGeom>
+          <a:solidFill>
+            <a:schemeClr val="accent2"/>
+          </a:solidFill>
+          <a:ln w="12700">
+            <a:solidFill>
+              <a:schemeClr val="tx1"/>
+            </a:solidFill>
+          </a:ln>
+        </p:spPr>
+        <p:txBody>
+          <a:bodyPr wrap="square" rtlCol="0">
+            <a:spAutoFit/>
+          </a:bodyPr>
+          <a:lstStyle/>
+          <a:p>
+            <a:pPr algn="ctr"/>
+            <a:r>
+              <a:rPr kumimoji="1" lang="ja-JP" altLang="en-US" sz="2400" dirty="0">
+                <a:latin typeface="HGPｺﾞｼｯｸE" panose="020B0900000000000000" pitchFamily="50" charset="-128"/>
+                <a:ea typeface="HGPｺﾞｼｯｸE" panose="020B0900000000000000" pitchFamily="50" charset="-128"/>
+              </a:rPr>
+              <a:t>このゲームならでは</a:t>
+            </a:r>
+          </a:p>
+        </p:txBody>
+      </p:sp>
+      <p:sp>
+        <p:nvSpPr>
+          <p:cNvPr id="10" name="テキスト ボックス 9">
+            <a:extLst>
+              <a:ext uri="{FF2B5EF4-FFF2-40B4-BE49-F238E27FC236}">
+                <a16:creationId xmlns:a16="http://schemas.microsoft.com/office/drawing/2014/main" id="{84692D28-D83E-4985-A0A3-D631C3995221}"/>
+              </a:ext>
+            </a:extLst>
+          </p:cNvPr>
+          <p:cNvSpPr txBox="1"/>
+          <p:nvPr/>
+        </p:nvSpPr>
+        <p:spPr>
+          <a:xfrm>
+            <a:off x="3962731" y="1926902"/>
+            <a:ext cx="2916183" cy="1477328"/>
+          </a:xfrm>
+          <a:prstGeom prst="rect">
+            <a:avLst/>
+          </a:prstGeom>
+          <a:noFill/>
+          <a:ln w="12700">
+            <a:noFill/>
+          </a:ln>
+        </p:spPr>
+        <p:txBody>
+          <a:bodyPr wrap="none" rtlCol="0">
+            <a:spAutoFit/>
+          </a:bodyPr>
+          <a:lstStyle/>
+          <a:p>
+            <a:r>
+              <a:rPr kumimoji="1" lang="ja-JP" altLang="en-US" dirty="0">
+                <a:latin typeface="HGPｺﾞｼｯｸE" panose="020B0900000000000000" pitchFamily="50" charset="-128"/>
+                <a:ea typeface="HGPｺﾞｼｯｸE" panose="020B0900000000000000" pitchFamily="50" charset="-128"/>
+              </a:rPr>
+              <a:t>悪いことをすると</a:t>
+            </a:r>
+            <a:r>
+              <a:rPr kumimoji="1" lang="ja-JP" altLang="en-US" dirty="0">
+                <a:solidFill>
+                  <a:schemeClr val="accent1"/>
+                </a:solidFill>
+                <a:latin typeface="HGPｺﾞｼｯｸE" panose="020B0900000000000000" pitchFamily="50" charset="-128"/>
+                <a:ea typeface="HGPｺﾞｼｯｸE" panose="020B0900000000000000" pitchFamily="50" charset="-128"/>
+              </a:rPr>
+              <a:t>失点</a:t>
+            </a:r>
+            <a:r>
+              <a:rPr kumimoji="1" lang="ja-JP" altLang="en-US" dirty="0">
+                <a:latin typeface="HGPｺﾞｼｯｸE" panose="020B0900000000000000" pitchFamily="50" charset="-128"/>
+                <a:ea typeface="HGPｺﾞｼｯｸE" panose="020B0900000000000000" pitchFamily="50" charset="-128"/>
+              </a:rPr>
+              <a:t>する</a:t>
+            </a:r>
+            <a:r>
+              <a:rPr kumimoji="1" lang="en-US" altLang="ja-JP" dirty="0">
+                <a:latin typeface="HGPｺﾞｼｯｸE" panose="020B0900000000000000" pitchFamily="50" charset="-128"/>
+                <a:ea typeface="HGPｺﾞｼｯｸE" panose="020B0900000000000000" pitchFamily="50" charset="-128"/>
+              </a:rPr>
+              <a:t>…</a:t>
+            </a:r>
+          </a:p>
+          <a:p>
+            <a:r>
+              <a:rPr kumimoji="1" lang="ja-JP" altLang="en-US" dirty="0">
+                <a:latin typeface="HGPｺﾞｼｯｸE" panose="020B0900000000000000" pitchFamily="50" charset="-128"/>
+                <a:ea typeface="HGPｺﾞｼｯｸE" panose="020B0900000000000000" pitchFamily="50" charset="-128"/>
+              </a:rPr>
+              <a:t>重い罪ほど</a:t>
+            </a:r>
+            <a:r>
+              <a:rPr kumimoji="1" lang="ja-JP" altLang="en-US" dirty="0">
+                <a:solidFill>
+                  <a:schemeClr val="accent1"/>
+                </a:solidFill>
+                <a:latin typeface="HGPｺﾞｼｯｸE" panose="020B0900000000000000" pitchFamily="50" charset="-128"/>
+                <a:ea typeface="HGPｺﾞｼｯｸE" panose="020B0900000000000000" pitchFamily="50" charset="-128"/>
+              </a:rPr>
+              <a:t>失点</a:t>
+            </a:r>
+            <a:r>
+              <a:rPr kumimoji="1" lang="ja-JP" altLang="en-US" dirty="0">
+                <a:latin typeface="HGPｺﾞｼｯｸE" panose="020B0900000000000000" pitchFamily="50" charset="-128"/>
+                <a:ea typeface="HGPｺﾞｼｯｸE" panose="020B0900000000000000" pitchFamily="50" charset="-128"/>
+              </a:rPr>
+              <a:t>が大きい</a:t>
+            </a:r>
+            <a:r>
+              <a:rPr kumimoji="1" lang="en-US" altLang="ja-JP" dirty="0">
+                <a:latin typeface="HGPｺﾞｼｯｸE" panose="020B0900000000000000" pitchFamily="50" charset="-128"/>
+                <a:ea typeface="HGPｺﾞｼｯｸE" panose="020B0900000000000000" pitchFamily="50" charset="-128"/>
+              </a:rPr>
+              <a:t>!!</a:t>
+            </a:r>
+          </a:p>
+          <a:p>
+            <a:r>
+              <a:rPr kumimoji="1" lang="ja-JP" altLang="en-US" dirty="0">
+                <a:latin typeface="HGPｺﾞｼｯｸE" panose="020B0900000000000000" pitchFamily="50" charset="-128"/>
+                <a:ea typeface="HGPｺﾞｼｯｸE" panose="020B0900000000000000" pitchFamily="50" charset="-128"/>
+              </a:rPr>
+              <a:t>しかしこのゲームでは</a:t>
+            </a:r>
+            <a:endParaRPr kumimoji="1" lang="en-US" altLang="ja-JP" dirty="0">
+              <a:latin typeface="HGPｺﾞｼｯｸE" panose="020B0900000000000000" pitchFamily="50" charset="-128"/>
+              <a:ea typeface="HGPｺﾞｼｯｸE" panose="020B0900000000000000" pitchFamily="50" charset="-128"/>
+            </a:endParaRPr>
+          </a:p>
+          <a:p>
+            <a:r>
+              <a:rPr kumimoji="1" lang="ja-JP" altLang="en-US" dirty="0">
+                <a:latin typeface="HGPｺﾞｼｯｸE" panose="020B0900000000000000" pitchFamily="50" charset="-128"/>
+                <a:ea typeface="HGPｺﾞｼｯｸE" panose="020B0900000000000000" pitchFamily="50" charset="-128"/>
+              </a:rPr>
+              <a:t>大きな</a:t>
+            </a:r>
+            <a:r>
+              <a:rPr kumimoji="1" lang="ja-JP" altLang="en-US" dirty="0">
+                <a:solidFill>
+                  <a:schemeClr val="accent1"/>
+                </a:solidFill>
+                <a:latin typeface="HGPｺﾞｼｯｸE" panose="020B0900000000000000" pitchFamily="50" charset="-128"/>
+                <a:ea typeface="HGPｺﾞｼｯｸE" panose="020B0900000000000000" pitchFamily="50" charset="-128"/>
+              </a:rPr>
+              <a:t>失点</a:t>
+            </a:r>
+            <a:r>
+              <a:rPr kumimoji="1" lang="ja-JP" altLang="en-US" dirty="0">
+                <a:latin typeface="HGPｺﾞｼｯｸE" panose="020B0900000000000000" pitchFamily="50" charset="-128"/>
+                <a:ea typeface="HGPｺﾞｼｯｸE" panose="020B0900000000000000" pitchFamily="50" charset="-128"/>
+              </a:rPr>
+              <a:t>こそが</a:t>
+            </a:r>
+            <a:r>
+              <a:rPr kumimoji="1" lang="ja-JP" altLang="en-US" dirty="0">
+                <a:solidFill>
+                  <a:srgbClr val="FF0000"/>
+                </a:solidFill>
+                <a:latin typeface="HGPｺﾞｼｯｸE" panose="020B0900000000000000" pitchFamily="50" charset="-128"/>
+                <a:ea typeface="HGPｺﾞｼｯｸE" panose="020B0900000000000000" pitchFamily="50" charset="-128"/>
+              </a:rPr>
+              <a:t>高得点</a:t>
+            </a:r>
+            <a:r>
+              <a:rPr kumimoji="1" lang="en-US" altLang="ja-JP" dirty="0">
+                <a:latin typeface="HGPｺﾞｼｯｸE" panose="020B0900000000000000" pitchFamily="50" charset="-128"/>
+                <a:ea typeface="HGPｺﾞｼｯｸE" panose="020B0900000000000000" pitchFamily="50" charset="-128"/>
+              </a:rPr>
+              <a:t>!!</a:t>
+            </a:r>
+          </a:p>
+          <a:p>
+            <a:r>
+              <a:rPr kumimoji="1" lang="ja-JP" altLang="en-US" dirty="0">
+                <a:latin typeface="HGPｺﾞｼｯｸE" panose="020B0900000000000000" pitchFamily="50" charset="-128"/>
+                <a:ea typeface="HGPｺﾞｼｯｸE" panose="020B0900000000000000" pitchFamily="50" charset="-128"/>
+              </a:rPr>
+              <a:t>今までにないカートゲーム</a:t>
+            </a:r>
+            <a:r>
+              <a:rPr kumimoji="1" lang="en-US" altLang="ja-JP" dirty="0">
+                <a:latin typeface="HGPｺﾞｼｯｸE" panose="020B0900000000000000" pitchFamily="50" charset="-128"/>
+                <a:ea typeface="HGPｺﾞｼｯｸE" panose="020B0900000000000000" pitchFamily="50" charset="-128"/>
+              </a:rPr>
+              <a:t>!!</a:t>
+            </a:r>
+          </a:p>
+        </p:txBody>
+      </p:sp>
+      <p:sp>
+        <p:nvSpPr>
+          <p:cNvPr id="37" name="正方形/長方形 36">
+            <a:extLst>
+              <a:ext uri="{FF2B5EF4-FFF2-40B4-BE49-F238E27FC236}">
+                <a16:creationId xmlns:a16="http://schemas.microsoft.com/office/drawing/2014/main" id="{2A97710B-1979-45C2-8EE3-33065EBEA4E4}"/>
+              </a:ext>
+            </a:extLst>
+          </p:cNvPr>
+          <p:cNvSpPr/>
+          <p:nvPr/>
+        </p:nvSpPr>
+        <p:spPr>
+          <a:xfrm>
+            <a:off x="209238" y="5225663"/>
+            <a:ext cx="2617558" cy="966089"/>
+          </a:xfrm>
+          <a:prstGeom prst="rect">
+            <a:avLst/>
+          </a:prstGeom>
+          <a:solidFill>
+            <a:schemeClr val="accent6">
+              <a:lumMod val="40000"/>
+              <a:lumOff val="60000"/>
+            </a:schemeClr>
+          </a:solidFill>
+          <a:ln>
+            <a:solidFill>
+              <a:schemeClr val="tx1"/>
+            </a:solidFill>
+          </a:ln>
+        </p:spPr>
+        <p:style>
+          <a:lnRef idx="2">
+            <a:schemeClr val="accent1">
+              <a:shade val="50000"/>
+            </a:schemeClr>
+          </a:lnRef>
+          <a:fillRef idx="1">
+            <a:schemeClr val="accent1"/>
+          </a:fillRef>
+          <a:effectRef idx="0">
+            <a:schemeClr val="accent1"/>
+          </a:effectRef>
+          <a:fontRef idx="minor">
+            <a:schemeClr val="lt1"/>
+          </a:fontRef>
+        </p:style>
+        <p:txBody>
+          <a:bodyPr rtlCol="0" anchor="ctr"/>
+          <a:lstStyle/>
+          <a:p>
+            <a:pPr algn="ctr"/>
+            <a:endParaRPr kumimoji="1" lang="ja-JP" altLang="en-US" dirty="0"/>
+          </a:p>
+        </p:txBody>
+      </p:sp>
+      <p:sp>
+        <p:nvSpPr>
+          <p:cNvPr id="38" name="テキスト ボックス 37">
+            <a:extLst>
+              <a:ext uri="{FF2B5EF4-FFF2-40B4-BE49-F238E27FC236}">
+                <a16:creationId xmlns:a16="http://schemas.microsoft.com/office/drawing/2014/main" id="{C1C9EB59-1F21-48BA-B349-4CA98FA9F139}"/>
+              </a:ext>
+            </a:extLst>
+          </p:cNvPr>
+          <p:cNvSpPr txBox="1"/>
+          <p:nvPr/>
+        </p:nvSpPr>
+        <p:spPr>
+          <a:xfrm>
+            <a:off x="177746" y="5176089"/>
+            <a:ext cx="2680542" cy="1015663"/>
+          </a:xfrm>
+          <a:prstGeom prst="rect">
+            <a:avLst/>
+          </a:prstGeom>
+          <a:noFill/>
+        </p:spPr>
+        <p:txBody>
+          <a:bodyPr wrap="none" rtlCol="0">
+            <a:spAutoFit/>
+          </a:bodyPr>
+          <a:lstStyle/>
+          <a:p>
+            <a:r>
+              <a:rPr kumimoji="1" lang="ja-JP" altLang="en-US" sz="1200" dirty="0">
+                <a:latin typeface="HGPｺﾞｼｯｸE" panose="020B0900000000000000" pitchFamily="50" charset="-128"/>
+                <a:ea typeface="HGPｺﾞｼｯｸE" panose="020B0900000000000000" pitchFamily="50" charset="-128"/>
+              </a:rPr>
+              <a:t>このゲームの敵は全員犯罪者</a:t>
+            </a:r>
+            <a:r>
+              <a:rPr kumimoji="1" lang="en-US" altLang="ja-JP" sz="1200" dirty="0">
+                <a:latin typeface="HGPｺﾞｼｯｸE" panose="020B0900000000000000" pitchFamily="50" charset="-128"/>
+                <a:ea typeface="HGPｺﾞｼｯｸE" panose="020B0900000000000000" pitchFamily="50" charset="-128"/>
+              </a:rPr>
+              <a:t>!!</a:t>
+            </a:r>
+          </a:p>
+          <a:p>
+            <a:r>
+              <a:rPr kumimoji="1" lang="ja-JP" altLang="en-US" sz="1200" dirty="0">
+                <a:latin typeface="HGPｺﾞｼｯｸE" panose="020B0900000000000000" pitchFamily="50" charset="-128"/>
+                <a:ea typeface="HGPｺﾞｼｯｸE" panose="020B0900000000000000" pitchFamily="50" charset="-128"/>
+              </a:rPr>
+              <a:t>一見悪いことをしているように思えるが</a:t>
+            </a:r>
+            <a:endParaRPr kumimoji="1" lang="en-US" altLang="ja-JP" sz="1200" dirty="0">
+              <a:latin typeface="HGPｺﾞｼｯｸE" panose="020B0900000000000000" pitchFamily="50" charset="-128"/>
+              <a:ea typeface="HGPｺﾞｼｯｸE" panose="020B0900000000000000" pitchFamily="50" charset="-128"/>
+            </a:endParaRPr>
+          </a:p>
+          <a:p>
+            <a:r>
+              <a:rPr kumimoji="1" lang="ja-JP" altLang="en-US" sz="1200" dirty="0">
+                <a:latin typeface="HGPｺﾞｼｯｸE" panose="020B0900000000000000" pitchFamily="50" charset="-128"/>
+                <a:ea typeface="HGPｺﾞｼｯｸE" panose="020B0900000000000000" pitchFamily="50" charset="-128"/>
+              </a:rPr>
+              <a:t>全て世のため人のため</a:t>
+            </a:r>
+            <a:r>
+              <a:rPr kumimoji="1" lang="en-US" altLang="ja-JP" sz="1200" dirty="0">
+                <a:latin typeface="HGPｺﾞｼｯｸE" panose="020B0900000000000000" pitchFamily="50" charset="-128"/>
+                <a:ea typeface="HGPｺﾞｼｯｸE" panose="020B0900000000000000" pitchFamily="50" charset="-128"/>
+              </a:rPr>
+              <a:t>!!</a:t>
+            </a:r>
+          </a:p>
+          <a:p>
+            <a:r>
+              <a:rPr kumimoji="1" lang="ja-JP" altLang="en-US" sz="1200" dirty="0">
+                <a:latin typeface="HGPｺﾞｼｯｸE" panose="020B0900000000000000" pitchFamily="50" charset="-128"/>
+                <a:ea typeface="HGPｺﾞｼｯｸE" panose="020B0900000000000000" pitchFamily="50" charset="-128"/>
+              </a:rPr>
+              <a:t>しかし、それに気づく者は誰もいない</a:t>
+            </a:r>
+            <a:r>
+              <a:rPr kumimoji="1" lang="en-US" altLang="ja-JP" sz="1200" dirty="0">
+                <a:latin typeface="HGPｺﾞｼｯｸE" panose="020B0900000000000000" pitchFamily="50" charset="-128"/>
+                <a:ea typeface="HGPｺﾞｼｯｸE" panose="020B0900000000000000" pitchFamily="50" charset="-128"/>
+              </a:rPr>
+              <a:t>…</a:t>
+            </a:r>
+          </a:p>
+          <a:p>
+            <a:r>
+              <a:rPr kumimoji="1" lang="ja-JP" altLang="en-US" sz="1200" dirty="0">
+                <a:latin typeface="HGPｺﾞｼｯｸE" panose="020B0900000000000000" pitchFamily="50" charset="-128"/>
+                <a:ea typeface="HGPｺﾞｼｯｸE" panose="020B0900000000000000" pitchFamily="50" charset="-128"/>
+              </a:rPr>
+              <a:t>気分はまさにダークヒーロー</a:t>
+            </a:r>
+            <a:r>
+              <a:rPr kumimoji="1" lang="en-US" altLang="ja-JP" sz="1200" dirty="0">
+                <a:latin typeface="HGPｺﾞｼｯｸE" panose="020B0900000000000000" pitchFamily="50" charset="-128"/>
+                <a:ea typeface="HGPｺﾞｼｯｸE" panose="020B0900000000000000" pitchFamily="50" charset="-128"/>
+              </a:rPr>
+              <a:t>!!</a:t>
+            </a:r>
+          </a:p>
+        </p:txBody>
+      </p:sp>
+      <p:sp>
+        <p:nvSpPr>
+          <p:cNvPr id="32" name="正方形/長方形 31">
+            <a:extLst>
+              <a:ext uri="{FF2B5EF4-FFF2-40B4-BE49-F238E27FC236}">
+                <a16:creationId xmlns:a16="http://schemas.microsoft.com/office/drawing/2014/main" id="{0FC8A722-9AFE-43B4-83EE-FC14B5F6E8F1}"/>
+              </a:ext>
+            </a:extLst>
+          </p:cNvPr>
+          <p:cNvSpPr/>
+          <p:nvPr/>
+        </p:nvSpPr>
+        <p:spPr>
+          <a:xfrm>
+            <a:off x="209238" y="4844707"/>
+            <a:ext cx="2617558" cy="379954"/>
+          </a:xfrm>
+          <a:prstGeom prst="rect">
+            <a:avLst/>
+          </a:prstGeom>
+          <a:solidFill>
+            <a:schemeClr val="accent2"/>
+          </a:solidFill>
+          <a:ln>
+            <a:solidFill>
+              <a:schemeClr val="tx1"/>
+            </a:solidFill>
+          </a:ln>
+        </p:spPr>
+        <p:style>
+          <a:lnRef idx="2">
+            <a:schemeClr val="accent1">
+              <a:shade val="50000"/>
+            </a:schemeClr>
+          </a:lnRef>
+          <a:fillRef idx="1">
+            <a:schemeClr val="accent1"/>
+          </a:fillRef>
+          <a:effectRef idx="0">
+            <a:schemeClr val="accent1"/>
+          </a:effectRef>
+          <a:fontRef idx="minor">
+            <a:schemeClr val="lt1"/>
+          </a:fontRef>
+        </p:style>
+        <p:txBody>
+          <a:bodyPr rtlCol="0" anchor="ctr"/>
+          <a:lstStyle/>
+          <a:p>
+            <a:pPr algn="ctr"/>
+            <a:r>
+              <a:rPr kumimoji="1" lang="ja-JP" altLang="en-US" dirty="0">
+                <a:solidFill>
+                  <a:schemeClr val="tx1"/>
+                </a:solidFill>
+                <a:latin typeface="HGPｺﾞｼｯｸE" panose="020B0900000000000000" pitchFamily="50" charset="-128"/>
+                <a:ea typeface="HGPｺﾞｼｯｸE" panose="020B0900000000000000" pitchFamily="50" charset="-128"/>
+              </a:rPr>
+              <a:t>実は</a:t>
+            </a:r>
+            <a:r>
+              <a:rPr kumimoji="1" lang="en-US" altLang="ja-JP" dirty="0">
+                <a:solidFill>
+                  <a:schemeClr val="tx1"/>
+                </a:solidFill>
+                <a:latin typeface="HGPｺﾞｼｯｸE" panose="020B0900000000000000" pitchFamily="50" charset="-128"/>
+                <a:ea typeface="HGPｺﾞｼｯｸE" panose="020B0900000000000000" pitchFamily="50" charset="-128"/>
+              </a:rPr>
+              <a:t>…</a:t>
+            </a:r>
+            <a:endParaRPr kumimoji="1" lang="ja-JP" altLang="en-US" dirty="0">
+              <a:solidFill>
+                <a:schemeClr val="tx1"/>
+              </a:solidFill>
+              <a:latin typeface="HGPｺﾞｼｯｸE" panose="020B0900000000000000" pitchFamily="50" charset="-128"/>
+              <a:ea typeface="HGPｺﾞｼｯｸE" panose="020B0900000000000000" pitchFamily="50" charset="-128"/>
+            </a:endParaRPr>
+          </a:p>
+        </p:txBody>
+      </p:sp>
+      <p:sp>
+        <p:nvSpPr>
+          <p:cNvPr id="39" name="矢印: 下 38">
+            <a:extLst>
+              <a:ext uri="{FF2B5EF4-FFF2-40B4-BE49-F238E27FC236}">
+                <a16:creationId xmlns:a16="http://schemas.microsoft.com/office/drawing/2014/main" id="{1CDAF6DA-4F33-4099-979B-6AD2EEA53786}"/>
+              </a:ext>
+            </a:extLst>
+          </p:cNvPr>
+          <p:cNvSpPr/>
+          <p:nvPr/>
+        </p:nvSpPr>
+        <p:spPr>
+          <a:xfrm>
+            <a:off x="4734347" y="3447479"/>
+            <a:ext cx="1405467" cy="379954"/>
+          </a:xfrm>
+          <a:prstGeom prst="downArrow">
+            <a:avLst/>
+          </a:prstGeom>
+          <a:solidFill>
+            <a:schemeClr val="bg1"/>
+          </a:solidFill>
+          <a:ln w="38100">
+            <a:solidFill>
+              <a:schemeClr val="tx1"/>
+            </a:solidFill>
+          </a:ln>
+        </p:spPr>
+        <p:style>
+          <a:lnRef idx="2">
+            <a:schemeClr val="accent1">
+              <a:shade val="50000"/>
+            </a:schemeClr>
+          </a:lnRef>
+          <a:fillRef idx="1">
+            <a:schemeClr val="accent1"/>
+          </a:fillRef>
+          <a:effectRef idx="0">
+            <a:schemeClr val="accent1"/>
+          </a:effectRef>
+          <a:fontRef idx="minor">
+            <a:schemeClr val="lt1"/>
+          </a:fontRef>
+        </p:style>
+        <p:txBody>
+          <a:bodyPr rtlCol="0" anchor="ctr"/>
+          <a:lstStyle/>
+          <a:p>
+            <a:pPr algn="ctr"/>
+            <a:endParaRPr kumimoji="1" lang="ja-JP" altLang="en-US"/>
+          </a:p>
+        </p:txBody>
+      </p:sp>
+    </p:spTree>
+    <p:extLst>
+      <p:ext uri="{BB962C8B-B14F-4D97-AF65-F5344CB8AC3E}">
+        <p14:creationId xmlns:p14="http://schemas.microsoft.com/office/powerpoint/2010/main" val="192590622"/>
+      </p:ext>
+    </p:extLst>
+  </p:cSld>
+  <p:clrMapOvr>
+    <a:masterClrMapping/>
+  </p:clrMapOvr>
+</p:sld>
+</file>
+
+<file path=ppt/slides/slide2.xml><?xml version="1.0" encoding="utf-8"?>
+<p:sld xmlns:a="http://schemas.openxmlformats.org/drawingml/2006/main" xmlns:r="http://schemas.openxmlformats.org/officeDocument/2006/relationships" xmlns:p="http://schemas.openxmlformats.org/presentationml/2006/main">
+  <p:cSld>
+    <p:spTree>
+      <p:nvGrpSpPr>
+        <p:cNvPr id="1" name=""/>
+        <p:cNvGrpSpPr/>
+        <p:nvPr/>
+      </p:nvGrpSpPr>
+      <p:grpSpPr>
+        <a:xfrm>
+          <a:off x="0" y="0"/>
+          <a:ext cx="0" cy="0"/>
+          <a:chOff x="0" y="0"/>
+          <a:chExt cx="0" cy="0"/>
+        </a:xfrm>
+      </p:grpSpPr>
+      <p:pic>
+        <p:nvPicPr>
+          <p:cNvPr id="3" name="図 2">
+            <a:extLst>
+              <a:ext uri="{FF2B5EF4-FFF2-40B4-BE49-F238E27FC236}">
+                <a16:creationId xmlns:a16="http://schemas.microsoft.com/office/drawing/2014/main" id="{F4BB01B8-B2B8-4C8F-9A3D-F1CA852848D8}"/>
+              </a:ext>
+            </a:extLst>
+          </p:cNvPr>
+          <p:cNvPicPr>
+            <a:picLocks noChangeAspect="1"/>
+          </p:cNvPicPr>
+          <p:nvPr/>
+        </p:nvPicPr>
+        <p:blipFill>
+          <a:blip r:embed="rId2">
+            <a:extLst>
+              <a:ext uri="{28A0092B-C50C-407E-A947-70E740481C1C}">
+                <a14:useLocalDpi xmlns:a14="http://schemas.microsoft.com/office/drawing/2010/main" val="0"/>
+              </a:ext>
+            </a:extLst>
+          </a:blip>
+          <a:stretch>
+            <a:fillRect/>
+          </a:stretch>
+        </p:blipFill>
+        <p:spPr>
+          <a:xfrm>
+            <a:off x="1132210" y="1977860"/>
+            <a:ext cx="4749552" cy="2796171"/>
+          </a:xfrm>
+          <a:prstGeom prst="rect">
+            <a:avLst/>
+          </a:prstGeom>
+        </p:spPr>
+      </p:pic>
+      <p:sp>
+        <p:nvSpPr>
+          <p:cNvPr id="23" name="正方形/長方形 22">
+            <a:extLst>
+              <a:ext uri="{FF2B5EF4-FFF2-40B4-BE49-F238E27FC236}">
+                <a16:creationId xmlns:a16="http://schemas.microsoft.com/office/drawing/2014/main" id="{3A036FFA-8B06-40B3-8A89-34318D1629E5}"/>
+              </a:ext>
+            </a:extLst>
+          </p:cNvPr>
+          <p:cNvSpPr/>
+          <p:nvPr/>
+        </p:nvSpPr>
+        <p:spPr>
+          <a:xfrm>
+            <a:off x="43979" y="6629682"/>
+            <a:ext cx="3473618" cy="1810933"/>
+          </a:xfrm>
+          <a:prstGeom prst="rect">
+            <a:avLst/>
+          </a:prstGeom>
+          <a:solidFill>
+            <a:schemeClr val="accent4">
+              <a:lumMod val="40000"/>
+              <a:lumOff val="60000"/>
+            </a:schemeClr>
+          </a:solidFill>
+          <a:ln w="12700">
+            <a:solidFill>
+              <a:schemeClr val="tx1"/>
+            </a:solidFill>
+          </a:ln>
+        </p:spPr>
+        <p:style>
+          <a:lnRef idx="2">
+            <a:schemeClr val="accent1">
+              <a:shade val="50000"/>
+            </a:schemeClr>
+          </a:lnRef>
+          <a:fillRef idx="1">
+            <a:schemeClr val="accent1"/>
+          </a:fillRef>
+          <a:effectRef idx="0">
+            <a:schemeClr val="accent1"/>
+          </a:effectRef>
+          <a:fontRef idx="minor">
+            <a:schemeClr val="lt1"/>
+          </a:fontRef>
+        </p:style>
+        <p:txBody>
+          <a:bodyPr rtlCol="0" anchor="ctr"/>
+          <a:lstStyle/>
+          <a:p>
+            <a:pPr algn="ctr"/>
+            <a:endParaRPr kumimoji="1" lang="ja-JP" altLang="en-US"/>
+          </a:p>
+        </p:txBody>
+      </p:sp>
+      <p:sp>
+        <p:nvSpPr>
+          <p:cNvPr id="20" name="正方形/長方形 19">
+            <a:extLst>
+              <a:ext uri="{FF2B5EF4-FFF2-40B4-BE49-F238E27FC236}">
+                <a16:creationId xmlns:a16="http://schemas.microsoft.com/office/drawing/2014/main" id="{9285CB1D-A86C-450E-92FC-A256247753DA}"/>
+              </a:ext>
+            </a:extLst>
+          </p:cNvPr>
+          <p:cNvSpPr/>
+          <p:nvPr/>
+        </p:nvSpPr>
+        <p:spPr>
+          <a:xfrm>
+            <a:off x="47304" y="4815917"/>
+            <a:ext cx="6707510" cy="1721108"/>
+          </a:xfrm>
+          <a:prstGeom prst="rect">
+            <a:avLst/>
+          </a:prstGeom>
+          <a:solidFill>
+            <a:schemeClr val="bg2">
+              <a:lumMod val="90000"/>
+            </a:schemeClr>
+          </a:solidFill>
+          <a:ln w="12700">
+            <a:solidFill>
+              <a:schemeClr val="tx1"/>
+            </a:solidFill>
+          </a:ln>
+        </p:spPr>
+        <p:style>
+          <a:lnRef idx="2">
+            <a:schemeClr val="accent1">
+              <a:shade val="50000"/>
+            </a:schemeClr>
+          </a:lnRef>
+          <a:fillRef idx="1">
+            <a:schemeClr val="accent1"/>
+          </a:fillRef>
+          <a:effectRef idx="0">
+            <a:schemeClr val="accent1"/>
+          </a:effectRef>
+          <a:fontRef idx="minor">
+            <a:schemeClr val="lt1"/>
+          </a:fontRef>
+        </p:style>
+        <p:txBody>
+          <a:bodyPr rtlCol="0" anchor="ctr"/>
+          <a:lstStyle/>
+          <a:p>
+            <a:pPr algn="ctr"/>
+            <a:endParaRPr kumimoji="1" lang="ja-JP" altLang="en-US" dirty="0"/>
+          </a:p>
+        </p:txBody>
+      </p:sp>
+      <p:sp>
+        <p:nvSpPr>
+          <p:cNvPr id="18" name="四角形: 角を丸くする 17">
+            <a:extLst>
+              <a:ext uri="{FF2B5EF4-FFF2-40B4-BE49-F238E27FC236}">
+                <a16:creationId xmlns:a16="http://schemas.microsoft.com/office/drawing/2014/main" id="{72DC9C2F-5F6E-4C69-A2C6-15D4F6F68057}"/>
+              </a:ext>
+            </a:extLst>
+          </p:cNvPr>
+          <p:cNvSpPr/>
+          <p:nvPr/>
+        </p:nvSpPr>
+        <p:spPr>
+          <a:xfrm>
             <a:off x="150490" y="1496797"/>
             <a:ext cx="6520047" cy="3225048"/>
           </a:xfrm>
@@ -3445,8 +4514,8 @@
         </p:nvSpPr>
         <p:spPr>
           <a:xfrm>
-            <a:off x="245275" y="0"/>
-            <a:ext cx="6367449" cy="1354217"/>
+            <a:off x="746089" y="0"/>
+            <a:ext cx="5365828" cy="1354217"/>
           </a:xfrm>
           <a:prstGeom prst="rect">
             <a:avLst/>
@@ -3470,31 +4539,26 @@
           <a:p>
             <a:pPr algn="ctr"/>
             <a:r>
-              <a:rPr kumimoji="1" lang="ja-JP" altLang="en-US" sz="4100" dirty="0">
-                <a:latin typeface="HGP創英ﾌﾟﾚｾﾞﾝｽEB" panose="02020800000000000000" pitchFamily="18" charset="-128"/>
-                <a:ea typeface="HGP創英ﾌﾟﾚｾﾞﾝｽEB" panose="02020800000000000000" pitchFamily="18" charset="-128"/>
-              </a:rPr>
-              <a:t>道路交通法なんて</a:t>
-            </a:r>
-            <a:r>
-              <a:rPr kumimoji="1" lang="ja-JP" altLang="en-US" sz="4100" b="1" dirty="0">
-                <a:ln>
+              <a:rPr kumimoji="1" lang="ja-JP" altLang="en-US" sz="4100" u="sng" dirty="0">
+                <a:ln w="12700">
                   <a:solidFill>
                     <a:schemeClr val="bg1"/>
                   </a:solidFill>
                 </a:ln>
-                <a:latin typeface="HGP創英ﾌﾟﾚｾﾞﾝｽEB" panose="02020800000000000000" pitchFamily="18" charset="-128"/>
-                <a:ea typeface="HGP創英ﾌﾟﾚｾﾞﾝｽEB" panose="02020800000000000000" pitchFamily="18" charset="-128"/>
-              </a:rPr>
-              <a:t>くそくらえ</a:t>
-            </a:r>
-            <a:r>
-              <a:rPr kumimoji="1" lang="en-US" altLang="ja-JP" sz="4100" dirty="0">
-                <a:latin typeface="HGP創英ﾌﾟﾚｾﾞﾝｽEB" panose="02020800000000000000" pitchFamily="18" charset="-128"/>
-                <a:ea typeface="HGP創英ﾌﾟﾚｾﾞﾝｽEB" panose="02020800000000000000" pitchFamily="18" charset="-128"/>
-              </a:rPr>
-              <a:t>!!</a:t>
-            </a:r>
+                <a:latin typeface="HGSｺﾞｼｯｸE" panose="020B0900000000000000" pitchFamily="50" charset="-128"/>
+                <a:ea typeface="HGSｺﾞｼｯｸE" panose="020B0900000000000000" pitchFamily="50" charset="-128"/>
+              </a:rPr>
+              <a:t>必要悪</a:t>
+            </a:r>
+            <a:endParaRPr kumimoji="1" lang="en-US" altLang="ja-JP" sz="4100" u="sng" dirty="0">
+              <a:ln w="12700">
+                <a:solidFill>
+                  <a:schemeClr val="bg1"/>
+                </a:solidFill>
+              </a:ln>
+              <a:latin typeface="HGSｺﾞｼｯｸE" panose="020B0900000000000000" pitchFamily="50" charset="-128"/>
+              <a:ea typeface="HGSｺﾞｼｯｸE" panose="020B0900000000000000" pitchFamily="50" charset="-128"/>
+            </a:endParaRPr>
           </a:p>
           <a:p>
             <a:pPr algn="ctr"/>
@@ -3507,7 +4571,7 @@
                 </a:ln>
                 <a:latin typeface="Arial Black" panose="020B0A04020102020204" pitchFamily="34" charset="0"/>
               </a:rPr>
-              <a:t>Anarchy Crash!!</a:t>
+              <a:t>Anarchy Cars!!</a:t>
             </a:r>
             <a:r>
               <a:rPr kumimoji="1" lang="en-US" altLang="ja-JP" sz="4100" u="sng" dirty="0">
@@ -3547,7 +4611,7 @@
         </p:nvSpPr>
         <p:spPr>
           <a:xfrm>
-            <a:off x="3777114" y="1409441"/>
+            <a:off x="3500665" y="1397647"/>
             <a:ext cx="2756261" cy="523220"/>
           </a:xfrm>
           <a:prstGeom prst="rect">
@@ -3640,8 +4704,8 @@
         </p:nvSpPr>
         <p:spPr>
           <a:xfrm>
-            <a:off x="95105" y="5289425"/>
-            <a:ext cx="6963766" cy="1384995"/>
+            <a:off x="3906" y="5198675"/>
+            <a:ext cx="6763390" cy="1384995"/>
           </a:xfrm>
           <a:prstGeom prst="rect">
             <a:avLst/>
@@ -3706,7 +4770,20 @@
                 <a:latin typeface="HGPｺﾞｼｯｸE" panose="020B0900000000000000" pitchFamily="50" charset="-128"/>
                 <a:ea typeface="HGPｺﾞｼｯｸE" panose="020B0900000000000000" pitchFamily="50" charset="-128"/>
               </a:rPr>
-              <a:t>・どれだけ犯罪行為を出来るか競え</a:t>
+              <a:t>・警察の猛攻を掻い潜り、</a:t>
+            </a:r>
+            <a:endParaRPr kumimoji="1" lang="en-US" altLang="ja-JP" sz="2800" dirty="0">
+              <a:latin typeface="HGPｺﾞｼｯｸE" panose="020B0900000000000000" pitchFamily="50" charset="-128"/>
+              <a:ea typeface="HGPｺﾞｼｯｸE" panose="020B0900000000000000" pitchFamily="50" charset="-128"/>
+            </a:endParaRPr>
+          </a:p>
+          <a:p>
+            <a:r>
+              <a:rPr kumimoji="1" lang="ja-JP" altLang="en-US" sz="2800" dirty="0">
+                <a:latin typeface="HGPｺﾞｼｯｸE" panose="020B0900000000000000" pitchFamily="50" charset="-128"/>
+                <a:ea typeface="HGPｺﾞｼｯｸE" panose="020B0900000000000000" pitchFamily="50" charset="-128"/>
+              </a:rPr>
+              <a:t>　車を操作して暴れまわれ</a:t>
             </a:r>
             <a:r>
               <a:rPr kumimoji="1" lang="en-US" altLang="ja-JP" sz="2800" dirty="0">
@@ -3714,43 +4791,6 @@
                 <a:ea typeface="HGPｺﾞｼｯｸE" panose="020B0900000000000000" pitchFamily="50" charset="-128"/>
               </a:rPr>
               <a:t>!!</a:t>
-            </a:r>
-          </a:p>
-          <a:p>
-            <a:r>
-              <a:rPr kumimoji="1" lang="ja-JP" altLang="en-US" sz="2800" dirty="0">
-                <a:latin typeface="HGPｺﾞｼｯｸE" panose="020B0900000000000000" pitchFamily="50" charset="-128"/>
-                <a:ea typeface="HGPｺﾞｼｯｸE" panose="020B0900000000000000" pitchFamily="50" charset="-128"/>
-              </a:rPr>
-              <a:t>一番罪を犯した人が勝ち</a:t>
-            </a:r>
-            <a:r>
-              <a:rPr kumimoji="1" lang="en-US" altLang="ja-JP" sz="2800" dirty="0">
-                <a:latin typeface="HGPｺﾞｼｯｸE" panose="020B0900000000000000" pitchFamily="50" charset="-128"/>
-                <a:ea typeface="HGPｺﾞｼｯｸE" panose="020B0900000000000000" pitchFamily="50" charset="-128"/>
-              </a:rPr>
-              <a:t>!!</a:t>
-            </a:r>
-            <a:r>
-              <a:rPr kumimoji="1" lang="en-US" altLang="ja-JP" sz="1200" dirty="0">
-                <a:latin typeface="HGPｺﾞｼｯｸE" panose="020B0900000000000000" pitchFamily="50" charset="-128"/>
-                <a:ea typeface="HGPｺﾞｼｯｸE" panose="020B0900000000000000" pitchFamily="50" charset="-128"/>
-              </a:rPr>
-              <a:t>…</a:t>
-            </a:r>
-            <a:r>
-              <a:rPr kumimoji="1" lang="ja-JP" altLang="en-US" sz="1200" dirty="0">
-                <a:latin typeface="HGPｺﾞｼｯｸE" panose="020B0900000000000000" pitchFamily="50" charset="-128"/>
-                <a:ea typeface="HGPｺﾞｼｯｸE" panose="020B0900000000000000" pitchFamily="50" charset="-128"/>
-              </a:rPr>
-              <a:t>しかしそれは正義のためだったり</a:t>
-            </a:r>
-            <a:r>
-              <a:rPr kumimoji="1" lang="en-US" altLang="ja-JP" sz="1200" dirty="0">
-                <a:latin typeface="HGPｺﾞｼｯｸE" panose="020B0900000000000000" pitchFamily="50" charset="-128"/>
-                <a:ea typeface="HGPｺﾞｼｯｸE" panose="020B0900000000000000" pitchFamily="50" charset="-128"/>
-              </a:rPr>
-              <a:t>…?</a:t>
             </a:r>
           </a:p>
         </p:txBody>
@@ -3769,8 +4809,8 @@
         </p:nvSpPr>
         <p:spPr>
           <a:xfrm>
-            <a:off x="67457" y="7248313"/>
-            <a:ext cx="4417484" cy="461665"/>
+            <a:off x="43979" y="6583036"/>
+            <a:ext cx="3473618" cy="461665"/>
           </a:xfrm>
           <a:prstGeom prst="rect">
             <a:avLst/>
@@ -3815,8 +4855,8 @@
         </p:nvSpPr>
         <p:spPr>
           <a:xfrm>
-            <a:off x="0" y="7659342"/>
-            <a:ext cx="4546437" cy="1785104"/>
+            <a:off x="-23478" y="6994065"/>
+            <a:ext cx="3716082" cy="1446550"/>
           </a:xfrm>
           <a:prstGeom prst="rect">
             <a:avLst/>
@@ -3863,6 +4903,8 @@
               </a:rPr>
               <a:t>…</a:t>
             </a:r>
+          </a:p>
+          <a:p>
             <a:r>
               <a:rPr kumimoji="1" lang="ja-JP" altLang="en-US" sz="2200" dirty="0">
                 <a:latin typeface="HGPｺﾞｼｯｸE" panose="020B0900000000000000" pitchFamily="50" charset="-128"/>
@@ -3870,12 +4912,13 @@
               </a:rPr>
               <a:t>しかし</a:t>
             </a:r>
-            <a:endParaRPr kumimoji="1" lang="en-US" altLang="ja-JP" sz="2200" dirty="0">
-              <a:latin typeface="HGPｺﾞｼｯｸE" panose="020B0900000000000000" pitchFamily="50" charset="-128"/>
-              <a:ea typeface="HGPｺﾞｼｯｸE" panose="020B0900000000000000" pitchFamily="50" charset="-128"/>
-            </a:endParaRPr>
-          </a:p>
-          <a:p>
+            <a:r>
+              <a:rPr kumimoji="1" lang="en-US" altLang="ja-JP" sz="2200" dirty="0">
+                <a:latin typeface="HGPｺﾞｼｯｸE" panose="020B0900000000000000" pitchFamily="50" charset="-128"/>
+                <a:ea typeface="HGPｺﾞｼｯｸE" panose="020B0900000000000000" pitchFamily="50" charset="-128"/>
+              </a:rPr>
+              <a:t>!!</a:t>
+            </a:r>
             <a:r>
               <a:rPr kumimoji="1" lang="ja-JP" altLang="en-US" sz="2200" b="1" u="sng" dirty="0">
                 <a:solidFill>
@@ -3924,22 +4967,6 @@
                 <a:latin typeface="HGPｺﾞｼｯｸE" panose="020B0900000000000000" pitchFamily="50" charset="-128"/>
                 <a:ea typeface="HGPｺﾞｼｯｸE" panose="020B0900000000000000" pitchFamily="50" charset="-128"/>
               </a:rPr>
-              <a:t>悪いことをどんどんしまくろう</a:t>
-            </a:r>
-            <a:r>
-              <a:rPr kumimoji="1" lang="en-US" altLang="ja-JP" sz="2200" dirty="0">
-                <a:latin typeface="HGPｺﾞｼｯｸE" panose="020B0900000000000000" pitchFamily="50" charset="-128"/>
-                <a:ea typeface="HGPｺﾞｼｯｸE" panose="020B0900000000000000" pitchFamily="50" charset="-128"/>
-              </a:rPr>
-              <a:t>!!</a:t>
-            </a:r>
-          </a:p>
-          <a:p>
-            <a:r>
-              <a:rPr kumimoji="1" lang="ja-JP" altLang="en-US" sz="2200" dirty="0">
-                <a:latin typeface="HGPｺﾞｼｯｸE" panose="020B0900000000000000" pitchFamily="50" charset="-128"/>
-                <a:ea typeface="HGPｺﾞｼｯｸE" panose="020B0900000000000000" pitchFamily="50" charset="-128"/>
-              </a:rPr>
               <a:t>重い罪ほど</a:t>
             </a:r>
             <a:r>
@@ -3973,7 +5000,7 @@
                 <a:latin typeface="HGPｺﾞｼｯｸE" panose="020B0900000000000000" pitchFamily="50" charset="-128"/>
                 <a:ea typeface="HGPｺﾞｼｯｸE" panose="020B0900000000000000" pitchFamily="50" charset="-128"/>
               </a:rPr>
-              <a:t>今までにない無秩序なカートゲーム</a:t>
+              <a:t>今までにないカートゲーム</a:t>
             </a:r>
             <a:r>
               <a:rPr kumimoji="1" lang="en-US" altLang="ja-JP" sz="2200" dirty="0">
@@ -3989,241 +5016,6 @@
           </a:p>
         </p:txBody>
       </p:sp>
-      <p:pic>
-        <p:nvPicPr>
-          <p:cNvPr id="1028" name="Picture 4" descr="スピード違反のイラスト | かわいいフリー素材集 いらすとや">
-            <a:extLst>
-              <a:ext uri="{FF2B5EF4-FFF2-40B4-BE49-F238E27FC236}">
-                <a16:creationId xmlns:a16="http://schemas.microsoft.com/office/drawing/2014/main" id="{446F00DC-8CE2-428C-ACB6-F40B6C688FE5}"/>
-              </a:ext>
-            </a:extLst>
-          </p:cNvPr>
-          <p:cNvPicPr>
-            <a:picLocks noChangeAspect="1" noChangeArrowheads="1"/>
-          </p:cNvPicPr>
-          <p:nvPr/>
-        </p:nvPicPr>
-        <p:blipFill>
-          <a:blip r:embed="rId2">
-            <a:extLst>
-              <a:ext uri="{28A0092B-C50C-407E-A947-70E740481C1C}">
-                <a14:useLocalDpi xmlns:a14="http://schemas.microsoft.com/office/drawing/2010/main" val="0"/>
-              </a:ext>
-            </a:extLst>
-          </a:blip>
-          <a:srcRect/>
-          <a:stretch>
-            <a:fillRect/>
-          </a:stretch>
-        </p:blipFill>
-        <p:spPr bwMode="auto">
-          <a:xfrm>
-            <a:off x="2210028" y="3367276"/>
-            <a:ext cx="2159317" cy="1167020"/>
-          </a:xfrm>
-          <a:prstGeom prst="rect">
-            <a:avLst/>
-          </a:prstGeom>
-          <a:noFill/>
-          <a:extLst>
-            <a:ext uri="{909E8E84-426E-40DD-AFC4-6F175D3DCCD1}">
-              <a14:hiddenFill xmlns:a14="http://schemas.microsoft.com/office/drawing/2010/main">
-                <a:solidFill>
-                  <a:srgbClr val="FFFFFF"/>
-                </a:solidFill>
-              </a14:hiddenFill>
-            </a:ext>
-          </a:extLst>
-        </p:spPr>
-      </p:pic>
-      <p:pic>
-        <p:nvPicPr>
-          <p:cNvPr id="1032" name="Picture 8" descr="自動運転カーで事故にあう人のイラスト | かわいいフリー素材集 いらすとや">
-            <a:extLst>
-              <a:ext uri="{FF2B5EF4-FFF2-40B4-BE49-F238E27FC236}">
-                <a16:creationId xmlns:a16="http://schemas.microsoft.com/office/drawing/2014/main" id="{E1677516-2A46-406D-AEE1-F9CBADCF260B}"/>
-              </a:ext>
-            </a:extLst>
-          </p:cNvPr>
-          <p:cNvPicPr>
-            <a:picLocks noChangeAspect="1" noChangeArrowheads="1"/>
-          </p:cNvPicPr>
-          <p:nvPr/>
-        </p:nvPicPr>
-        <p:blipFill>
-          <a:blip r:embed="rId3">
-            <a:extLst>
-              <a:ext uri="{28A0092B-C50C-407E-A947-70E740481C1C}">
-                <a14:useLocalDpi xmlns:a14="http://schemas.microsoft.com/office/drawing/2010/main" val="0"/>
-              </a:ext>
-            </a:extLst>
-          </a:blip>
-          <a:srcRect/>
-          <a:stretch>
-            <a:fillRect/>
-          </a:stretch>
-        </p:blipFill>
-        <p:spPr bwMode="auto">
-          <a:xfrm>
-            <a:off x="4075585" y="2843659"/>
-            <a:ext cx="2159317" cy="1959380"/>
-          </a:xfrm>
-          <a:prstGeom prst="rect">
-            <a:avLst/>
-          </a:prstGeom>
-          <a:noFill/>
-          <a:extLst>
-            <a:ext uri="{909E8E84-426E-40DD-AFC4-6F175D3DCCD1}">
-              <a14:hiddenFill xmlns:a14="http://schemas.microsoft.com/office/drawing/2010/main">
-                <a:solidFill>
-                  <a:srgbClr val="FFFFFF"/>
-                </a:solidFill>
-              </a14:hiddenFill>
-            </a:ext>
-          </a:extLst>
-        </p:spPr>
-      </p:pic>
-      <p:pic>
-        <p:nvPicPr>
-          <p:cNvPr id="1036" name="Picture 12" descr="信号機のイラスト | かわいいフリー素材集 いらすとや">
-            <a:extLst>
-              <a:ext uri="{FF2B5EF4-FFF2-40B4-BE49-F238E27FC236}">
-                <a16:creationId xmlns:a16="http://schemas.microsoft.com/office/drawing/2014/main" id="{703C5EC0-10D5-449C-9019-FD6DCCA32674}"/>
-              </a:ext>
-            </a:extLst>
-          </p:cNvPr>
-          <p:cNvPicPr preferRelativeResize="0">
-            <a:picLocks noChangeArrowheads="1"/>
-          </p:cNvPicPr>
-          <p:nvPr/>
-        </p:nvPicPr>
-        <p:blipFill>
-          <a:blip r:embed="rId4">
-            <a:extLst>
-              <a:ext uri="{28A0092B-C50C-407E-A947-70E740481C1C}">
-                <a14:useLocalDpi xmlns:a14="http://schemas.microsoft.com/office/drawing/2010/main" val="0"/>
-              </a:ext>
-            </a:extLst>
-          </a:blip>
-          <a:srcRect/>
-          <a:stretch>
-            <a:fillRect/>
-          </a:stretch>
-        </p:blipFill>
-        <p:spPr bwMode="auto">
-          <a:xfrm>
-            <a:off x="3022580" y="2426854"/>
-            <a:ext cx="1533612" cy="697576"/>
-          </a:xfrm>
-          <a:prstGeom prst="rect">
-            <a:avLst/>
-          </a:prstGeom>
-          <a:noFill/>
-          <a:extLst>
-            <a:ext uri="{909E8E84-426E-40DD-AFC4-6F175D3DCCD1}">
-              <a14:hiddenFill xmlns:a14="http://schemas.microsoft.com/office/drawing/2010/main">
-                <a:solidFill>
-                  <a:srgbClr val="FFFFFF"/>
-                </a:solidFill>
-              </a14:hiddenFill>
-            </a:ext>
-          </a:extLst>
-        </p:spPr>
-      </p:pic>
-      <p:pic>
-        <p:nvPicPr>
-          <p:cNvPr id="1038" name="Picture 14" descr="駄々をこねる人のイラスト（男性） | かわいいフリー素材集 いらすとや">
-            <a:extLst>
-              <a:ext uri="{FF2B5EF4-FFF2-40B4-BE49-F238E27FC236}">
-                <a16:creationId xmlns:a16="http://schemas.microsoft.com/office/drawing/2014/main" id="{F58412C3-A60D-42EB-B593-F9630AC22D2F}"/>
-              </a:ext>
-            </a:extLst>
-          </p:cNvPr>
-          <p:cNvPicPr>
-            <a:picLocks noChangeAspect="1" noChangeArrowheads="1"/>
-          </p:cNvPicPr>
-          <p:nvPr/>
-        </p:nvPicPr>
-        <p:blipFill>
-          <a:blip r:embed="rId5">
-            <a:extLst>
-              <a:ext uri="{28A0092B-C50C-407E-A947-70E740481C1C}">
-                <a14:useLocalDpi xmlns:a14="http://schemas.microsoft.com/office/drawing/2010/main" val="0"/>
-              </a:ext>
-            </a:extLst>
-          </a:blip>
-          <a:srcRect/>
-          <a:stretch>
-            <a:fillRect/>
-          </a:stretch>
-        </p:blipFill>
-        <p:spPr bwMode="auto">
-          <a:xfrm rot="18307519">
-            <a:off x="1475819" y="3077260"/>
-            <a:ext cx="1056744" cy="935170"/>
-          </a:xfrm>
-          <a:prstGeom prst="rect">
-            <a:avLst/>
-          </a:prstGeom>
-          <a:noFill/>
-          <a:extLst>
-            <a:ext uri="{909E8E84-426E-40DD-AFC4-6F175D3DCCD1}">
-              <a14:hiddenFill xmlns:a14="http://schemas.microsoft.com/office/drawing/2010/main">
-                <a:solidFill>
-                  <a:srgbClr val="FFFFFF"/>
-                </a:solidFill>
-              </a14:hiddenFill>
-            </a:ext>
-          </a:extLst>
-        </p:spPr>
-      </p:pic>
-      <p:pic>
-        <p:nvPicPr>
-          <p:cNvPr id="1040" name="Picture 16" descr="拳銃を構える警察官のイラスト（男性） | かわいいフリー素材集 いらすとや">
-            <a:extLst>
-              <a:ext uri="{FF2B5EF4-FFF2-40B4-BE49-F238E27FC236}">
-                <a16:creationId xmlns:a16="http://schemas.microsoft.com/office/drawing/2014/main" id="{41FE997A-BB75-4EC2-B10F-5E293CA09897}"/>
-              </a:ext>
-            </a:extLst>
-          </p:cNvPr>
-          <p:cNvPicPr>
-            <a:picLocks noChangeAspect="1" noChangeArrowheads="1"/>
-          </p:cNvPicPr>
-          <p:nvPr/>
-        </p:nvPicPr>
-        <p:blipFill>
-          <a:blip r:embed="rId6">
-            <a:extLst>
-              <a:ext uri="{28A0092B-C50C-407E-A947-70E740481C1C}">
-                <a14:useLocalDpi xmlns:a14="http://schemas.microsoft.com/office/drawing/2010/main" val="0"/>
-              </a:ext>
-            </a:extLst>
-          </a:blip>
-          <a:srcRect/>
-          <a:stretch>
-            <a:fillRect/>
-          </a:stretch>
-        </p:blipFill>
-        <p:spPr bwMode="auto">
-          <a:xfrm flipH="1">
-            <a:off x="218388" y="2124055"/>
-            <a:ext cx="1068480" cy="1346116"/>
-          </a:xfrm>
-          <a:prstGeom prst="rect">
-            <a:avLst/>
-          </a:prstGeom>
-          <a:noFill/>
-          <a:extLst>
-            <a:ext uri="{909E8E84-426E-40DD-AFC4-6F175D3DCCD1}">
-              <a14:hiddenFill xmlns:a14="http://schemas.microsoft.com/office/drawing/2010/main">
-                <a:solidFill>
-                  <a:srgbClr val="FFFFFF"/>
-                </a:solidFill>
-              </a14:hiddenFill>
-            </a:ext>
-          </a:extLst>
-        </p:spPr>
-      </p:pic>
       <p:sp>
         <p:nvSpPr>
           <p:cNvPr id="12" name="吹き出し: 円形 11">
@@ -4238,8 +5030,8 @@
         </p:nvSpPr>
         <p:spPr>
           <a:xfrm>
-            <a:off x="1501856" y="1958493"/>
-            <a:ext cx="2159317" cy="678253"/>
+            <a:off x="2072255" y="1857479"/>
+            <a:ext cx="1445342" cy="590263"/>
           </a:xfrm>
           <a:prstGeom prst="wedgeEllipseCallout">
             <a:avLst>
@@ -4278,7 +5070,7 @@
           <a:p>
             <a:pPr algn="ctr"/>
             <a:r>
-              <a:rPr kumimoji="1" lang="en-US" altLang="ja-JP" sz="2000" dirty="0">
+              <a:rPr kumimoji="1" lang="en-US" altLang="ja-JP" sz="1200" dirty="0">
                 <a:solidFill>
                   <a:schemeClr val="tx1"/>
                 </a:solidFill>
@@ -4287,7 +5079,7 @@
               </a:rPr>
               <a:t>3COMBO!!</a:t>
             </a:r>
-            <a:endParaRPr kumimoji="1" lang="ja-JP" altLang="en-US" sz="2000" dirty="0">
+            <a:endParaRPr kumimoji="1" lang="ja-JP" altLang="en-US" sz="1200" dirty="0">
               <a:solidFill>
                 <a:schemeClr val="tx1"/>
               </a:solidFill>
@@ -4311,7 +5103,7 @@
         </p:nvSpPr>
         <p:spPr>
           <a:xfrm>
-            <a:off x="4102667" y="2017803"/>
+            <a:off x="4322152" y="1933275"/>
             <a:ext cx="1172784" cy="807336"/>
           </a:xfrm>
           <a:prstGeom prst="irregularSeal1">
@@ -4388,8 +5180,8 @@
         </p:nvSpPr>
         <p:spPr>
           <a:xfrm>
-            <a:off x="3693308" y="3135196"/>
-            <a:ext cx="1343015" cy="929656"/>
+            <a:off x="4210832" y="3254948"/>
+            <a:ext cx="1044706" cy="740172"/>
           </a:xfrm>
           <a:prstGeom prst="irregularSeal1">
             <a:avLst/>
@@ -4425,7 +5217,7 @@
           <a:p>
             <a:pPr algn="ctr"/>
             <a:r>
-              <a:rPr kumimoji="1" lang="en-US" altLang="ja-JP" dirty="0">
+              <a:rPr kumimoji="1" lang="en-US" altLang="ja-JP" sz="1200" dirty="0">
                 <a:solidFill>
                   <a:schemeClr val="tx1"/>
                 </a:solidFill>
@@ -4434,7 +5226,7 @@
               <a:t>-</a:t>
             </a:r>
             <a:r>
-              <a:rPr kumimoji="1" lang="en-US" altLang="ja-JP" dirty="0">
+              <a:rPr kumimoji="1" lang="en-US" altLang="ja-JP" sz="1200" dirty="0">
                 <a:solidFill>
                   <a:srgbClr val="FFC000"/>
                 </a:solidFill>
@@ -4442,7 +5234,7 @@
               </a:rPr>
               <a:t>500</a:t>
             </a:r>
-            <a:endParaRPr kumimoji="1" lang="ja-JP" altLang="en-US" dirty="0">
+            <a:endParaRPr kumimoji="1" lang="ja-JP" altLang="en-US" sz="1200" dirty="0">
               <a:solidFill>
                 <a:srgbClr val="FFC000"/>
               </a:solidFill>
@@ -4465,8 +5257,8 @@
         </p:nvSpPr>
         <p:spPr>
           <a:xfrm>
-            <a:off x="1127733" y="2498240"/>
-            <a:ext cx="1815867" cy="1046606"/>
+            <a:off x="754751" y="2980754"/>
+            <a:ext cx="1518467" cy="724507"/>
           </a:xfrm>
           <a:prstGeom prst="irregularSeal2">
             <a:avLst/>
@@ -4502,7 +5294,7 @@
           <a:p>
             <a:pPr algn="ctr"/>
             <a:r>
-              <a:rPr kumimoji="1" lang="en-US" altLang="ja-JP" sz="1400" dirty="0">
+              <a:rPr kumimoji="1" lang="en-US" altLang="ja-JP" sz="1200" dirty="0">
                 <a:solidFill>
                   <a:schemeClr val="tx1"/>
                 </a:solidFill>
@@ -4511,7 +5303,7 @@
               <a:t>-</a:t>
             </a:r>
             <a:r>
-              <a:rPr kumimoji="1" lang="en-US" altLang="ja-JP" sz="1400" dirty="0">
+              <a:rPr kumimoji="1" lang="en-US" altLang="ja-JP" sz="1200" dirty="0">
                 <a:solidFill>
                   <a:schemeClr val="accent4"/>
                 </a:solidFill>
@@ -4519,7 +5311,7 @@
               </a:rPr>
               <a:t>1500</a:t>
             </a:r>
-            <a:endParaRPr kumimoji="1" lang="ja-JP" altLang="en-US" sz="1400" dirty="0">
+            <a:endParaRPr kumimoji="1" lang="ja-JP" altLang="en-US" sz="1200" dirty="0">
               <a:solidFill>
                 <a:schemeClr val="accent4"/>
               </a:solidFill>
@@ -4542,7 +5334,7 @@
         </p:nvSpPr>
         <p:spPr>
           <a:xfrm>
-            <a:off x="473970" y="1651829"/>
+            <a:off x="545740" y="1554003"/>
             <a:ext cx="2055773" cy="400110"/>
           </a:xfrm>
           <a:prstGeom prst="rect">
@@ -4579,289 +5371,168 @@
           </a:p>
         </p:txBody>
       </p:sp>
-      <p:pic>
-        <p:nvPicPr>
-          <p:cNvPr id="1042" name="Picture 18" descr="大笑いしている女性のイラスト | かわいいフリー素材集 いらすとや">
+      <p:sp>
+        <p:nvSpPr>
+          <p:cNvPr id="9" name="吹き出し: 円形 8">
             <a:extLst>
               <a:ext uri="{FF2B5EF4-FFF2-40B4-BE49-F238E27FC236}">
-                <a16:creationId xmlns:a16="http://schemas.microsoft.com/office/drawing/2014/main" id="{3B2839D6-C15B-4F3C-B50E-0EA4CFCC5DBF}"/>
+                <a16:creationId xmlns:a16="http://schemas.microsoft.com/office/drawing/2014/main" id="{07260BA0-D1DE-4ACE-96BF-CC48D8CEF223}"/>
               </a:ext>
             </a:extLst>
           </p:cNvPr>
-          <p:cNvPicPr>
-            <a:picLocks noChangeAspect="1" noChangeArrowheads="1"/>
-          </p:cNvPicPr>
+          <p:cNvSpPr/>
           <p:nvPr/>
-        </p:nvPicPr>
-        <p:blipFill>
-          <a:blip r:embed="rId7">
-            <a:extLst>
-              <a:ext uri="{28A0092B-C50C-407E-A947-70E740481C1C}">
-                <a14:useLocalDpi xmlns:a14="http://schemas.microsoft.com/office/drawing/2010/main" val="0"/>
-              </a:ext>
-            </a:extLst>
-          </a:blip>
-          <a:srcRect/>
-          <a:stretch>
-            <a:fillRect/>
-          </a:stretch>
-        </p:blipFill>
-        <p:spPr bwMode="auto">
+        </p:nvSpPr>
+        <p:spPr>
           <a:xfrm>
-            <a:off x="5720690" y="8778535"/>
-            <a:ext cx="1046606" cy="1046606"/>
+            <a:off x="5214515" y="3639927"/>
+            <a:ext cx="1044706" cy="463323"/>
           </a:xfrm>
-          <a:prstGeom prst="rect">
-            <a:avLst/>
+          <a:prstGeom prst="wedgeEllipseCallout">
+            <a:avLst>
+              <a:gd name="adj1" fmla="val -74808"/>
+              <a:gd name="adj2" fmla="val 70723"/>
+            </a:avLst>
           </a:prstGeom>
-          <a:noFill/>
-          <a:extLst>
-            <a:ext uri="{909E8E84-426E-40DD-AFC4-6F175D3DCCD1}">
-              <a14:hiddenFill xmlns:a14="http://schemas.microsoft.com/office/drawing/2010/main">
+          <a:solidFill>
+            <a:schemeClr val="bg1"/>
+          </a:solidFill>
+          <a:ln>
+            <a:solidFill>
+              <a:schemeClr val="tx1"/>
+            </a:solidFill>
+          </a:ln>
+        </p:spPr>
+        <p:style>
+          <a:lnRef idx="2">
+            <a:schemeClr val="accent1">
+              <a:shade val="50000"/>
+            </a:schemeClr>
+          </a:lnRef>
+          <a:fillRef idx="1">
+            <a:schemeClr val="accent1"/>
+          </a:fillRef>
+          <a:effectRef idx="0">
+            <a:schemeClr val="accent1"/>
+          </a:effectRef>
+          <a:fontRef idx="minor">
+            <a:schemeClr val="lt1"/>
+          </a:fontRef>
+        </p:style>
+        <p:txBody>
+          <a:bodyPr rtlCol="0" anchor="ctr"/>
+          <a:lstStyle/>
+          <a:p>
+            <a:pPr algn="ctr"/>
+            <a:r>
+              <a:rPr kumimoji="1" lang="ja-JP" altLang="en-US" sz="800" dirty="0">
                 <a:solidFill>
-                  <a:srgbClr val="FFFFFF"/>
+                  <a:schemeClr val="tx1"/>
                 </a:solidFill>
-              </a14:hiddenFill>
-            </a:ext>
-          </a:extLst>
-        </p:spPr>
-      </p:pic>
-      <p:pic>
-        <p:nvPicPr>
-          <p:cNvPr id="1044" name="Picture 20" descr="笑う男性のイラスト（5段階） | かわいいフリー素材集 いらすとや">
+                <a:latin typeface="HGSｺﾞｼｯｸE" panose="020B0900000000000000" pitchFamily="50" charset="-128"/>
+                <a:ea typeface="HGSｺﾞｼｯｸE" panose="020B0900000000000000" pitchFamily="50" charset="-128"/>
+              </a:rPr>
+              <a:t>ひそひそ</a:t>
+            </a:r>
+            <a:r>
+              <a:rPr kumimoji="1" lang="en-US" altLang="ja-JP" sz="800" dirty="0">
+                <a:solidFill>
+                  <a:schemeClr val="tx1"/>
+                </a:solidFill>
+                <a:latin typeface="HGSｺﾞｼｯｸE" panose="020B0900000000000000" pitchFamily="50" charset="-128"/>
+                <a:ea typeface="HGSｺﾞｼｯｸE" panose="020B0900000000000000" pitchFamily="50" charset="-128"/>
+              </a:rPr>
+              <a:t>…</a:t>
+            </a:r>
+            <a:endParaRPr kumimoji="1" lang="ja-JP" altLang="en-US" sz="800" dirty="0">
+              <a:solidFill>
+                <a:schemeClr val="tx1"/>
+              </a:solidFill>
+              <a:latin typeface="HGSｺﾞｼｯｸE" panose="020B0900000000000000" pitchFamily="50" charset="-128"/>
+              <a:ea typeface="HGSｺﾞｼｯｸE" panose="020B0900000000000000" pitchFamily="50" charset="-128"/>
+            </a:endParaRPr>
+          </a:p>
+        </p:txBody>
+      </p:sp>
+      <p:sp>
+        <p:nvSpPr>
+          <p:cNvPr id="11" name="吹き出し: 円形 10">
             <a:extLst>
               <a:ext uri="{FF2B5EF4-FFF2-40B4-BE49-F238E27FC236}">
-                <a16:creationId xmlns:a16="http://schemas.microsoft.com/office/drawing/2014/main" id="{F3B1469B-41CF-4792-9B60-EF550AC395FD}"/>
+                <a16:creationId xmlns:a16="http://schemas.microsoft.com/office/drawing/2014/main" id="{783372A9-4715-46D7-9829-D0F5D616FE5E}"/>
               </a:ext>
             </a:extLst>
           </p:cNvPr>
-          <p:cNvPicPr>
-            <a:picLocks noChangeAspect="1" noChangeArrowheads="1"/>
-          </p:cNvPicPr>
-          <p:nvPr/>
-        </p:nvPicPr>
-        <p:blipFill>
-          <a:blip r:embed="rId8">
-            <a:extLst>
-              <a:ext uri="{28A0092B-C50C-407E-A947-70E740481C1C}">
-                <a14:useLocalDpi xmlns:a14="http://schemas.microsoft.com/office/drawing/2010/main" val="0"/>
-              </a:ext>
-            </a:extLst>
-          </a:blip>
-          <a:srcRect/>
-          <a:stretch>
-            <a:fillRect/>
-          </a:stretch>
-        </p:blipFill>
-        <p:spPr bwMode="auto">
-          <a:xfrm>
-            <a:off x="4808756" y="8778535"/>
-            <a:ext cx="893565" cy="1046606"/>
-          </a:xfrm>
-          <a:prstGeom prst="rect">
-            <a:avLst/>
-          </a:prstGeom>
-          <a:noFill/>
-          <a:extLst>
-            <a:ext uri="{909E8E84-426E-40DD-AFC4-6F175D3DCCD1}">
-              <a14:hiddenFill xmlns:a14="http://schemas.microsoft.com/office/drawing/2010/main">
-                <a:solidFill>
-                  <a:srgbClr val="FFFFFF"/>
-                </a:solidFill>
-              </a14:hiddenFill>
-            </a:ext>
-          </a:extLst>
-        </p:spPr>
-      </p:pic>
-      <p:pic>
-        <p:nvPicPr>
-          <p:cNvPr id="1046" name="Picture 22" descr="ワイドテレビのイラスト | かわいいフリー素材集 いらすとや">
-            <a:extLst>
-              <a:ext uri="{FF2B5EF4-FFF2-40B4-BE49-F238E27FC236}">
-                <a16:creationId xmlns:a16="http://schemas.microsoft.com/office/drawing/2014/main" id="{3F62F6D7-DCF8-4C61-A690-15084223B359}"/>
-              </a:ext>
-            </a:extLst>
-          </p:cNvPr>
-          <p:cNvPicPr>
-            <a:picLocks noChangeAspect="1" noChangeArrowheads="1"/>
-          </p:cNvPicPr>
-          <p:nvPr/>
-        </p:nvPicPr>
-        <p:blipFill>
-          <a:blip r:embed="rId9">
-            <a:extLst>
-              <a:ext uri="{28A0092B-C50C-407E-A947-70E740481C1C}">
-                <a14:useLocalDpi xmlns:a14="http://schemas.microsoft.com/office/drawing/2010/main" val="0"/>
-              </a:ext>
-            </a:extLst>
-          </a:blip>
-          <a:srcRect/>
-          <a:stretch>
-            <a:fillRect/>
-          </a:stretch>
-        </p:blipFill>
-        <p:spPr bwMode="auto">
-          <a:xfrm>
-            <a:off x="4516635" y="6726709"/>
-            <a:ext cx="2153902" cy="1588503"/>
-          </a:xfrm>
-          <a:prstGeom prst="rect">
-            <a:avLst/>
-          </a:prstGeom>
-          <a:noFill/>
-          <a:extLst>
-            <a:ext uri="{909E8E84-426E-40DD-AFC4-6F175D3DCCD1}">
-              <a14:hiddenFill xmlns:a14="http://schemas.microsoft.com/office/drawing/2010/main">
-                <a:solidFill>
-                  <a:srgbClr val="FFFFFF"/>
-                </a:solidFill>
-              </a14:hiddenFill>
-            </a:ext>
-          </a:extLst>
-        </p:spPr>
-      </p:pic>
-      <p:pic>
-        <p:nvPicPr>
-          <p:cNvPr id="33" name="Picture 4" descr="スピード違反のイラスト | かわいいフリー素材集 いらすとや">
-            <a:extLst>
-              <a:ext uri="{FF2B5EF4-FFF2-40B4-BE49-F238E27FC236}">
-                <a16:creationId xmlns:a16="http://schemas.microsoft.com/office/drawing/2014/main" id="{7D69CBF0-BF75-48C0-85F6-ECE5C7E531D9}"/>
-              </a:ext>
-            </a:extLst>
-          </p:cNvPr>
-          <p:cNvPicPr>
-            <a:picLocks noChangeAspect="1" noChangeArrowheads="1"/>
-          </p:cNvPicPr>
-          <p:nvPr/>
-        </p:nvPicPr>
-        <p:blipFill>
-          <a:blip r:embed="rId2">
-            <a:extLst>
-              <a:ext uri="{28A0092B-C50C-407E-A947-70E740481C1C}">
-                <a14:useLocalDpi xmlns:a14="http://schemas.microsoft.com/office/drawing/2010/main" val="0"/>
-              </a:ext>
-            </a:extLst>
-          </a:blip>
-          <a:srcRect/>
-          <a:stretch>
-            <a:fillRect/>
-          </a:stretch>
-        </p:blipFill>
-        <p:spPr bwMode="auto">
-          <a:xfrm>
-            <a:off x="4699183" y="7117228"/>
-            <a:ext cx="1262985" cy="682590"/>
-          </a:xfrm>
-          <a:prstGeom prst="rect">
-            <a:avLst/>
-          </a:prstGeom>
-          <a:noFill/>
-          <a:extLst>
-            <a:ext uri="{909E8E84-426E-40DD-AFC4-6F175D3DCCD1}">
-              <a14:hiddenFill xmlns:a14="http://schemas.microsoft.com/office/drawing/2010/main">
-                <a:solidFill>
-                  <a:srgbClr val="FFFFFF"/>
-                </a:solidFill>
-              </a14:hiddenFill>
-            </a:ext>
-          </a:extLst>
-        </p:spPr>
-      </p:pic>
-      <p:pic>
-        <p:nvPicPr>
-          <p:cNvPr id="34" name="Picture 8" descr="自動運転カーで事故にあう人のイラスト | かわいいフリー素材集 いらすとや">
-            <a:extLst>
-              <a:ext uri="{FF2B5EF4-FFF2-40B4-BE49-F238E27FC236}">
-                <a16:creationId xmlns:a16="http://schemas.microsoft.com/office/drawing/2014/main" id="{5E768F1E-FC96-41A2-86D4-8242058A7B8A}"/>
-              </a:ext>
-            </a:extLst>
-          </p:cNvPr>
-          <p:cNvPicPr>
-            <a:picLocks noChangeAspect="1" noChangeArrowheads="1"/>
-          </p:cNvPicPr>
-          <p:nvPr/>
-        </p:nvPicPr>
-        <p:blipFill>
-          <a:blip r:embed="rId3">
-            <a:extLst>
-              <a:ext uri="{28A0092B-C50C-407E-A947-70E740481C1C}">
-                <a14:useLocalDpi xmlns:a14="http://schemas.microsoft.com/office/drawing/2010/main" val="0"/>
-              </a:ext>
-            </a:extLst>
-          </a:blip>
-          <a:srcRect/>
-          <a:stretch>
-            <a:fillRect/>
-          </a:stretch>
-        </p:blipFill>
-        <p:spPr bwMode="auto">
-          <a:xfrm>
-            <a:off x="5537659" y="7006763"/>
-            <a:ext cx="995716" cy="903520"/>
-          </a:xfrm>
-          <a:prstGeom prst="rect">
-            <a:avLst/>
-          </a:prstGeom>
-          <a:noFill/>
-          <a:extLst>
-            <a:ext uri="{909E8E84-426E-40DD-AFC4-6F175D3DCCD1}">
-              <a14:hiddenFill xmlns:a14="http://schemas.microsoft.com/office/drawing/2010/main">
-                <a:solidFill>
-                  <a:srgbClr val="FFFFFF"/>
-                </a:solidFill>
-              </a14:hiddenFill>
-            </a:ext>
-          </a:extLst>
-        </p:spPr>
-      </p:pic>
-      <p:sp>
-        <p:nvSpPr>
-          <p:cNvPr id="22" name="テキスト ボックス 21">
-            <a:extLst>
-              <a:ext uri="{FF2B5EF4-FFF2-40B4-BE49-F238E27FC236}">
-                <a16:creationId xmlns:a16="http://schemas.microsoft.com/office/drawing/2014/main" id="{5B375BC3-9346-462B-BA49-D16E3D7C43EC}"/>
-              </a:ext>
-            </a:extLst>
-          </p:cNvPr>
-          <p:cNvSpPr txBox="1"/>
+          <p:cNvSpPr/>
           <p:nvPr/>
         </p:nvSpPr>
         <p:spPr>
           <a:xfrm>
-            <a:off x="5155243" y="8496559"/>
-            <a:ext cx="1569660" cy="369332"/>
+            <a:off x="375853" y="3717106"/>
+            <a:ext cx="1174147" cy="367271"/>
           </a:xfrm>
-          <a:prstGeom prst="rect">
-            <a:avLst/>
+          <a:prstGeom prst="wedgeEllipseCallout">
+            <a:avLst>
+              <a:gd name="adj1" fmla="val 58992"/>
+              <a:gd name="adj2" fmla="val 75657"/>
+            </a:avLst>
           </a:prstGeom>
-          <a:noFill/>
+          <a:solidFill>
+            <a:schemeClr val="bg1"/>
+          </a:solidFill>
+          <a:ln>
+            <a:solidFill>
+              <a:schemeClr val="tx1"/>
+            </a:solidFill>
+          </a:ln>
         </p:spPr>
-        <p:txBody>
-          <a:bodyPr wrap="none" rtlCol="0">
-            <a:prstTxWarp prst="textArchUp">
-              <a:avLst/>
-            </a:prstTxWarp>
-            <a:spAutoFit/>
-          </a:bodyPr>
-          <a:lstStyle/>
-          <a:p>
-            <a:r>
-              <a:rPr kumimoji="1" lang="ja-JP" altLang="en-US" dirty="0">
-                <a:latin typeface="HGP創英ﾌﾟﾚｾﾞﾝｽEB" panose="02020800000000000000" pitchFamily="18" charset="-128"/>
-                <a:ea typeface="HGP創英ﾌﾟﾚｾﾞﾝｽEB" panose="02020800000000000000" pitchFamily="18" charset="-128"/>
-              </a:rPr>
-              <a:t>気持ちいい</a:t>
-            </a:r>
-            <a:r>
-              <a:rPr kumimoji="1" lang="en-US" altLang="ja-JP" dirty="0">
-                <a:latin typeface="HGP創英ﾌﾟﾚｾﾞﾝｽEB" panose="02020800000000000000" pitchFamily="18" charset="-128"/>
-                <a:ea typeface="HGP創英ﾌﾟﾚｾﾞﾝｽEB" panose="02020800000000000000" pitchFamily="18" charset="-128"/>
-              </a:rPr>
-              <a:t>…!!</a:t>
-            </a:r>
-            <a:endParaRPr kumimoji="1" lang="ja-JP" altLang="en-US" dirty="0">
-              <a:latin typeface="HGP創英ﾌﾟﾚｾﾞﾝｽEB" panose="02020800000000000000" pitchFamily="18" charset="-128"/>
-              <a:ea typeface="HGP創英ﾌﾟﾚｾﾞﾝｽEB" panose="02020800000000000000" pitchFamily="18" charset="-128"/>
+        <p:style>
+          <a:lnRef idx="2">
+            <a:schemeClr val="accent1">
+              <a:shade val="50000"/>
+            </a:schemeClr>
+          </a:lnRef>
+          <a:fillRef idx="1">
+            <a:schemeClr val="accent1"/>
+          </a:fillRef>
+          <a:effectRef idx="0">
+            <a:schemeClr val="accent1"/>
+          </a:effectRef>
+          <a:fontRef idx="minor">
+            <a:schemeClr val="lt1"/>
+          </a:fontRef>
+        </p:style>
+        <p:txBody>
+          <a:bodyPr rtlCol="0" anchor="ctr"/>
+          <a:lstStyle/>
+          <a:p>
+            <a:pPr algn="ctr"/>
+            <a:r>
+              <a:rPr kumimoji="1" lang="ja-JP" altLang="en-US" sz="800" dirty="0">
+                <a:solidFill>
+                  <a:schemeClr val="tx1"/>
+                </a:solidFill>
+                <a:latin typeface="HGSｺﾞｼｯｸE" panose="020B0900000000000000" pitchFamily="50" charset="-128"/>
+                <a:ea typeface="HGSｺﾞｼｯｸE" panose="020B0900000000000000" pitchFamily="50" charset="-128"/>
+              </a:rPr>
+              <a:t>がやがや</a:t>
+            </a:r>
+            <a:r>
+              <a:rPr kumimoji="1" lang="en-US" altLang="ja-JP" sz="800" dirty="0">
+                <a:solidFill>
+                  <a:schemeClr val="tx1"/>
+                </a:solidFill>
+                <a:latin typeface="HGSｺﾞｼｯｸE" panose="020B0900000000000000" pitchFamily="50" charset="-128"/>
+                <a:ea typeface="HGSｺﾞｼｯｸE" panose="020B0900000000000000" pitchFamily="50" charset="-128"/>
+              </a:rPr>
+              <a:t>…</a:t>
+            </a:r>
+            <a:endParaRPr kumimoji="1" lang="ja-JP" altLang="en-US" sz="800" dirty="0">
+              <a:solidFill>
+                <a:schemeClr val="tx1"/>
+              </a:solidFill>
+              <a:latin typeface="HGSｺﾞｼｯｸE" panose="020B0900000000000000" pitchFamily="50" charset="-128"/>
+              <a:ea typeface="HGSｺﾞｼｯｸE" panose="020B0900000000000000" pitchFamily="50" charset="-128"/>
             </a:endParaRPr>
           </a:p>
         </p:txBody>
@@ -4869,7 +5540,7 @@
     </p:spTree>
     <p:extLst>
       <p:ext uri="{BB962C8B-B14F-4D97-AF65-F5344CB8AC3E}">
-        <p14:creationId xmlns:p14="http://schemas.microsoft.com/office/powerpoint/2010/main" val="192590622"/>
+        <p14:creationId xmlns:p14="http://schemas.microsoft.com/office/powerpoint/2010/main" val="3636012601"/>
       </p:ext>
     </p:extLst>
   </p:cSld>

--- a/99_進捗・会議用/パワポ/pptx/SilenceFujita考案 AnarchyCrash.pptx
+++ b/99_進捗・会議用/パワポ/pptx/SilenceFujita考案 AnarchyCrash.pptx
@@ -6,7 +6,6 @@
   </p:sldMasterIdLst>
   <p:sldIdLst>
     <p:sldId id="256" r:id="rId2"/>
-    <p:sldId id="257" r:id="rId3"/>
   </p:sldIdLst>
   <p:sldSz cx="6858000" cy="9906000" type="A4"/>
   <p:notesSz cx="6858000" cy="9144000"/>
@@ -256,7 +255,7 @@
           <a:p>
             <a:fld id="{4243B9F3-7FF2-4191-A3DF-6D4F95FF8DB0}" type="datetimeFigureOut">
               <a:rPr kumimoji="1" lang="ja-JP" altLang="en-US" smtClean="0"/>
-              <a:t>2022/12/12</a:t>
+              <a:t>2022/12/15</a:t>
             </a:fld>
             <a:endParaRPr kumimoji="1" lang="ja-JP" altLang="en-US"/>
           </a:p>
@@ -458,7 +457,7 @@
           <a:p>
             <a:fld id="{4243B9F3-7FF2-4191-A3DF-6D4F95FF8DB0}" type="datetimeFigureOut">
               <a:rPr kumimoji="1" lang="ja-JP" altLang="en-US" smtClean="0"/>
-              <a:t>2022/12/12</a:t>
+              <a:t>2022/12/15</a:t>
             </a:fld>
             <a:endParaRPr kumimoji="1" lang="ja-JP" altLang="en-US"/>
           </a:p>
@@ -670,7 +669,7 @@
           <a:p>
             <a:fld id="{4243B9F3-7FF2-4191-A3DF-6D4F95FF8DB0}" type="datetimeFigureOut">
               <a:rPr kumimoji="1" lang="ja-JP" altLang="en-US" smtClean="0"/>
-              <a:t>2022/12/12</a:t>
+              <a:t>2022/12/15</a:t>
             </a:fld>
             <a:endParaRPr kumimoji="1" lang="ja-JP" altLang="en-US"/>
           </a:p>
@@ -872,7 +871,7 @@
           <a:p>
             <a:fld id="{4243B9F3-7FF2-4191-A3DF-6D4F95FF8DB0}" type="datetimeFigureOut">
               <a:rPr kumimoji="1" lang="ja-JP" altLang="en-US" smtClean="0"/>
-              <a:t>2022/12/12</a:t>
+              <a:t>2022/12/15</a:t>
             </a:fld>
             <a:endParaRPr kumimoji="1" lang="ja-JP" altLang="en-US"/>
           </a:p>
@@ -1116,7 +1115,7 @@
           <a:p>
             <a:fld id="{4243B9F3-7FF2-4191-A3DF-6D4F95FF8DB0}" type="datetimeFigureOut">
               <a:rPr kumimoji="1" lang="ja-JP" altLang="en-US" smtClean="0"/>
-              <a:t>2022/12/12</a:t>
+              <a:t>2022/12/15</a:t>
             </a:fld>
             <a:endParaRPr kumimoji="1" lang="ja-JP" altLang="en-US"/>
           </a:p>
@@ -1412,7 +1411,7 @@
           <a:p>
             <a:fld id="{4243B9F3-7FF2-4191-A3DF-6D4F95FF8DB0}" type="datetimeFigureOut">
               <a:rPr kumimoji="1" lang="ja-JP" altLang="en-US" smtClean="0"/>
-              <a:t>2022/12/12</a:t>
+              <a:t>2022/12/15</a:t>
             </a:fld>
             <a:endParaRPr kumimoji="1" lang="ja-JP" altLang="en-US"/>
           </a:p>
@@ -1843,7 +1842,7 @@
           <a:p>
             <a:fld id="{4243B9F3-7FF2-4191-A3DF-6D4F95FF8DB0}" type="datetimeFigureOut">
               <a:rPr kumimoji="1" lang="ja-JP" altLang="en-US" smtClean="0"/>
-              <a:t>2022/12/12</a:t>
+              <a:t>2022/12/15</a:t>
             </a:fld>
             <a:endParaRPr kumimoji="1" lang="ja-JP" altLang="en-US"/>
           </a:p>
@@ -1961,7 +1960,7 @@
           <a:p>
             <a:fld id="{4243B9F3-7FF2-4191-A3DF-6D4F95FF8DB0}" type="datetimeFigureOut">
               <a:rPr kumimoji="1" lang="ja-JP" altLang="en-US" smtClean="0"/>
-              <a:t>2022/12/12</a:t>
+              <a:t>2022/12/15</a:t>
             </a:fld>
             <a:endParaRPr kumimoji="1" lang="ja-JP" altLang="en-US"/>
           </a:p>
@@ -2056,7 +2055,7 @@
           <a:p>
             <a:fld id="{4243B9F3-7FF2-4191-A3DF-6D4F95FF8DB0}" type="datetimeFigureOut">
               <a:rPr kumimoji="1" lang="ja-JP" altLang="en-US" smtClean="0"/>
-              <a:t>2022/12/12</a:t>
+              <a:t>2022/12/15</a:t>
             </a:fld>
             <a:endParaRPr kumimoji="1" lang="ja-JP" altLang="en-US"/>
           </a:p>
@@ -2365,7 +2364,7 @@
           <a:p>
             <a:fld id="{4243B9F3-7FF2-4191-A3DF-6D4F95FF8DB0}" type="datetimeFigureOut">
               <a:rPr kumimoji="1" lang="ja-JP" altLang="en-US" smtClean="0"/>
-              <a:t>2022/12/12</a:t>
+              <a:t>2022/12/15</a:t>
             </a:fld>
             <a:endParaRPr kumimoji="1" lang="ja-JP" altLang="en-US"/>
           </a:p>
@@ -2622,7 +2621,7 @@
           <a:p>
             <a:fld id="{4243B9F3-7FF2-4191-A3DF-6D4F95FF8DB0}" type="datetimeFigureOut">
               <a:rPr kumimoji="1" lang="ja-JP" altLang="en-US" smtClean="0"/>
-              <a:t>2022/12/12</a:t>
+              <a:t>2022/12/15</a:t>
             </a:fld>
             <a:endParaRPr kumimoji="1" lang="ja-JP" altLang="en-US"/>
           </a:p>
@@ -2867,7 +2866,7 @@
           <a:p>
             <a:fld id="{4243B9F3-7FF2-4191-A3DF-6D4F95FF8DB0}" type="datetimeFigureOut">
               <a:rPr kumimoji="1" lang="ja-JP" altLang="en-US" smtClean="0"/>
-              <a:t>2022/12/12</a:t>
+              <a:t>2022/12/15</a:t>
             </a:fld>
             <a:endParaRPr kumimoji="1" lang="ja-JP" altLang="en-US"/>
           </a:p>
@@ -3272,48 +3271,12 @@
           <a:chExt cx="0" cy="0"/>
         </a:xfrm>
       </p:grpSpPr>
-      <p:pic>
-        <p:nvPicPr>
-          <p:cNvPr id="29" name="図 28">
+      <p:sp>
+        <p:nvSpPr>
+          <p:cNvPr id="108" name="波線 107">
             <a:extLst>
               <a:ext uri="{FF2B5EF4-FFF2-40B4-BE49-F238E27FC236}">
-                <a16:creationId xmlns:a16="http://schemas.microsoft.com/office/drawing/2014/main" id="{93AF8511-AD12-4519-87B3-A827FF6F02BC}"/>
-              </a:ext>
-            </a:extLst>
-          </p:cNvPr>
-          <p:cNvPicPr>
-            <a:picLocks noChangeAspect="1"/>
-          </p:cNvPicPr>
-          <p:nvPr/>
-        </p:nvPicPr>
-        <p:blipFill>
-          <a:blip r:embed="rId2">
-            <a:extLst>
-              <a:ext uri="{28A0092B-C50C-407E-A947-70E740481C1C}">
-                <a14:useLocalDpi xmlns:a14="http://schemas.microsoft.com/office/drawing/2010/main" val="0"/>
-              </a:ext>
-            </a:extLst>
-          </a:blip>
-          <a:stretch>
-            <a:fillRect/>
-          </a:stretch>
-        </p:blipFill>
-        <p:spPr>
-          <a:xfrm>
-            <a:off x="359450" y="2020662"/>
-            <a:ext cx="3497442" cy="1426817"/>
-          </a:xfrm>
-          <a:prstGeom prst="rect">
-            <a:avLst/>
-          </a:prstGeom>
-        </p:spPr>
-      </p:pic>
-      <p:sp>
-        <p:nvSpPr>
-          <p:cNvPr id="23" name="正方形/長方形 22">
-            <a:extLst>
-              <a:ext uri="{FF2B5EF4-FFF2-40B4-BE49-F238E27FC236}">
-                <a16:creationId xmlns:a16="http://schemas.microsoft.com/office/drawing/2014/main" id="{3A036FFA-8B06-40B3-8A89-34318D1629E5}"/>
+                <a16:creationId xmlns:a16="http://schemas.microsoft.com/office/drawing/2014/main" id="{2A65321C-F425-46F7-A2FD-217810DBFDBE}"/>
               </a:ext>
             </a:extLst>
           </p:cNvPr>
@@ -3322,19 +3285,19 @@
         </p:nvSpPr>
         <p:spPr>
           <a:xfrm>
-            <a:off x="4018960" y="1598007"/>
-            <a:ext cx="2803727" cy="1788319"/>
+            <a:off x="264181" y="7624119"/>
+            <a:ext cx="6356350" cy="2187146"/>
           </a:xfrm>
-          <a:prstGeom prst="rect">
+          <a:prstGeom prst="wave">
             <a:avLst/>
           </a:prstGeom>
           <a:solidFill>
             <a:schemeClr val="accent4">
-              <a:lumMod val="40000"/>
-              <a:lumOff val="60000"/>
+              <a:lumMod val="20000"/>
+              <a:lumOff val="80000"/>
             </a:schemeClr>
           </a:solidFill>
-          <a:ln w="12700">
+          <a:ln>
             <a:solidFill>
               <a:schemeClr val="tx1"/>
             </a:solidFill>
@@ -3365,12 +3328,54 @@
           </a:p>
         </p:txBody>
       </p:sp>
-      <p:sp>
-        <p:nvSpPr>
-          <p:cNvPr id="20" name="正方形/長方形 19">
+      <p:pic>
+        <p:nvPicPr>
+          <p:cNvPr id="49" name="図 48">
             <a:extLst>
               <a:ext uri="{FF2B5EF4-FFF2-40B4-BE49-F238E27FC236}">
-                <a16:creationId xmlns:a16="http://schemas.microsoft.com/office/drawing/2014/main" id="{9285CB1D-A86C-450E-92FC-A256247753DA}"/>
+                <a16:creationId xmlns:a16="http://schemas.microsoft.com/office/drawing/2014/main" id="{D4E742D2-39C1-42FA-982C-A77635305A47}"/>
+              </a:ext>
+            </a:extLst>
+          </p:cNvPr>
+          <p:cNvPicPr>
+            <a:picLocks noChangeAspect="1"/>
+          </p:cNvPicPr>
+          <p:nvPr/>
+        </p:nvPicPr>
+        <p:blipFill>
+          <a:blip r:embed="rId2"/>
+          <a:stretch>
+            <a:fillRect/>
+          </a:stretch>
+        </p:blipFill>
+        <p:spPr>
+          <a:xfrm>
+            <a:off x="398739" y="2701286"/>
+            <a:ext cx="3048706" cy="2286530"/>
+          </a:xfrm>
+          <a:prstGeom prst="rect">
+            <a:avLst/>
+          </a:prstGeom>
+          <a:ln w="38100">
+            <a:solidFill>
+              <a:schemeClr val="tx1"/>
+            </a:solidFill>
+          </a:ln>
+          <a:effectLst>
+            <a:outerShdw blurRad="50800" dist="38100" dir="2700000" algn="tl" rotWithShape="0">
+              <a:prstClr val="black">
+                <a:alpha val="40000"/>
+              </a:prstClr>
+            </a:outerShdw>
+          </a:effectLst>
+        </p:spPr>
+      </p:pic>
+      <p:sp>
+        <p:nvSpPr>
+          <p:cNvPr id="41" name="四角形: 角を丸くする 40">
+            <a:extLst>
+              <a:ext uri="{FF2B5EF4-FFF2-40B4-BE49-F238E27FC236}">
+                <a16:creationId xmlns:a16="http://schemas.microsoft.com/office/drawing/2014/main" id="{0C6BC99E-9E21-41F4-8A2C-AC4135F574EB}"/>
               </a:ext>
             </a:extLst>
           </p:cNvPr>
@@ -3379,18 +3384,16 @@
         </p:nvSpPr>
         <p:spPr>
           <a:xfrm>
-            <a:off x="209238" y="3692235"/>
-            <a:ext cx="4238071" cy="961656"/>
+            <a:off x="84507" y="5661172"/>
+            <a:ext cx="1939018" cy="1608595"/>
           </a:xfrm>
-          <a:prstGeom prst="rect">
+          <a:prstGeom prst="roundRect">
             <a:avLst/>
           </a:prstGeom>
           <a:solidFill>
-            <a:schemeClr val="bg2">
-              <a:lumMod val="90000"/>
-            </a:schemeClr>
+            <a:schemeClr val="bg2"/>
           </a:solidFill>
-          <a:ln w="12700">
+          <a:ln>
             <a:solidFill>
               <a:schemeClr val="tx1"/>
             </a:solidFill>
@@ -3417,16 +3420,16 @@
           <a:lstStyle/>
           <a:p>
             <a:pPr algn="ctr"/>
-            <a:endParaRPr kumimoji="1" lang="ja-JP" altLang="en-US" dirty="0"/>
-          </a:p>
-        </p:txBody>
-      </p:sp>
-      <p:sp>
-        <p:nvSpPr>
-          <p:cNvPr id="18" name="四角形: 角を丸くする 17">
+            <a:endParaRPr lang="ja-JP" altLang="en-US" dirty="0"/>
+          </a:p>
+        </p:txBody>
+      </p:sp>
+      <p:sp>
+        <p:nvSpPr>
+          <p:cNvPr id="23" name="正方形/長方形 22">
             <a:extLst>
               <a:ext uri="{FF2B5EF4-FFF2-40B4-BE49-F238E27FC236}">
-                <a16:creationId xmlns:a16="http://schemas.microsoft.com/office/drawing/2014/main" id="{72DC9C2F-5F6E-4C69-A2C6-15D4F6F68057}"/>
+                <a16:creationId xmlns:a16="http://schemas.microsoft.com/office/drawing/2014/main" id="{3A036FFA-8B06-40B3-8A89-34318D1629E5}"/>
               </a:ext>
             </a:extLst>
           </p:cNvPr>
@@ -3435,18 +3438,30 @@
         </p:nvSpPr>
         <p:spPr>
           <a:xfrm>
-            <a:off x="197382" y="1764612"/>
-            <a:ext cx="3797865" cy="1788319"/>
+            <a:off x="3562089" y="4010119"/>
+            <a:ext cx="3071033" cy="1330300"/>
           </a:xfrm>
-          <a:prstGeom prst="roundRect">
+          <a:prstGeom prst="rect">
             <a:avLst/>
           </a:prstGeom>
-          <a:noFill/>
-          <a:ln w="38100">
+          <a:solidFill>
+            <a:schemeClr val="accent4">
+              <a:lumMod val="40000"/>
+              <a:lumOff val="60000"/>
+            </a:schemeClr>
+          </a:solidFill>
+          <a:ln w="12700">
             <a:solidFill>
               <a:schemeClr val="tx1"/>
             </a:solidFill>
           </a:ln>
+          <a:effectLst>
+            <a:outerShdw blurRad="50800" dist="38100" dir="2700000" algn="tl" rotWithShape="0">
+              <a:prstClr val="black">
+                <a:alpha val="40000"/>
+              </a:prstClr>
+            </a:outerShdw>
+          </a:effectLst>
         </p:spPr>
         <p:style>
           <a:lnRef idx="2">
@@ -3475,98 +3490,64 @@
       </p:sp>
       <p:sp>
         <p:nvSpPr>
-          <p:cNvPr id="4" name="テキスト ボックス 3">
+          <p:cNvPr id="20" name="正方形/長方形 19">
             <a:extLst>
               <a:ext uri="{FF2B5EF4-FFF2-40B4-BE49-F238E27FC236}">
-                <a16:creationId xmlns:a16="http://schemas.microsoft.com/office/drawing/2014/main" id="{080E7010-DAD7-4472-81B3-5DCA9915A3E1}"/>
+                <a16:creationId xmlns:a16="http://schemas.microsoft.com/office/drawing/2014/main" id="{9285CB1D-A86C-450E-92FC-A256247753DA}"/>
               </a:ext>
             </a:extLst>
           </p:cNvPr>
-          <p:cNvSpPr txBox="1"/>
+          <p:cNvSpPr/>
           <p:nvPr/>
         </p:nvSpPr>
         <p:spPr>
           <a:xfrm>
-            <a:off x="746089" y="0"/>
-            <a:ext cx="5365828" cy="1354217"/>
+            <a:off x="3580663" y="2344057"/>
+            <a:ext cx="3071033" cy="1322893"/>
           </a:xfrm>
           <a:prstGeom prst="rect">
             <a:avLst/>
           </a:prstGeom>
           <a:solidFill>
-            <a:schemeClr val="accent2"/>
+            <a:schemeClr val="bg2">
+              <a:lumMod val="90000"/>
+            </a:schemeClr>
           </a:solidFill>
-          <a:ln w="44450">
+          <a:ln w="12700">
             <a:solidFill>
-              <a:schemeClr val="bg2">
-                <a:lumMod val="25000"/>
-              </a:schemeClr>
+              <a:schemeClr val="tx1"/>
             </a:solidFill>
           </a:ln>
+          <a:effectLst>
+            <a:outerShdw blurRad="50800" dist="38100" dir="2700000" algn="tl" rotWithShape="0">
+              <a:prstClr val="black">
+                <a:alpha val="40000"/>
+              </a:prstClr>
+            </a:outerShdw>
+          </a:effectLst>
         </p:spPr>
-        <p:txBody>
-          <a:bodyPr wrap="none" rtlCol="0">
-            <a:spAutoFit/>
-          </a:bodyPr>
+        <p:style>
+          <a:lnRef idx="2">
+            <a:schemeClr val="accent1">
+              <a:shade val="50000"/>
+            </a:schemeClr>
+          </a:lnRef>
+          <a:fillRef idx="1">
+            <a:schemeClr val="accent1"/>
+          </a:fillRef>
+          <a:effectRef idx="0">
+            <a:schemeClr val="accent1"/>
+          </a:effectRef>
+          <a:fontRef idx="minor">
+            <a:schemeClr val="lt1"/>
+          </a:fontRef>
+        </p:style>
+        <p:txBody>
+          <a:bodyPr rtlCol="0" anchor="ctr"/>
           <a:lstStyle/>
           <a:p>
             <a:pPr algn="ctr"/>
-            <a:r>
-              <a:rPr kumimoji="1" lang="ja-JP" altLang="en-US" sz="4100" u="sng" dirty="0">
-                <a:ln w="12700">
-                  <a:solidFill>
-                    <a:schemeClr val="bg1"/>
-                  </a:solidFill>
-                </a:ln>
-                <a:latin typeface="HGSｺﾞｼｯｸE" panose="020B0900000000000000" pitchFamily="50" charset="-128"/>
-                <a:ea typeface="HGSｺﾞｼｯｸE" panose="020B0900000000000000" pitchFamily="50" charset="-128"/>
-              </a:rPr>
-              <a:t>過剰な必要悪</a:t>
-            </a:r>
-            <a:endParaRPr kumimoji="1" lang="en-US" altLang="ja-JP" sz="4100" u="sng" dirty="0">
-              <a:ln w="12700">
-                <a:solidFill>
-                  <a:schemeClr val="bg1"/>
-                </a:solidFill>
-              </a:ln>
-              <a:latin typeface="HGSｺﾞｼｯｸE" panose="020B0900000000000000" pitchFamily="50" charset="-128"/>
-              <a:ea typeface="HGSｺﾞｼｯｸE" panose="020B0900000000000000" pitchFamily="50" charset="-128"/>
-            </a:endParaRPr>
-          </a:p>
-          <a:p>
-            <a:pPr algn="ctr"/>
-            <a:r>
-              <a:rPr kumimoji="1" lang="en-US" altLang="ja-JP" sz="4100" u="sng" dirty="0">
-                <a:ln w="12700">
-                  <a:solidFill>
-                    <a:schemeClr val="bg1"/>
-                  </a:solidFill>
-                </a:ln>
-                <a:latin typeface="Arial Black" panose="020B0A04020102020204" pitchFamily="34" charset="0"/>
-              </a:rPr>
-              <a:t>Anarchy Cars!!</a:t>
-            </a:r>
-            <a:r>
-              <a:rPr kumimoji="1" lang="en-US" altLang="ja-JP" sz="4100" u="sng" dirty="0">
-                <a:latin typeface="HGP創英ﾌﾟﾚｾﾞﾝｽEB" panose="02020800000000000000" pitchFamily="18" charset="-128"/>
-                <a:ea typeface="HGP創英ﾌﾟﾚｾﾞﾝｽEB" panose="02020800000000000000" pitchFamily="18" charset="-128"/>
-              </a:rPr>
-              <a:t>(</a:t>
-            </a:r>
-            <a:r>
-              <a:rPr kumimoji="1" lang="ja-JP" altLang="en-US" sz="4100" u="sng" dirty="0">
-                <a:latin typeface="HGP創英ﾌﾟﾚｾﾞﾝｽEB" panose="02020800000000000000" pitchFamily="18" charset="-128"/>
-                <a:ea typeface="HGP創英ﾌﾟﾚｾﾞﾝｽEB" panose="02020800000000000000" pitchFamily="18" charset="-128"/>
-              </a:rPr>
-              <a:t>仮</a:t>
-            </a:r>
-            <a:r>
-              <a:rPr kumimoji="1" lang="en-US" altLang="ja-JP" sz="4100" u="sng" dirty="0">
-                <a:latin typeface="HGP創英ﾌﾟﾚｾﾞﾝｽEB" panose="02020800000000000000" pitchFamily="18" charset="-128"/>
-                <a:ea typeface="HGP創英ﾌﾟﾚｾﾞﾝｽEB" panose="02020800000000000000" pitchFamily="18" charset="-128"/>
-              </a:rPr>
-              <a:t>)</a:t>
-            </a:r>
+            <a:endParaRPr kumimoji="1" lang="ja-JP" altLang="en-US" dirty="0"/>
           </a:p>
         </p:txBody>
       </p:sp>
@@ -3584,7 +3565,7 @@
         </p:nvSpPr>
         <p:spPr>
           <a:xfrm>
-            <a:off x="359450" y="1542329"/>
+            <a:off x="202455" y="2335246"/>
             <a:ext cx="2243073" cy="400110"/>
           </a:xfrm>
           <a:prstGeom prst="rect">
@@ -3632,14 +3613,17 @@
         </p:nvSpPr>
         <p:spPr>
           <a:xfrm>
-            <a:off x="209238" y="3691787"/>
-            <a:ext cx="4238071" cy="379954"/>
+            <a:off x="3580664" y="2341922"/>
+            <a:ext cx="3071032" cy="461665"/>
           </a:xfrm>
           <a:prstGeom prst="rect">
             <a:avLst/>
           </a:prstGeom>
           <a:solidFill>
-            <a:schemeClr val="accent2"/>
+            <a:schemeClr val="accent2">
+              <a:lumMod val="60000"/>
+              <a:lumOff val="40000"/>
+            </a:schemeClr>
           </a:solidFill>
           <a:ln w="12700">
             <a:solidFill>
@@ -3655,12 +3639,497 @@
           <a:p>
             <a:pPr algn="ctr"/>
             <a:r>
-              <a:rPr lang="ja-JP" altLang="en-US" dirty="0">
+              <a:rPr lang="ja-JP" altLang="en-US" sz="2400" dirty="0">
                 <a:latin typeface="HGPｺﾞｼｯｸE" panose="020B0900000000000000" pitchFamily="50" charset="-128"/>
                 <a:ea typeface="HGPｺﾞｼｯｸE" panose="020B0900000000000000" pitchFamily="50" charset="-128"/>
               </a:rPr>
               <a:t>ゲームの概要</a:t>
             </a:r>
+          </a:p>
+        </p:txBody>
+      </p:sp>
+      <p:sp>
+        <p:nvSpPr>
+          <p:cNvPr id="8" name="テキスト ボックス 7">
+            <a:extLst>
+              <a:ext uri="{FF2B5EF4-FFF2-40B4-BE49-F238E27FC236}">
+                <a16:creationId xmlns:a16="http://schemas.microsoft.com/office/drawing/2014/main" id="{D752C7F8-47FE-49C5-95F0-E6F8F8198A92}"/>
+              </a:ext>
+            </a:extLst>
+          </p:cNvPr>
+          <p:cNvSpPr txBox="1"/>
+          <p:nvPr/>
+        </p:nvSpPr>
+        <p:spPr>
+          <a:xfrm>
+            <a:off x="3562090" y="4014874"/>
+            <a:ext cx="3071032" cy="461665"/>
+          </a:xfrm>
+          <a:prstGeom prst="rect">
+            <a:avLst/>
+          </a:prstGeom>
+          <a:solidFill>
+            <a:schemeClr val="accent2">
+              <a:lumMod val="60000"/>
+              <a:lumOff val="40000"/>
+            </a:schemeClr>
+          </a:solidFill>
+          <a:ln w="12700">
+            <a:solidFill>
+              <a:schemeClr val="tx1"/>
+            </a:solidFill>
+          </a:ln>
+        </p:spPr>
+        <p:txBody>
+          <a:bodyPr wrap="square" rtlCol="0">
+            <a:spAutoFit/>
+          </a:bodyPr>
+          <a:lstStyle/>
+          <a:p>
+            <a:pPr algn="ctr"/>
+            <a:r>
+              <a:rPr kumimoji="1" lang="ja-JP" altLang="en-US" sz="2400" dirty="0">
+                <a:latin typeface="HGPｺﾞｼｯｸE" panose="020B0900000000000000" pitchFamily="50" charset="-128"/>
+                <a:ea typeface="HGPｺﾞｼｯｸE" panose="020B0900000000000000" pitchFamily="50" charset="-128"/>
+              </a:rPr>
+              <a:t>このゲームならでは</a:t>
+            </a:r>
+          </a:p>
+        </p:txBody>
+      </p:sp>
+      <p:sp>
+        <p:nvSpPr>
+          <p:cNvPr id="10" name="テキスト ボックス 9">
+            <a:extLst>
+              <a:ext uri="{FF2B5EF4-FFF2-40B4-BE49-F238E27FC236}">
+                <a16:creationId xmlns:a16="http://schemas.microsoft.com/office/drawing/2014/main" id="{84692D28-D83E-4985-A0A3-D631C3995221}"/>
+              </a:ext>
+            </a:extLst>
+          </p:cNvPr>
+          <p:cNvSpPr txBox="1"/>
+          <p:nvPr/>
+        </p:nvSpPr>
+        <p:spPr>
+          <a:xfrm>
+            <a:off x="3493640" y="4417089"/>
+            <a:ext cx="3207929" cy="923330"/>
+          </a:xfrm>
+          <a:prstGeom prst="rect">
+            <a:avLst/>
+          </a:prstGeom>
+          <a:noFill/>
+          <a:ln w="12700">
+            <a:noFill/>
+          </a:ln>
+        </p:spPr>
+        <p:txBody>
+          <a:bodyPr wrap="square" rtlCol="0">
+            <a:spAutoFit/>
+          </a:bodyPr>
+          <a:lstStyle/>
+          <a:p>
+            <a:r>
+              <a:rPr kumimoji="1" lang="ja-JP" altLang="en-US" dirty="0">
+                <a:latin typeface="HGPｺﾞｼｯｸE" panose="020B0900000000000000" pitchFamily="50" charset="-128"/>
+                <a:ea typeface="HGPｺﾞｼｯｸE" panose="020B0900000000000000" pitchFamily="50" charset="-128"/>
+              </a:rPr>
+              <a:t>しかしこのゲームでは</a:t>
+            </a:r>
+            <a:endParaRPr kumimoji="1" lang="en-US" altLang="ja-JP" dirty="0">
+              <a:latin typeface="HGPｺﾞｼｯｸE" panose="020B0900000000000000" pitchFamily="50" charset="-128"/>
+              <a:ea typeface="HGPｺﾞｼｯｸE" panose="020B0900000000000000" pitchFamily="50" charset="-128"/>
+            </a:endParaRPr>
+          </a:p>
+          <a:p>
+            <a:r>
+              <a:rPr kumimoji="1" lang="ja-JP" altLang="en-US" dirty="0">
+                <a:latin typeface="HGPｺﾞｼｯｸE" panose="020B0900000000000000" pitchFamily="50" charset="-128"/>
+                <a:ea typeface="HGPｺﾞｼｯｸE" panose="020B0900000000000000" pitchFamily="50" charset="-128"/>
+              </a:rPr>
+              <a:t>大きな</a:t>
+            </a:r>
+            <a:r>
+              <a:rPr kumimoji="1" lang="ja-JP" altLang="en-US" dirty="0">
+                <a:solidFill>
+                  <a:schemeClr val="accent1"/>
+                </a:solidFill>
+                <a:latin typeface="HGPｺﾞｼｯｸE" panose="020B0900000000000000" pitchFamily="50" charset="-128"/>
+                <a:ea typeface="HGPｺﾞｼｯｸE" panose="020B0900000000000000" pitchFamily="50" charset="-128"/>
+              </a:rPr>
+              <a:t>失点</a:t>
+            </a:r>
+            <a:r>
+              <a:rPr kumimoji="1" lang="ja-JP" altLang="en-US" dirty="0">
+                <a:latin typeface="HGPｺﾞｼｯｸE" panose="020B0900000000000000" pitchFamily="50" charset="-128"/>
+                <a:ea typeface="HGPｺﾞｼｯｸE" panose="020B0900000000000000" pitchFamily="50" charset="-128"/>
+              </a:rPr>
+              <a:t>こそが</a:t>
+            </a:r>
+            <a:r>
+              <a:rPr kumimoji="1" lang="ja-JP" altLang="en-US" dirty="0">
+                <a:solidFill>
+                  <a:srgbClr val="FF0000"/>
+                </a:solidFill>
+                <a:latin typeface="HGPｺﾞｼｯｸE" panose="020B0900000000000000" pitchFamily="50" charset="-128"/>
+                <a:ea typeface="HGPｺﾞｼｯｸE" panose="020B0900000000000000" pitchFamily="50" charset="-128"/>
+              </a:rPr>
+              <a:t>高得点</a:t>
+            </a:r>
+            <a:r>
+              <a:rPr kumimoji="1" lang="en-US" altLang="ja-JP" dirty="0">
+                <a:latin typeface="HGPｺﾞｼｯｸE" panose="020B0900000000000000" pitchFamily="50" charset="-128"/>
+                <a:ea typeface="HGPｺﾞｼｯｸE" panose="020B0900000000000000" pitchFamily="50" charset="-128"/>
+              </a:rPr>
+              <a:t>!!</a:t>
+            </a:r>
+          </a:p>
+          <a:p>
+            <a:r>
+              <a:rPr kumimoji="1" lang="ja-JP" altLang="en-US" dirty="0">
+                <a:latin typeface="HGPｺﾞｼｯｸE" panose="020B0900000000000000" pitchFamily="50" charset="-128"/>
+                <a:ea typeface="HGPｺﾞｼｯｸE" panose="020B0900000000000000" pitchFamily="50" charset="-128"/>
+              </a:rPr>
+              <a:t>今までにないカートゲーム</a:t>
+            </a:r>
+            <a:r>
+              <a:rPr kumimoji="1" lang="en-US" altLang="ja-JP" dirty="0">
+                <a:latin typeface="HGPｺﾞｼｯｸE" panose="020B0900000000000000" pitchFamily="50" charset="-128"/>
+                <a:ea typeface="HGPｺﾞｼｯｸE" panose="020B0900000000000000" pitchFamily="50" charset="-128"/>
+              </a:rPr>
+              <a:t>!!</a:t>
+            </a:r>
+          </a:p>
+        </p:txBody>
+      </p:sp>
+      <p:sp>
+        <p:nvSpPr>
+          <p:cNvPr id="15" name="テキスト ボックス 14">
+            <a:extLst>
+              <a:ext uri="{FF2B5EF4-FFF2-40B4-BE49-F238E27FC236}">
+                <a16:creationId xmlns:a16="http://schemas.microsoft.com/office/drawing/2014/main" id="{91D281B5-1B03-49BB-AAB9-F0CD29464776}"/>
+              </a:ext>
+            </a:extLst>
+          </p:cNvPr>
+          <p:cNvSpPr txBox="1"/>
+          <p:nvPr/>
+        </p:nvSpPr>
+        <p:spPr>
+          <a:xfrm>
+            <a:off x="262918" y="8230800"/>
+            <a:ext cx="6405921" cy="954107"/>
+          </a:xfrm>
+          <a:prstGeom prst="rect">
+            <a:avLst/>
+          </a:prstGeom>
+          <a:noFill/>
+        </p:spPr>
+        <p:txBody>
+          <a:bodyPr wrap="none" rtlCol="0">
+            <a:spAutoFit/>
+            <a:scene3d>
+              <a:camera prst="orthographicFront"/>
+              <a:lightRig rig="threePt" dir="t"/>
+            </a:scene3d>
+            <a:sp3d extrusionH="6350">
+              <a:bevelT w="12700" h="88900"/>
+              <a:bevelB w="12700" h="88900"/>
+            </a:sp3d>
+          </a:bodyPr>
+          <a:lstStyle/>
+          <a:p>
+            <a:r>
+              <a:rPr kumimoji="1" lang="ja-JP" altLang="en-US" sz="2800" dirty="0">
+                <a:solidFill>
+                  <a:srgbClr val="FF0000"/>
+                </a:solidFill>
+                <a:effectLst>
+                  <a:outerShdw blurRad="50800" dist="38100" dir="18900000" algn="bl" rotWithShape="0">
+                    <a:prstClr val="black">
+                      <a:alpha val="40000"/>
+                    </a:prstClr>
+                  </a:outerShdw>
+                </a:effectLst>
+                <a:latin typeface="HGP創英角ﾎﾟｯﾌﾟ体" panose="040B0A00000000000000" pitchFamily="50" charset="-128"/>
+                <a:ea typeface="HGP創英角ﾎﾟｯﾌﾟ体" panose="040B0A00000000000000" pitchFamily="50" charset="-128"/>
+              </a:rPr>
+              <a:t>実は世のため人のため</a:t>
+            </a:r>
+            <a:r>
+              <a:rPr kumimoji="1" lang="en-US" altLang="ja-JP" sz="2800" dirty="0">
+                <a:solidFill>
+                  <a:srgbClr val="FF0000"/>
+                </a:solidFill>
+                <a:effectLst>
+                  <a:outerShdw blurRad="50800" dist="38100" dir="18900000" algn="bl" rotWithShape="0">
+                    <a:prstClr val="black">
+                      <a:alpha val="40000"/>
+                    </a:prstClr>
+                  </a:outerShdw>
+                </a:effectLst>
+                <a:latin typeface="HGP創英角ﾎﾟｯﾌﾟ体" panose="040B0A00000000000000" pitchFamily="50" charset="-128"/>
+                <a:ea typeface="HGP創英角ﾎﾟｯﾌﾟ体" panose="040B0A00000000000000" pitchFamily="50" charset="-128"/>
+              </a:rPr>
+              <a:t>!?</a:t>
+            </a:r>
+          </a:p>
+          <a:p>
+            <a:r>
+              <a:rPr kumimoji="1" lang="ja-JP" altLang="en-US" sz="2800" i="1" dirty="0">
+                <a:solidFill>
+                  <a:srgbClr val="FF0000"/>
+                </a:solidFill>
+                <a:effectLst>
+                  <a:outerShdw blurRad="50800" dist="38100" dir="18900000" algn="bl" rotWithShape="0">
+                    <a:prstClr val="black">
+                      <a:alpha val="40000"/>
+                    </a:prstClr>
+                  </a:outerShdw>
+                </a:effectLst>
+                <a:latin typeface="HGP創英角ﾎﾟｯﾌﾟ体" panose="040B0A00000000000000" pitchFamily="50" charset="-128"/>
+                <a:ea typeface="HGP創英角ﾎﾟｯﾌﾟ体" panose="040B0A00000000000000" pitchFamily="50" charset="-128"/>
+              </a:rPr>
+              <a:t>　　　　　　　</a:t>
+            </a:r>
+            <a:r>
+              <a:rPr kumimoji="1" lang="ja-JP" altLang="en-US" sz="2800" dirty="0">
+                <a:solidFill>
+                  <a:srgbClr val="FF0000"/>
+                </a:solidFill>
+                <a:effectLst>
+                  <a:outerShdw blurRad="50800" dist="38100" dir="18900000" algn="bl" rotWithShape="0">
+                    <a:prstClr val="black">
+                      <a:alpha val="40000"/>
+                    </a:prstClr>
+                  </a:outerShdw>
+                </a:effectLst>
+                <a:latin typeface="HGP創英角ﾎﾟｯﾌﾟ体" panose="040B0A00000000000000" pitchFamily="50" charset="-128"/>
+                <a:ea typeface="HGP創英角ﾎﾟｯﾌﾟ体" panose="040B0A00000000000000" pitchFamily="50" charset="-128"/>
+              </a:rPr>
+              <a:t>気分はまさに</a:t>
+            </a:r>
+            <a:r>
+              <a:rPr kumimoji="1" lang="ja-JP" altLang="en-US" sz="2800" b="1" i="1" dirty="0">
+                <a:solidFill>
+                  <a:srgbClr val="FF0000"/>
+                </a:solidFill>
+                <a:effectLst>
+                  <a:outerShdw blurRad="50800" dist="38100" dir="18900000" algn="bl" rotWithShape="0">
+                    <a:prstClr val="black">
+                      <a:alpha val="40000"/>
+                    </a:prstClr>
+                  </a:outerShdw>
+                </a:effectLst>
+                <a:latin typeface="HGP創英角ﾎﾟｯﾌﾟ体" panose="040B0A00000000000000" pitchFamily="50" charset="-128"/>
+                <a:ea typeface="HGP創英角ﾎﾟｯﾌﾟ体" panose="040B0A00000000000000" pitchFamily="50" charset="-128"/>
+              </a:rPr>
+              <a:t>ダークヒーロー</a:t>
+            </a:r>
+            <a:r>
+              <a:rPr kumimoji="1" lang="en-US" altLang="ja-JP" sz="2800" b="1" i="1" dirty="0">
+                <a:solidFill>
+                  <a:srgbClr val="FF0000"/>
+                </a:solidFill>
+                <a:effectLst>
+                  <a:outerShdw blurRad="50800" dist="38100" dir="18900000" algn="bl" rotWithShape="0">
+                    <a:prstClr val="black">
+                      <a:alpha val="40000"/>
+                    </a:prstClr>
+                  </a:outerShdw>
+                </a:effectLst>
+                <a:latin typeface="HGP創英角ﾎﾟｯﾌﾟ体" panose="040B0A00000000000000" pitchFamily="50" charset="-128"/>
+                <a:ea typeface="HGP創英角ﾎﾟｯﾌﾟ体" panose="040B0A00000000000000" pitchFamily="50" charset="-128"/>
+              </a:rPr>
+              <a:t>!!</a:t>
+            </a:r>
+            <a:endParaRPr kumimoji="1" lang="ja-JP" altLang="en-US" sz="2800" b="1" i="1" dirty="0">
+              <a:solidFill>
+                <a:srgbClr val="FF0000"/>
+              </a:solidFill>
+              <a:effectLst>
+                <a:outerShdw blurRad="50800" dist="38100" dir="18900000" algn="bl" rotWithShape="0">
+                  <a:prstClr val="black">
+                    <a:alpha val="40000"/>
+                  </a:prstClr>
+                </a:outerShdw>
+              </a:effectLst>
+              <a:latin typeface="HGP創英角ﾎﾟｯﾌﾟ体" panose="040B0A00000000000000" pitchFamily="50" charset="-128"/>
+              <a:ea typeface="HGP創英角ﾎﾟｯﾌﾟ体" panose="040B0A00000000000000" pitchFamily="50" charset="-128"/>
+            </a:endParaRPr>
+          </a:p>
+        </p:txBody>
+      </p:sp>
+      <p:sp>
+        <p:nvSpPr>
+          <p:cNvPr id="19" name="テキスト ボックス 18">
+            <a:extLst>
+              <a:ext uri="{FF2B5EF4-FFF2-40B4-BE49-F238E27FC236}">
+                <a16:creationId xmlns:a16="http://schemas.microsoft.com/office/drawing/2014/main" id="{F842DE83-064E-4039-AD08-D69D8E1EACF7}"/>
+              </a:ext>
+            </a:extLst>
+          </p:cNvPr>
+          <p:cNvSpPr txBox="1"/>
+          <p:nvPr/>
+        </p:nvSpPr>
+        <p:spPr>
+          <a:xfrm>
+            <a:off x="3562090" y="2776367"/>
+            <a:ext cx="3207929" cy="923330"/>
+          </a:xfrm>
+          <a:prstGeom prst="rect">
+            <a:avLst/>
+          </a:prstGeom>
+          <a:noFill/>
+        </p:spPr>
+        <p:txBody>
+          <a:bodyPr wrap="square" rtlCol="0">
+            <a:spAutoFit/>
+          </a:bodyPr>
+          <a:lstStyle/>
+          <a:p>
+            <a:r>
+              <a:rPr kumimoji="1" lang="ja-JP" altLang="en-US" dirty="0">
+                <a:latin typeface="HGPｺﾞｼｯｸE" panose="020B0900000000000000" pitchFamily="50" charset="-128"/>
+                <a:ea typeface="HGPｺﾞｼｯｸE" panose="020B0900000000000000" pitchFamily="50" charset="-128"/>
+              </a:rPr>
+              <a:t>悪いことをすると</a:t>
+            </a:r>
+            <a:r>
+              <a:rPr kumimoji="1" lang="ja-JP" altLang="en-US" dirty="0">
+                <a:solidFill>
+                  <a:schemeClr val="accent1"/>
+                </a:solidFill>
+                <a:latin typeface="HGPｺﾞｼｯｸE" panose="020B0900000000000000" pitchFamily="50" charset="-128"/>
+                <a:ea typeface="HGPｺﾞｼｯｸE" panose="020B0900000000000000" pitchFamily="50" charset="-128"/>
+              </a:rPr>
+              <a:t>失点</a:t>
+            </a:r>
+            <a:r>
+              <a:rPr kumimoji="1" lang="ja-JP" altLang="en-US" dirty="0">
+                <a:latin typeface="HGPｺﾞｼｯｸE" panose="020B0900000000000000" pitchFamily="50" charset="-128"/>
+                <a:ea typeface="HGPｺﾞｼｯｸE" panose="020B0900000000000000" pitchFamily="50" charset="-128"/>
+              </a:rPr>
+              <a:t>する</a:t>
+            </a:r>
+            <a:r>
+              <a:rPr kumimoji="1" lang="en-US" altLang="ja-JP" dirty="0">
+                <a:latin typeface="HGPｺﾞｼｯｸE" panose="020B0900000000000000" pitchFamily="50" charset="-128"/>
+                <a:ea typeface="HGPｺﾞｼｯｸE" panose="020B0900000000000000" pitchFamily="50" charset="-128"/>
+              </a:rPr>
+              <a:t>…</a:t>
+            </a:r>
+          </a:p>
+          <a:p>
+            <a:r>
+              <a:rPr kumimoji="1" lang="ja-JP" altLang="en-US" dirty="0">
+                <a:latin typeface="HGPｺﾞｼｯｸE" panose="020B0900000000000000" pitchFamily="50" charset="-128"/>
+                <a:ea typeface="HGPｺﾞｼｯｸE" panose="020B0900000000000000" pitchFamily="50" charset="-128"/>
+              </a:rPr>
+              <a:t>重い罪ほど</a:t>
+            </a:r>
+            <a:r>
+              <a:rPr kumimoji="1" lang="ja-JP" altLang="en-US" dirty="0">
+                <a:solidFill>
+                  <a:schemeClr val="accent1"/>
+                </a:solidFill>
+                <a:latin typeface="HGPｺﾞｼｯｸE" panose="020B0900000000000000" pitchFamily="50" charset="-128"/>
+                <a:ea typeface="HGPｺﾞｼｯｸE" panose="020B0900000000000000" pitchFamily="50" charset="-128"/>
+              </a:rPr>
+              <a:t>失点</a:t>
+            </a:r>
+            <a:r>
+              <a:rPr kumimoji="1" lang="ja-JP" altLang="en-US" dirty="0">
+                <a:latin typeface="HGPｺﾞｼｯｸE" panose="020B0900000000000000" pitchFamily="50" charset="-128"/>
+                <a:ea typeface="HGPｺﾞｼｯｸE" panose="020B0900000000000000" pitchFamily="50" charset="-128"/>
+              </a:rPr>
+              <a:t>が大きい</a:t>
+            </a:r>
+            <a:r>
+              <a:rPr kumimoji="1" lang="en-US" altLang="ja-JP" dirty="0">
+                <a:latin typeface="HGPｺﾞｼｯｸE" panose="020B0900000000000000" pitchFamily="50" charset="-128"/>
+                <a:ea typeface="HGPｺﾞｼｯｸE" panose="020B0900000000000000" pitchFamily="50" charset="-128"/>
+              </a:rPr>
+              <a:t>!!</a:t>
+            </a:r>
+          </a:p>
+          <a:p>
+            <a:r>
+              <a:rPr kumimoji="1" lang="ja-JP" altLang="en-US" dirty="0">
+                <a:latin typeface="HGPｺﾞｼｯｸE" panose="020B0900000000000000" pitchFamily="50" charset="-128"/>
+                <a:ea typeface="HGPｺﾞｼｯｸE" panose="020B0900000000000000" pitchFamily="50" charset="-128"/>
+              </a:rPr>
+              <a:t>悪いことを連続するとコンボに</a:t>
+            </a:r>
+            <a:r>
+              <a:rPr kumimoji="1" lang="en-US" altLang="ja-JP" dirty="0">
+                <a:latin typeface="HGPｺﾞｼｯｸE" panose="020B0900000000000000" pitchFamily="50" charset="-128"/>
+                <a:ea typeface="HGPｺﾞｼｯｸE" panose="020B0900000000000000" pitchFamily="50" charset="-128"/>
+              </a:rPr>
+              <a:t>!!</a:t>
+            </a:r>
+          </a:p>
+        </p:txBody>
+      </p:sp>
+      <p:sp>
+        <p:nvSpPr>
+          <p:cNvPr id="21" name="正方形/長方形 20">
+            <a:extLst>
+              <a:ext uri="{FF2B5EF4-FFF2-40B4-BE49-F238E27FC236}">
+                <a16:creationId xmlns:a16="http://schemas.microsoft.com/office/drawing/2014/main" id="{C3FFD205-480B-4305-B8C1-62FE2A55550F}"/>
+              </a:ext>
+            </a:extLst>
+          </p:cNvPr>
+          <p:cNvSpPr/>
+          <p:nvPr/>
+        </p:nvSpPr>
+        <p:spPr>
+          <a:xfrm>
+            <a:off x="236786" y="1454688"/>
+            <a:ext cx="6394091" cy="735310"/>
+          </a:xfrm>
+          <a:prstGeom prst="rect">
+            <a:avLst/>
+          </a:prstGeom>
+          <a:solidFill>
+            <a:schemeClr val="accent1">
+              <a:lumMod val="40000"/>
+              <a:lumOff val="60000"/>
+            </a:schemeClr>
+          </a:solidFill>
+          <a:ln w="12700">
+            <a:solidFill>
+              <a:schemeClr val="tx1"/>
+            </a:solidFill>
+          </a:ln>
+          <a:effectLst>
+            <a:outerShdw blurRad="50800" dist="38100" dir="2700000" algn="tl" rotWithShape="0">
+              <a:prstClr val="black">
+                <a:alpha val="40000"/>
+              </a:prstClr>
+            </a:outerShdw>
+          </a:effectLst>
+        </p:spPr>
+        <p:style>
+          <a:lnRef idx="2">
+            <a:schemeClr val="accent1">
+              <a:shade val="50000"/>
+            </a:schemeClr>
+          </a:lnRef>
+          <a:fillRef idx="1">
+            <a:schemeClr val="accent1"/>
+          </a:fillRef>
+          <a:effectRef idx="0">
+            <a:schemeClr val="accent1"/>
+          </a:effectRef>
+          <a:fontRef idx="minor">
+            <a:schemeClr val="lt1"/>
+          </a:fontRef>
+        </p:style>
+        <p:txBody>
+          <a:bodyPr rtlCol="0" anchor="ctr"/>
+          <a:lstStyle/>
+          <a:p>
+            <a:pPr algn="ctr"/>
+            <a:endParaRPr kumimoji="1" lang="ja-JP" altLang="en-US"/>
           </a:p>
         </p:txBody>
       </p:sp>
@@ -3678,8 +4147,8 @@
         </p:nvSpPr>
         <p:spPr>
           <a:xfrm>
-            <a:off x="129562" y="4007559"/>
-            <a:ext cx="4414991" cy="646331"/>
+            <a:off x="160849" y="1420557"/>
+            <a:ext cx="6563015" cy="769441"/>
           </a:xfrm>
           <a:prstGeom prst="rect">
             <a:avLst/>
@@ -3693,21 +4162,21 @@
           <a:lstStyle/>
           <a:p>
             <a:r>
-              <a:rPr kumimoji="1" lang="ja-JP" altLang="en-US" dirty="0">
+              <a:rPr kumimoji="1" lang="ja-JP" altLang="en-US" sz="2200" dirty="0">
                 <a:latin typeface="HGPｺﾞｼｯｸE" panose="020B0900000000000000" pitchFamily="50" charset="-128"/>
                 <a:ea typeface="HGPｺﾞｼｯｸE" panose="020B0900000000000000" pitchFamily="50" charset="-128"/>
               </a:rPr>
-              <a:t>・やってはいけない</a:t>
-            </a:r>
-            <a:r>
-              <a:rPr kumimoji="1" lang="en-US" altLang="ja-JP" dirty="0">
+              <a:t>・やってはいけないことをする</a:t>
+            </a:r>
+            <a:r>
+              <a:rPr kumimoji="1" lang="en-US" altLang="ja-JP" sz="2200" dirty="0">
                 <a:latin typeface="HGPｺﾞｼｯｸE" panose="020B0900000000000000" pitchFamily="50" charset="-128"/>
                 <a:ea typeface="HGPｺﾞｼｯｸE" panose="020B0900000000000000" pitchFamily="50" charset="-128"/>
               </a:rPr>
               <a:t>“</a:t>
             </a:r>
             <a:r>
-              <a:rPr kumimoji="1" lang="ja-JP" altLang="en-US" dirty="0">
+              <a:rPr kumimoji="1" lang="ja-JP" altLang="en-US" sz="2200" dirty="0">
                 <a:solidFill>
                   <a:srgbClr val="FF0000"/>
                 </a:solidFill>
@@ -3717,21 +4186,21 @@
               <a:t>背徳感</a:t>
             </a:r>
             <a:r>
-              <a:rPr kumimoji="1" lang="en-US" altLang="ja-JP" dirty="0">
+              <a:rPr kumimoji="1" lang="en-US" altLang="ja-JP" sz="2200" dirty="0">
                 <a:latin typeface="HGPｺﾞｼｯｸE" panose="020B0900000000000000" pitchFamily="50" charset="-128"/>
                 <a:ea typeface="HGPｺﾞｼｯｸE" panose="020B0900000000000000" pitchFamily="50" charset="-128"/>
               </a:rPr>
               <a:t>”</a:t>
             </a:r>
             <a:r>
-              <a:rPr kumimoji="1" lang="ja-JP" altLang="en-US" dirty="0">
+              <a:rPr kumimoji="1" lang="ja-JP" altLang="en-US" sz="2200" dirty="0">
                 <a:latin typeface="HGPｺﾞｼｯｸE" panose="020B0900000000000000" pitchFamily="50" charset="-128"/>
                 <a:ea typeface="HGPｺﾞｼｯｸE" panose="020B0900000000000000" pitchFamily="50" charset="-128"/>
               </a:rPr>
               <a:t>を感じてもらう</a:t>
             </a:r>
             <a:r>
-              <a:rPr kumimoji="1" lang="en-US" altLang="ja-JP" dirty="0">
+              <a:rPr kumimoji="1" lang="en-US" altLang="ja-JP" sz="2200" dirty="0">
                 <a:latin typeface="HGPｺﾞｼｯｸE" panose="020B0900000000000000" pitchFamily="50" charset="-128"/>
                 <a:ea typeface="HGPｺﾞｼｯｸE" panose="020B0900000000000000" pitchFamily="50" charset="-128"/>
               </a:rPr>
@@ -3740,14 +4209,14 @@
           </a:p>
           <a:p>
             <a:r>
-              <a:rPr kumimoji="1" lang="ja-JP" altLang="en-US" dirty="0">
+              <a:rPr kumimoji="1" lang="ja-JP" altLang="en-US" sz="2200" dirty="0">
                 <a:latin typeface="HGPｺﾞｼｯｸE" panose="020B0900000000000000" pitchFamily="50" charset="-128"/>
                 <a:ea typeface="HGPｺﾞｼｯｸE" panose="020B0900000000000000" pitchFamily="50" charset="-128"/>
               </a:rPr>
               <a:t>・警察の猛攻を掻い潜り、暴れまわれ</a:t>
             </a:r>
             <a:r>
-              <a:rPr kumimoji="1" lang="en-US" altLang="ja-JP" dirty="0">
+              <a:rPr kumimoji="1" lang="en-US" altLang="ja-JP" sz="2200" dirty="0">
                 <a:latin typeface="HGPｺﾞｼｯｸE" panose="020B0900000000000000" pitchFamily="50" charset="-128"/>
                 <a:ea typeface="HGPｺﾞｼｯｸE" panose="020B0900000000000000" pitchFamily="50" charset="-128"/>
               </a:rPr>
@@ -3758,226 +4227,10 @@
       </p:sp>
       <p:sp>
         <p:nvSpPr>
-          <p:cNvPr id="8" name="テキスト ボックス 7">
+          <p:cNvPr id="24" name="矢印: 下 23">
             <a:extLst>
               <a:ext uri="{FF2B5EF4-FFF2-40B4-BE49-F238E27FC236}">
-                <a16:creationId xmlns:a16="http://schemas.microsoft.com/office/drawing/2014/main" id="{D752C7F8-47FE-49C5-95F0-E6F8F8198A92}"/>
-              </a:ext>
-            </a:extLst>
-          </p:cNvPr>
-          <p:cNvSpPr txBox="1"/>
-          <p:nvPr/>
-        </p:nvSpPr>
-        <p:spPr>
-          <a:xfrm>
-            <a:off x="4018962" y="1547012"/>
-            <a:ext cx="2803726" cy="461665"/>
-          </a:xfrm>
-          <a:prstGeom prst="rect">
-            <a:avLst/>
-          </a:prstGeom>
-          <a:solidFill>
-            <a:schemeClr val="accent2"/>
-          </a:solidFill>
-          <a:ln w="12700">
-            <a:solidFill>
-              <a:schemeClr val="tx1"/>
-            </a:solidFill>
-          </a:ln>
-        </p:spPr>
-        <p:txBody>
-          <a:bodyPr wrap="square" rtlCol="0">
-            <a:spAutoFit/>
-          </a:bodyPr>
-          <a:lstStyle/>
-          <a:p>
-            <a:pPr algn="ctr"/>
-            <a:r>
-              <a:rPr kumimoji="1" lang="ja-JP" altLang="en-US" sz="2400" dirty="0">
-                <a:latin typeface="HGPｺﾞｼｯｸE" panose="020B0900000000000000" pitchFamily="50" charset="-128"/>
-                <a:ea typeface="HGPｺﾞｼｯｸE" panose="020B0900000000000000" pitchFamily="50" charset="-128"/>
-              </a:rPr>
-              <a:t>このゲームならでは</a:t>
-            </a:r>
-          </a:p>
-        </p:txBody>
-      </p:sp>
-      <p:sp>
-        <p:nvSpPr>
-          <p:cNvPr id="10" name="テキスト ボックス 9">
-            <a:extLst>
-              <a:ext uri="{FF2B5EF4-FFF2-40B4-BE49-F238E27FC236}">
-                <a16:creationId xmlns:a16="http://schemas.microsoft.com/office/drawing/2014/main" id="{84692D28-D83E-4985-A0A3-D631C3995221}"/>
-              </a:ext>
-            </a:extLst>
-          </p:cNvPr>
-          <p:cNvSpPr txBox="1"/>
-          <p:nvPr/>
-        </p:nvSpPr>
-        <p:spPr>
-          <a:xfrm>
-            <a:off x="3962731" y="1926902"/>
-            <a:ext cx="2916183" cy="1477328"/>
-          </a:xfrm>
-          <a:prstGeom prst="rect">
-            <a:avLst/>
-          </a:prstGeom>
-          <a:noFill/>
-          <a:ln w="12700">
-            <a:noFill/>
-          </a:ln>
-        </p:spPr>
-        <p:txBody>
-          <a:bodyPr wrap="none" rtlCol="0">
-            <a:spAutoFit/>
-          </a:bodyPr>
-          <a:lstStyle/>
-          <a:p>
-            <a:r>
-              <a:rPr kumimoji="1" lang="ja-JP" altLang="en-US" dirty="0">
-                <a:latin typeface="HGPｺﾞｼｯｸE" panose="020B0900000000000000" pitchFamily="50" charset="-128"/>
-                <a:ea typeface="HGPｺﾞｼｯｸE" panose="020B0900000000000000" pitchFamily="50" charset="-128"/>
-              </a:rPr>
-              <a:t>悪いことをすると</a:t>
-            </a:r>
-            <a:r>
-              <a:rPr kumimoji="1" lang="ja-JP" altLang="en-US" dirty="0">
-                <a:solidFill>
-                  <a:schemeClr val="accent1"/>
-                </a:solidFill>
-                <a:latin typeface="HGPｺﾞｼｯｸE" panose="020B0900000000000000" pitchFamily="50" charset="-128"/>
-                <a:ea typeface="HGPｺﾞｼｯｸE" panose="020B0900000000000000" pitchFamily="50" charset="-128"/>
-              </a:rPr>
-              <a:t>失点</a:t>
-            </a:r>
-            <a:r>
-              <a:rPr kumimoji="1" lang="ja-JP" altLang="en-US" dirty="0">
-                <a:latin typeface="HGPｺﾞｼｯｸE" panose="020B0900000000000000" pitchFamily="50" charset="-128"/>
-                <a:ea typeface="HGPｺﾞｼｯｸE" panose="020B0900000000000000" pitchFamily="50" charset="-128"/>
-              </a:rPr>
-              <a:t>する</a:t>
-            </a:r>
-            <a:r>
-              <a:rPr kumimoji="1" lang="en-US" altLang="ja-JP" dirty="0">
-                <a:latin typeface="HGPｺﾞｼｯｸE" panose="020B0900000000000000" pitchFamily="50" charset="-128"/>
-                <a:ea typeface="HGPｺﾞｼｯｸE" panose="020B0900000000000000" pitchFamily="50" charset="-128"/>
-              </a:rPr>
-              <a:t>…</a:t>
-            </a:r>
-          </a:p>
-          <a:p>
-            <a:r>
-              <a:rPr kumimoji="1" lang="ja-JP" altLang="en-US" dirty="0">
-                <a:latin typeface="HGPｺﾞｼｯｸE" panose="020B0900000000000000" pitchFamily="50" charset="-128"/>
-                <a:ea typeface="HGPｺﾞｼｯｸE" panose="020B0900000000000000" pitchFamily="50" charset="-128"/>
-              </a:rPr>
-              <a:t>重い罪ほど</a:t>
-            </a:r>
-            <a:r>
-              <a:rPr kumimoji="1" lang="ja-JP" altLang="en-US" dirty="0">
-                <a:solidFill>
-                  <a:schemeClr val="accent1"/>
-                </a:solidFill>
-                <a:latin typeface="HGPｺﾞｼｯｸE" panose="020B0900000000000000" pitchFamily="50" charset="-128"/>
-                <a:ea typeface="HGPｺﾞｼｯｸE" panose="020B0900000000000000" pitchFamily="50" charset="-128"/>
-              </a:rPr>
-              <a:t>失点</a:t>
-            </a:r>
-            <a:r>
-              <a:rPr kumimoji="1" lang="ja-JP" altLang="en-US" dirty="0">
-                <a:latin typeface="HGPｺﾞｼｯｸE" panose="020B0900000000000000" pitchFamily="50" charset="-128"/>
-                <a:ea typeface="HGPｺﾞｼｯｸE" panose="020B0900000000000000" pitchFamily="50" charset="-128"/>
-              </a:rPr>
-              <a:t>が大きい</a:t>
-            </a:r>
-            <a:r>
-              <a:rPr kumimoji="1" lang="en-US" altLang="ja-JP" dirty="0">
-                <a:latin typeface="HGPｺﾞｼｯｸE" panose="020B0900000000000000" pitchFamily="50" charset="-128"/>
-                <a:ea typeface="HGPｺﾞｼｯｸE" panose="020B0900000000000000" pitchFamily="50" charset="-128"/>
-              </a:rPr>
-              <a:t>!!</a:t>
-            </a:r>
-          </a:p>
-          <a:p>
-            <a:r>
-              <a:rPr kumimoji="1" lang="ja-JP" altLang="en-US" dirty="0">
-                <a:latin typeface="HGPｺﾞｼｯｸE" panose="020B0900000000000000" pitchFamily="50" charset="-128"/>
-                <a:ea typeface="HGPｺﾞｼｯｸE" panose="020B0900000000000000" pitchFamily="50" charset="-128"/>
-              </a:rPr>
-              <a:t>しかしこのゲームでは</a:t>
-            </a:r>
-            <a:endParaRPr kumimoji="1" lang="en-US" altLang="ja-JP" dirty="0">
-              <a:latin typeface="HGPｺﾞｼｯｸE" panose="020B0900000000000000" pitchFamily="50" charset="-128"/>
-              <a:ea typeface="HGPｺﾞｼｯｸE" panose="020B0900000000000000" pitchFamily="50" charset="-128"/>
-            </a:endParaRPr>
-          </a:p>
-          <a:p>
-            <a:r>
-              <a:rPr kumimoji="1" lang="ja-JP" altLang="en-US" dirty="0">
-                <a:latin typeface="HGPｺﾞｼｯｸE" panose="020B0900000000000000" pitchFamily="50" charset="-128"/>
-                <a:ea typeface="HGPｺﾞｼｯｸE" panose="020B0900000000000000" pitchFamily="50" charset="-128"/>
-              </a:rPr>
-              <a:t>大きな</a:t>
-            </a:r>
-            <a:r>
-              <a:rPr kumimoji="1" lang="ja-JP" altLang="en-US" dirty="0">
-                <a:solidFill>
-                  <a:schemeClr val="accent1"/>
-                </a:solidFill>
-                <a:latin typeface="HGPｺﾞｼｯｸE" panose="020B0900000000000000" pitchFamily="50" charset="-128"/>
-                <a:ea typeface="HGPｺﾞｼｯｸE" panose="020B0900000000000000" pitchFamily="50" charset="-128"/>
-              </a:rPr>
-              <a:t>失点</a:t>
-            </a:r>
-            <a:r>
-              <a:rPr kumimoji="1" lang="ja-JP" altLang="en-US" dirty="0">
-                <a:latin typeface="HGPｺﾞｼｯｸE" panose="020B0900000000000000" pitchFamily="50" charset="-128"/>
-                <a:ea typeface="HGPｺﾞｼｯｸE" panose="020B0900000000000000" pitchFamily="50" charset="-128"/>
-              </a:rPr>
-              <a:t>こそが</a:t>
-            </a:r>
-            <a:r>
-              <a:rPr kumimoji="1" lang="ja-JP" altLang="en-US" dirty="0">
-                <a:solidFill>
-                  <a:srgbClr val="FF0000"/>
-                </a:solidFill>
-                <a:latin typeface="HGPｺﾞｼｯｸE" panose="020B0900000000000000" pitchFamily="50" charset="-128"/>
-                <a:ea typeface="HGPｺﾞｼｯｸE" panose="020B0900000000000000" pitchFamily="50" charset="-128"/>
-              </a:rPr>
-              <a:t>高得点</a:t>
-            </a:r>
-            <a:r>
-              <a:rPr kumimoji="1" lang="en-US" altLang="ja-JP" dirty="0">
-                <a:latin typeface="HGPｺﾞｼｯｸE" panose="020B0900000000000000" pitchFamily="50" charset="-128"/>
-                <a:ea typeface="HGPｺﾞｼｯｸE" panose="020B0900000000000000" pitchFamily="50" charset="-128"/>
-              </a:rPr>
-              <a:t>!!</a:t>
-            </a:r>
-          </a:p>
-          <a:p>
-            <a:r>
-              <a:rPr kumimoji="1" lang="ja-JP" altLang="en-US" dirty="0">
-                <a:latin typeface="HGPｺﾞｼｯｸE" panose="020B0900000000000000" pitchFamily="50" charset="-128"/>
-                <a:ea typeface="HGPｺﾞｼｯｸE" panose="020B0900000000000000" pitchFamily="50" charset="-128"/>
-              </a:rPr>
-              <a:t>今までにないカートゲーム</a:t>
-            </a:r>
-            <a:r>
-              <a:rPr kumimoji="1" lang="en-US" altLang="ja-JP" dirty="0">
-                <a:latin typeface="HGPｺﾞｼｯｸE" panose="020B0900000000000000" pitchFamily="50" charset="-128"/>
-                <a:ea typeface="HGPｺﾞｼｯｸE" panose="020B0900000000000000" pitchFamily="50" charset="-128"/>
-              </a:rPr>
-              <a:t>!!</a:t>
-            </a:r>
-          </a:p>
-        </p:txBody>
-      </p:sp>
-      <p:sp>
-        <p:nvSpPr>
-          <p:cNvPr id="37" name="正方形/長方形 36">
-            <a:extLst>
-              <a:ext uri="{FF2B5EF4-FFF2-40B4-BE49-F238E27FC236}">
-                <a16:creationId xmlns:a16="http://schemas.microsoft.com/office/drawing/2014/main" id="{2A97710B-1979-45C2-8EE3-33065EBEA4E4}"/>
+                <a16:creationId xmlns:a16="http://schemas.microsoft.com/office/drawing/2014/main" id="{FBDF36E5-71ED-4D34-A49F-C496C8688A81}"/>
               </a:ext>
             </a:extLst>
           </p:cNvPr>
@@ -3986,10 +4239,80 @@
         </p:nvSpPr>
         <p:spPr>
           <a:xfrm>
-            <a:off x="209238" y="5225663"/>
-            <a:ext cx="2617558" cy="966089"/>
+            <a:off x="4654524" y="3704643"/>
+            <a:ext cx="923308" cy="254425"/>
           </a:xfrm>
-          <a:prstGeom prst="rect">
+          <a:prstGeom prst="downArrow">
+            <a:avLst/>
+          </a:prstGeom>
+          <a:gradFill flip="none" rotWithShape="1">
+            <a:gsLst>
+              <a:gs pos="0">
+                <a:srgbClr val="FF0000">
+                  <a:tint val="66000"/>
+                  <a:satMod val="160000"/>
+                </a:srgbClr>
+              </a:gs>
+              <a:gs pos="50000">
+                <a:srgbClr val="FF0000">
+                  <a:tint val="44500"/>
+                  <a:satMod val="160000"/>
+                </a:srgbClr>
+              </a:gs>
+              <a:gs pos="100000">
+                <a:srgbClr val="FF0000">
+                  <a:tint val="23500"/>
+                  <a:satMod val="160000"/>
+                </a:srgbClr>
+              </a:gs>
+            </a:gsLst>
+            <a:lin ang="5400000" scaled="1"/>
+            <a:tileRect/>
+          </a:gradFill>
+        </p:spPr>
+        <p:style>
+          <a:lnRef idx="2">
+            <a:schemeClr val="accent1">
+              <a:shade val="50000"/>
+            </a:schemeClr>
+          </a:lnRef>
+          <a:fillRef idx="1">
+            <a:schemeClr val="accent1"/>
+          </a:fillRef>
+          <a:effectRef idx="0">
+            <a:schemeClr val="accent1"/>
+          </a:effectRef>
+          <a:fontRef idx="minor">
+            <a:schemeClr val="lt1"/>
+          </a:fontRef>
+        </p:style>
+        <p:txBody>
+          <a:bodyPr rtlCol="0" anchor="ctr"/>
+          <a:lstStyle/>
+          <a:p>
+            <a:pPr algn="ctr"/>
+            <a:endParaRPr kumimoji="1" lang="ja-JP" altLang="en-US"/>
+          </a:p>
+        </p:txBody>
+      </p:sp>
+      <p:sp>
+        <p:nvSpPr>
+          <p:cNvPr id="31" name="楕円 30">
+            <a:extLst>
+              <a:ext uri="{FF2B5EF4-FFF2-40B4-BE49-F238E27FC236}">
+                <a16:creationId xmlns:a16="http://schemas.microsoft.com/office/drawing/2014/main" id="{7391596F-3C7A-43FE-93DD-AC00550F619A}"/>
+              </a:ext>
+            </a:extLst>
+          </p:cNvPr>
+          <p:cNvSpPr/>
+          <p:nvPr/>
+        </p:nvSpPr>
+        <p:spPr>
+          <a:xfrm>
+            <a:off x="385508" y="5429397"/>
+            <a:ext cx="1319135" cy="367786"/>
+          </a:xfrm>
+          <a:prstGeom prst="ellipse">
             <a:avLst/>
           </a:prstGeom>
           <a:solidFill>
@@ -4025,16 +4348,25 @@
           <a:lstStyle/>
           <a:p>
             <a:pPr algn="ctr"/>
-            <a:endParaRPr kumimoji="1" lang="ja-JP" altLang="en-US" dirty="0"/>
-          </a:p>
-        </p:txBody>
-      </p:sp>
-      <p:sp>
-        <p:nvSpPr>
-          <p:cNvPr id="38" name="テキスト ボックス 37">
+            <a:r>
+              <a:rPr kumimoji="1" lang="ja-JP" altLang="en-US" sz="2000" dirty="0">
+                <a:solidFill>
+                  <a:schemeClr val="tx1"/>
+                </a:solidFill>
+                <a:latin typeface="HGPｺﾞｼｯｸE" panose="020B0900000000000000" pitchFamily="50" charset="-128"/>
+                <a:ea typeface="HGPｺﾞｼｯｸE" panose="020B0900000000000000" pitchFamily="50" charset="-128"/>
+              </a:rPr>
+              <a:t>人</a:t>
+            </a:r>
+          </a:p>
+        </p:txBody>
+      </p:sp>
+      <p:sp>
+        <p:nvSpPr>
+          <p:cNvPr id="35" name="テキスト ボックス 34">
             <a:extLst>
               <a:ext uri="{FF2B5EF4-FFF2-40B4-BE49-F238E27FC236}">
-                <a16:creationId xmlns:a16="http://schemas.microsoft.com/office/drawing/2014/main" id="{C1C9EB59-1F21-48BA-B349-4CA98FA9F139}"/>
+                <a16:creationId xmlns:a16="http://schemas.microsoft.com/office/drawing/2014/main" id="{5198C03B-9D5E-4146-BB48-9826062085CA}"/>
               </a:ext>
             </a:extLst>
           </p:cNvPr>
@@ -4043,8 +4375,8 @@
         </p:nvSpPr>
         <p:spPr>
           <a:xfrm>
-            <a:off x="177746" y="5176089"/>
-            <a:ext cx="2680542" cy="1015663"/>
+            <a:off x="34891" y="5794500"/>
+            <a:ext cx="2000869" cy="646331"/>
           </a:xfrm>
           <a:prstGeom prst="rect">
             <a:avLst/>
@@ -4058,89 +4390,40 @@
           <a:lstStyle/>
           <a:p>
             <a:r>
-              <a:rPr kumimoji="1" lang="ja-JP" altLang="en-US" sz="1200" dirty="0">
-                <a:latin typeface="HGPｺﾞｼｯｸE" panose="020B0900000000000000" pitchFamily="50" charset="-128"/>
-                <a:ea typeface="HGPｺﾞｼｯｸE" panose="020B0900000000000000" pitchFamily="50" charset="-128"/>
-              </a:rPr>
-              <a:t>このゲームの敵は全員犯罪者</a:t>
-            </a:r>
-            <a:r>
-              <a:rPr kumimoji="1" lang="en-US" altLang="ja-JP" sz="1200" dirty="0">
-                <a:latin typeface="HGPｺﾞｼｯｸE" panose="020B0900000000000000" pitchFamily="50" charset="-128"/>
-                <a:ea typeface="HGPｺﾞｼｯｸE" panose="020B0900000000000000" pitchFamily="50" charset="-128"/>
-              </a:rPr>
-              <a:t>!!</a:t>
-            </a:r>
-          </a:p>
-          <a:p>
-            <a:r>
-              <a:rPr kumimoji="1" lang="ja-JP" altLang="en-US" sz="1200" dirty="0">
-                <a:latin typeface="HGPｺﾞｼｯｸE" panose="020B0900000000000000" pitchFamily="50" charset="-128"/>
-                <a:ea typeface="HGPｺﾞｼｯｸE" panose="020B0900000000000000" pitchFamily="50" charset="-128"/>
-              </a:rPr>
-              <a:t>一見悪いことをしているように思えるが</a:t>
-            </a:r>
-            <a:endParaRPr kumimoji="1" lang="en-US" altLang="ja-JP" sz="1200" dirty="0">
-              <a:latin typeface="HGPｺﾞｼｯｸE" panose="020B0900000000000000" pitchFamily="50" charset="-128"/>
-              <a:ea typeface="HGPｺﾞｼｯｸE" panose="020B0900000000000000" pitchFamily="50" charset="-128"/>
-            </a:endParaRPr>
-          </a:p>
-          <a:p>
-            <a:r>
-              <a:rPr kumimoji="1" lang="ja-JP" altLang="en-US" sz="1200" dirty="0">
-                <a:latin typeface="HGPｺﾞｼｯｸE" panose="020B0900000000000000" pitchFamily="50" charset="-128"/>
-                <a:ea typeface="HGPｺﾞｼｯｸE" panose="020B0900000000000000" pitchFamily="50" charset="-128"/>
-              </a:rPr>
-              <a:t>全て世のため人のため</a:t>
-            </a:r>
-            <a:r>
-              <a:rPr kumimoji="1" lang="en-US" altLang="ja-JP" sz="1200" dirty="0">
-                <a:latin typeface="HGPｺﾞｼｯｸE" panose="020B0900000000000000" pitchFamily="50" charset="-128"/>
-                <a:ea typeface="HGPｺﾞｼｯｸE" panose="020B0900000000000000" pitchFamily="50" charset="-128"/>
-              </a:rPr>
-              <a:t>!!</a:t>
-            </a:r>
-          </a:p>
-          <a:p>
-            <a:r>
-              <a:rPr kumimoji="1" lang="ja-JP" altLang="en-US" sz="1200" dirty="0">
-                <a:latin typeface="HGPｺﾞｼｯｸE" panose="020B0900000000000000" pitchFamily="50" charset="-128"/>
-                <a:ea typeface="HGPｺﾞｼｯｸE" panose="020B0900000000000000" pitchFamily="50" charset="-128"/>
-              </a:rPr>
-              <a:t>しかし、それに気づく者は誰もいない</a:t>
-            </a:r>
-            <a:r>
-              <a:rPr kumimoji="1" lang="en-US" altLang="ja-JP" sz="1200" dirty="0">
-                <a:latin typeface="HGPｺﾞｼｯｸE" panose="020B0900000000000000" pitchFamily="50" charset="-128"/>
-                <a:ea typeface="HGPｺﾞｼｯｸE" panose="020B0900000000000000" pitchFamily="50" charset="-128"/>
+              <a:rPr kumimoji="1" lang="ja-JP" altLang="en-US" dirty="0">
+                <a:latin typeface="HGP創英角ﾎﾟｯﾌﾟ体" panose="040B0A00000000000000" pitchFamily="50" charset="-128"/>
+                <a:ea typeface="HGP創英角ﾎﾟｯﾌﾟ体" panose="040B0A00000000000000" pitchFamily="50" charset="-128"/>
+              </a:rPr>
+              <a:t>例えば</a:t>
+            </a:r>
+            <a:r>
+              <a:rPr kumimoji="1" lang="en-US" altLang="ja-JP" dirty="0">
+                <a:latin typeface="HGP創英角ﾎﾟｯﾌﾟ体" panose="040B0A00000000000000" pitchFamily="50" charset="-128"/>
+                <a:ea typeface="HGP創英角ﾎﾟｯﾌﾟ体" panose="040B0A00000000000000" pitchFamily="50" charset="-128"/>
               </a:rPr>
               <a:t>…</a:t>
             </a:r>
           </a:p>
           <a:p>
             <a:r>
-              <a:rPr kumimoji="1" lang="ja-JP" altLang="en-US" sz="1200" dirty="0">
-                <a:latin typeface="HGPｺﾞｼｯｸE" panose="020B0900000000000000" pitchFamily="50" charset="-128"/>
-                <a:ea typeface="HGPｺﾞｼｯｸE" panose="020B0900000000000000" pitchFamily="50" charset="-128"/>
-              </a:rPr>
-              <a:t>気分はまさにダークヒーロー</a:t>
-            </a:r>
-            <a:r>
-              <a:rPr kumimoji="1" lang="en-US" altLang="ja-JP" sz="1200" dirty="0">
-                <a:latin typeface="HGPｺﾞｼｯｸE" panose="020B0900000000000000" pitchFamily="50" charset="-128"/>
-                <a:ea typeface="HGPｺﾞｼｯｸE" panose="020B0900000000000000" pitchFamily="50" charset="-128"/>
-              </a:rPr>
-              <a:t>!!</a:t>
-            </a:r>
-          </a:p>
-        </p:txBody>
-      </p:sp>
-      <p:sp>
-        <p:nvSpPr>
-          <p:cNvPr id="32" name="正方形/長方形 31">
+              <a:rPr kumimoji="1" lang="ja-JP" altLang="en-US" dirty="0">
+                <a:solidFill>
+                  <a:srgbClr val="FF0000"/>
+                </a:solidFill>
+                <a:latin typeface="HGP創英角ﾎﾟｯﾌﾟ体" panose="040B0A00000000000000" pitchFamily="50" charset="-128"/>
+                <a:ea typeface="HGP創英角ﾎﾟｯﾌﾟ体" panose="040B0A00000000000000" pitchFamily="50" charset="-128"/>
+              </a:rPr>
+              <a:t>　　　　　歩きタバコ</a:t>
+            </a:r>
+          </a:p>
+        </p:txBody>
+      </p:sp>
+      <p:sp>
+        <p:nvSpPr>
+          <p:cNvPr id="63" name="四角形: 角を丸くする 62">
             <a:extLst>
               <a:ext uri="{FF2B5EF4-FFF2-40B4-BE49-F238E27FC236}">
-                <a16:creationId xmlns:a16="http://schemas.microsoft.com/office/drawing/2014/main" id="{0FC8A722-9AFE-43B4-83EE-FC14B5F6E8F1}"/>
+                <a16:creationId xmlns:a16="http://schemas.microsoft.com/office/drawing/2014/main" id="{D7F58695-B93D-4434-897C-A809FBAE91F2}"/>
               </a:ext>
             </a:extLst>
           </p:cNvPr>
@@ -4149,14 +4432,14 @@
         </p:nvSpPr>
         <p:spPr>
           <a:xfrm>
-            <a:off x="209238" y="4844707"/>
-            <a:ext cx="2617558" cy="379954"/>
+            <a:off x="2463765" y="5661172"/>
+            <a:ext cx="1939018" cy="1608595"/>
           </a:xfrm>
-          <a:prstGeom prst="rect">
+          <a:prstGeom prst="roundRect">
             <a:avLst/>
           </a:prstGeom>
           <a:solidFill>
-            <a:schemeClr val="accent2"/>
+            <a:schemeClr val="bg2"/>
           </a:solidFill>
           <a:ln>
             <a:solidFill>
@@ -4185,42 +4468,16 @@
           <a:lstStyle/>
           <a:p>
             <a:pPr algn="ctr"/>
-            <a:r>
-              <a:rPr kumimoji="1" lang="ja-JP" altLang="en-US" dirty="0">
-                <a:solidFill>
-                  <a:schemeClr val="tx1"/>
-                </a:solidFill>
-                <a:latin typeface="HGPｺﾞｼｯｸE" panose="020B0900000000000000" pitchFamily="50" charset="-128"/>
-                <a:ea typeface="HGPｺﾞｼｯｸE" panose="020B0900000000000000" pitchFamily="50" charset="-128"/>
-              </a:rPr>
-              <a:t>実は</a:t>
-            </a:r>
-            <a:r>
-              <a:rPr kumimoji="1" lang="en-US" altLang="ja-JP" dirty="0">
-                <a:solidFill>
-                  <a:schemeClr val="tx1"/>
-                </a:solidFill>
-                <a:latin typeface="HGPｺﾞｼｯｸE" panose="020B0900000000000000" pitchFamily="50" charset="-128"/>
-                <a:ea typeface="HGPｺﾞｼｯｸE" panose="020B0900000000000000" pitchFamily="50" charset="-128"/>
-              </a:rPr>
-              <a:t>…</a:t>
-            </a:r>
-            <a:endParaRPr kumimoji="1" lang="ja-JP" altLang="en-US" dirty="0">
-              <a:solidFill>
-                <a:schemeClr val="tx1"/>
-              </a:solidFill>
-              <a:latin typeface="HGPｺﾞｼｯｸE" panose="020B0900000000000000" pitchFamily="50" charset="-128"/>
-              <a:ea typeface="HGPｺﾞｼｯｸE" panose="020B0900000000000000" pitchFamily="50" charset="-128"/>
-            </a:endParaRPr>
-          </a:p>
-        </p:txBody>
-      </p:sp>
-      <p:sp>
-        <p:nvSpPr>
-          <p:cNvPr id="39" name="矢印: 下 38">
+            <a:endParaRPr lang="ja-JP" altLang="en-US" dirty="0"/>
+          </a:p>
+        </p:txBody>
+      </p:sp>
+      <p:sp>
+        <p:nvSpPr>
+          <p:cNvPr id="70" name="四角形: 角を丸くする 69">
             <a:extLst>
               <a:ext uri="{FF2B5EF4-FFF2-40B4-BE49-F238E27FC236}">
-                <a16:creationId xmlns:a16="http://schemas.microsoft.com/office/drawing/2014/main" id="{1CDAF6DA-4F33-4099-979B-6AD2EEA53786}"/>
+                <a16:creationId xmlns:a16="http://schemas.microsoft.com/office/drawing/2014/main" id="{E18E1B6B-D509-4024-954B-ECCFED8C0D04}"/>
               </a:ext>
             </a:extLst>
           </p:cNvPr>
@@ -4229,818 +4486,14 @@
         </p:nvSpPr>
         <p:spPr>
           <a:xfrm>
-            <a:off x="4734347" y="3447479"/>
-            <a:ext cx="1405467" cy="379954"/>
-          </a:xfrm>
-          <a:prstGeom prst="downArrow">
-            <a:avLst/>
-          </a:prstGeom>
-          <a:solidFill>
-            <a:schemeClr val="bg1"/>
-          </a:solidFill>
-          <a:ln w="38100">
-            <a:solidFill>
-              <a:schemeClr val="tx1"/>
-            </a:solidFill>
-          </a:ln>
-        </p:spPr>
-        <p:style>
-          <a:lnRef idx="2">
-            <a:schemeClr val="accent1">
-              <a:shade val="50000"/>
-            </a:schemeClr>
-          </a:lnRef>
-          <a:fillRef idx="1">
-            <a:schemeClr val="accent1"/>
-          </a:fillRef>
-          <a:effectRef idx="0">
-            <a:schemeClr val="accent1"/>
-          </a:effectRef>
-          <a:fontRef idx="minor">
-            <a:schemeClr val="lt1"/>
-          </a:fontRef>
-        </p:style>
-        <p:txBody>
-          <a:bodyPr rtlCol="0" anchor="ctr"/>
-          <a:lstStyle/>
-          <a:p>
-            <a:pPr algn="ctr"/>
-            <a:endParaRPr kumimoji="1" lang="ja-JP" altLang="en-US"/>
-          </a:p>
-        </p:txBody>
-      </p:sp>
-    </p:spTree>
-    <p:extLst>
-      <p:ext uri="{BB962C8B-B14F-4D97-AF65-F5344CB8AC3E}">
-        <p14:creationId xmlns:p14="http://schemas.microsoft.com/office/powerpoint/2010/main" val="192590622"/>
-      </p:ext>
-    </p:extLst>
-  </p:cSld>
-  <p:clrMapOvr>
-    <a:masterClrMapping/>
-  </p:clrMapOvr>
-</p:sld>
-</file>
-
-<file path=ppt/slides/slide2.xml><?xml version="1.0" encoding="utf-8"?>
-<p:sld xmlns:a="http://schemas.openxmlformats.org/drawingml/2006/main" xmlns:r="http://schemas.openxmlformats.org/officeDocument/2006/relationships" xmlns:p="http://schemas.openxmlformats.org/presentationml/2006/main">
-  <p:cSld>
-    <p:spTree>
-      <p:nvGrpSpPr>
-        <p:cNvPr id="1" name=""/>
-        <p:cNvGrpSpPr/>
-        <p:nvPr/>
-      </p:nvGrpSpPr>
-      <p:grpSpPr>
-        <a:xfrm>
-          <a:off x="0" y="0"/>
-          <a:ext cx="0" cy="0"/>
-          <a:chOff x="0" y="0"/>
-          <a:chExt cx="0" cy="0"/>
-        </a:xfrm>
-      </p:grpSpPr>
-      <p:pic>
-        <p:nvPicPr>
-          <p:cNvPr id="3" name="図 2">
-            <a:extLst>
-              <a:ext uri="{FF2B5EF4-FFF2-40B4-BE49-F238E27FC236}">
-                <a16:creationId xmlns:a16="http://schemas.microsoft.com/office/drawing/2014/main" id="{F4BB01B8-B2B8-4C8F-9A3D-F1CA852848D8}"/>
-              </a:ext>
-            </a:extLst>
-          </p:cNvPr>
-          <p:cNvPicPr>
-            <a:picLocks noChangeAspect="1"/>
-          </p:cNvPicPr>
-          <p:nvPr/>
-        </p:nvPicPr>
-        <p:blipFill>
-          <a:blip r:embed="rId2">
-            <a:extLst>
-              <a:ext uri="{28A0092B-C50C-407E-A947-70E740481C1C}">
-                <a14:useLocalDpi xmlns:a14="http://schemas.microsoft.com/office/drawing/2010/main" val="0"/>
-              </a:ext>
-            </a:extLst>
-          </a:blip>
-          <a:stretch>
-            <a:fillRect/>
-          </a:stretch>
-        </p:blipFill>
-        <p:spPr>
-          <a:xfrm>
-            <a:off x="1132210" y="1977860"/>
-            <a:ext cx="4749552" cy="2796171"/>
-          </a:xfrm>
-          <a:prstGeom prst="rect">
-            <a:avLst/>
-          </a:prstGeom>
-        </p:spPr>
-      </p:pic>
-      <p:sp>
-        <p:nvSpPr>
-          <p:cNvPr id="23" name="正方形/長方形 22">
-            <a:extLst>
-              <a:ext uri="{FF2B5EF4-FFF2-40B4-BE49-F238E27FC236}">
-                <a16:creationId xmlns:a16="http://schemas.microsoft.com/office/drawing/2014/main" id="{3A036FFA-8B06-40B3-8A89-34318D1629E5}"/>
-              </a:ext>
-            </a:extLst>
-          </p:cNvPr>
-          <p:cNvSpPr/>
-          <p:nvPr/>
-        </p:nvSpPr>
-        <p:spPr>
-          <a:xfrm>
-            <a:off x="43979" y="6629682"/>
-            <a:ext cx="3473618" cy="1810933"/>
-          </a:xfrm>
-          <a:prstGeom prst="rect">
-            <a:avLst/>
-          </a:prstGeom>
-          <a:solidFill>
-            <a:schemeClr val="accent4">
-              <a:lumMod val="40000"/>
-              <a:lumOff val="60000"/>
-            </a:schemeClr>
-          </a:solidFill>
-          <a:ln w="12700">
-            <a:solidFill>
-              <a:schemeClr val="tx1"/>
-            </a:solidFill>
-          </a:ln>
-        </p:spPr>
-        <p:style>
-          <a:lnRef idx="2">
-            <a:schemeClr val="accent1">
-              <a:shade val="50000"/>
-            </a:schemeClr>
-          </a:lnRef>
-          <a:fillRef idx="1">
-            <a:schemeClr val="accent1"/>
-          </a:fillRef>
-          <a:effectRef idx="0">
-            <a:schemeClr val="accent1"/>
-          </a:effectRef>
-          <a:fontRef idx="minor">
-            <a:schemeClr val="lt1"/>
-          </a:fontRef>
-        </p:style>
-        <p:txBody>
-          <a:bodyPr rtlCol="0" anchor="ctr"/>
-          <a:lstStyle/>
-          <a:p>
-            <a:pPr algn="ctr"/>
-            <a:endParaRPr kumimoji="1" lang="ja-JP" altLang="en-US"/>
-          </a:p>
-        </p:txBody>
-      </p:sp>
-      <p:sp>
-        <p:nvSpPr>
-          <p:cNvPr id="20" name="正方形/長方形 19">
-            <a:extLst>
-              <a:ext uri="{FF2B5EF4-FFF2-40B4-BE49-F238E27FC236}">
-                <a16:creationId xmlns:a16="http://schemas.microsoft.com/office/drawing/2014/main" id="{9285CB1D-A86C-450E-92FC-A256247753DA}"/>
-              </a:ext>
-            </a:extLst>
-          </p:cNvPr>
-          <p:cNvSpPr/>
-          <p:nvPr/>
-        </p:nvSpPr>
-        <p:spPr>
-          <a:xfrm>
-            <a:off x="47304" y="4815917"/>
-            <a:ext cx="6707510" cy="1721108"/>
-          </a:xfrm>
-          <a:prstGeom prst="rect">
-            <a:avLst/>
-          </a:prstGeom>
-          <a:solidFill>
-            <a:schemeClr val="bg2">
-              <a:lumMod val="90000"/>
-            </a:schemeClr>
-          </a:solidFill>
-          <a:ln w="12700">
-            <a:solidFill>
-              <a:schemeClr val="tx1"/>
-            </a:solidFill>
-          </a:ln>
-        </p:spPr>
-        <p:style>
-          <a:lnRef idx="2">
-            <a:schemeClr val="accent1">
-              <a:shade val="50000"/>
-            </a:schemeClr>
-          </a:lnRef>
-          <a:fillRef idx="1">
-            <a:schemeClr val="accent1"/>
-          </a:fillRef>
-          <a:effectRef idx="0">
-            <a:schemeClr val="accent1"/>
-          </a:effectRef>
-          <a:fontRef idx="minor">
-            <a:schemeClr val="lt1"/>
-          </a:fontRef>
-        </p:style>
-        <p:txBody>
-          <a:bodyPr rtlCol="0" anchor="ctr"/>
-          <a:lstStyle/>
-          <a:p>
-            <a:pPr algn="ctr"/>
-            <a:endParaRPr kumimoji="1" lang="ja-JP" altLang="en-US" dirty="0"/>
-          </a:p>
-        </p:txBody>
-      </p:sp>
-      <p:sp>
-        <p:nvSpPr>
-          <p:cNvPr id="18" name="四角形: 角を丸くする 17">
-            <a:extLst>
-              <a:ext uri="{FF2B5EF4-FFF2-40B4-BE49-F238E27FC236}">
-                <a16:creationId xmlns:a16="http://schemas.microsoft.com/office/drawing/2014/main" id="{72DC9C2F-5F6E-4C69-A2C6-15D4F6F68057}"/>
-              </a:ext>
-            </a:extLst>
-          </p:cNvPr>
-          <p:cNvSpPr/>
-          <p:nvPr/>
-        </p:nvSpPr>
-        <p:spPr>
-          <a:xfrm>
-            <a:off x="150490" y="1496797"/>
-            <a:ext cx="6520047" cy="3225048"/>
+            <a:off x="4843023" y="5661172"/>
+            <a:ext cx="1939018" cy="1608595"/>
           </a:xfrm>
           <a:prstGeom prst="roundRect">
             <a:avLst/>
           </a:prstGeom>
-          <a:noFill/>
-          <a:ln w="38100">
-            <a:solidFill>
-              <a:schemeClr val="tx1"/>
-            </a:solidFill>
-          </a:ln>
-        </p:spPr>
-        <p:style>
-          <a:lnRef idx="2">
-            <a:schemeClr val="accent1">
-              <a:shade val="50000"/>
-            </a:schemeClr>
-          </a:lnRef>
-          <a:fillRef idx="1">
-            <a:schemeClr val="accent1"/>
-          </a:fillRef>
-          <a:effectRef idx="0">
-            <a:schemeClr val="accent1"/>
-          </a:effectRef>
-          <a:fontRef idx="minor">
-            <a:schemeClr val="lt1"/>
-          </a:fontRef>
-        </p:style>
-        <p:txBody>
-          <a:bodyPr rtlCol="0" anchor="ctr"/>
-          <a:lstStyle/>
-          <a:p>
-            <a:pPr algn="ctr"/>
-            <a:endParaRPr kumimoji="1" lang="ja-JP" altLang="en-US"/>
-          </a:p>
-        </p:txBody>
-      </p:sp>
-      <p:sp>
-        <p:nvSpPr>
-          <p:cNvPr id="4" name="テキスト ボックス 3">
-            <a:extLst>
-              <a:ext uri="{FF2B5EF4-FFF2-40B4-BE49-F238E27FC236}">
-                <a16:creationId xmlns:a16="http://schemas.microsoft.com/office/drawing/2014/main" id="{080E7010-DAD7-4472-81B3-5DCA9915A3E1}"/>
-              </a:ext>
-            </a:extLst>
-          </p:cNvPr>
-          <p:cNvSpPr txBox="1"/>
-          <p:nvPr/>
-        </p:nvSpPr>
-        <p:spPr>
-          <a:xfrm>
-            <a:off x="746089" y="0"/>
-            <a:ext cx="5365828" cy="1354217"/>
-          </a:xfrm>
-          <a:prstGeom prst="rect">
-            <a:avLst/>
-          </a:prstGeom>
           <a:solidFill>
-            <a:schemeClr val="accent2"/>
-          </a:solidFill>
-          <a:ln w="44450">
-            <a:solidFill>
-              <a:schemeClr val="bg2">
-                <a:lumMod val="25000"/>
-              </a:schemeClr>
-            </a:solidFill>
-          </a:ln>
-        </p:spPr>
-        <p:txBody>
-          <a:bodyPr wrap="none" rtlCol="0">
-            <a:spAutoFit/>
-          </a:bodyPr>
-          <a:lstStyle/>
-          <a:p>
-            <a:pPr algn="ctr"/>
-            <a:r>
-              <a:rPr kumimoji="1" lang="ja-JP" altLang="en-US" sz="4100" u="sng" dirty="0">
-                <a:ln w="12700">
-                  <a:solidFill>
-                    <a:schemeClr val="bg1"/>
-                  </a:solidFill>
-                </a:ln>
-                <a:latin typeface="HGSｺﾞｼｯｸE" panose="020B0900000000000000" pitchFamily="50" charset="-128"/>
-                <a:ea typeface="HGSｺﾞｼｯｸE" panose="020B0900000000000000" pitchFamily="50" charset="-128"/>
-              </a:rPr>
-              <a:t>必要悪</a:t>
-            </a:r>
-            <a:endParaRPr kumimoji="1" lang="en-US" altLang="ja-JP" sz="4100" u="sng" dirty="0">
-              <a:ln w="12700">
-                <a:solidFill>
-                  <a:schemeClr val="bg1"/>
-                </a:solidFill>
-              </a:ln>
-              <a:latin typeface="HGSｺﾞｼｯｸE" panose="020B0900000000000000" pitchFamily="50" charset="-128"/>
-              <a:ea typeface="HGSｺﾞｼｯｸE" panose="020B0900000000000000" pitchFamily="50" charset="-128"/>
-            </a:endParaRPr>
-          </a:p>
-          <a:p>
-            <a:pPr algn="ctr"/>
-            <a:r>
-              <a:rPr kumimoji="1" lang="en-US" altLang="ja-JP" sz="4100" u="sng" dirty="0">
-                <a:ln w="12700">
-                  <a:solidFill>
-                    <a:schemeClr val="bg1"/>
-                  </a:solidFill>
-                </a:ln>
-                <a:latin typeface="Arial Black" panose="020B0A04020102020204" pitchFamily="34" charset="0"/>
-              </a:rPr>
-              <a:t>Anarchy Cars!!</a:t>
-            </a:r>
-            <a:r>
-              <a:rPr kumimoji="1" lang="en-US" altLang="ja-JP" sz="4100" u="sng" dirty="0">
-                <a:latin typeface="HGP創英ﾌﾟﾚｾﾞﾝｽEB" panose="02020800000000000000" pitchFamily="18" charset="-128"/>
-                <a:ea typeface="HGP創英ﾌﾟﾚｾﾞﾝｽEB" panose="02020800000000000000" pitchFamily="18" charset="-128"/>
-              </a:rPr>
-              <a:t>(</a:t>
-            </a:r>
-            <a:r>
-              <a:rPr kumimoji="1" lang="ja-JP" altLang="en-US" sz="4100" u="sng" dirty="0">
-                <a:latin typeface="HGP創英ﾌﾟﾚｾﾞﾝｽEB" panose="02020800000000000000" pitchFamily="18" charset="-128"/>
-                <a:ea typeface="HGP創英ﾌﾟﾚｾﾞﾝｽEB" panose="02020800000000000000" pitchFamily="18" charset="-128"/>
-              </a:rPr>
-              <a:t>仮</a:t>
-            </a:r>
-            <a:r>
-              <a:rPr kumimoji="1" lang="en-US" altLang="ja-JP" sz="4100" u="sng" dirty="0">
-                <a:latin typeface="HGP創英ﾌﾟﾚｾﾞﾝｽEB" panose="02020800000000000000" pitchFamily="18" charset="-128"/>
-                <a:ea typeface="HGP創英ﾌﾟﾚｾﾞﾝｽEB" panose="02020800000000000000" pitchFamily="18" charset="-128"/>
-              </a:rPr>
-              <a:t>)</a:t>
-            </a:r>
-          </a:p>
-        </p:txBody>
-      </p:sp>
-      <p:sp>
-        <p:nvSpPr>
-          <p:cNvPr id="5" name="テキスト ボックス 4">
-            <a:extLst>
-              <a:ext uri="{FF2B5EF4-FFF2-40B4-BE49-F238E27FC236}">
-                <a16:creationId xmlns:a16="http://schemas.microsoft.com/office/drawing/2014/main" id="{037D42CE-6DDC-46D8-A2BD-B5934E064002}"/>
-              </a:ext>
-            </a:extLst>
-          </p:cNvPr>
-          <p:cNvSpPr txBox="1"/>
-          <p:nvPr/>
-        </p:nvSpPr>
-        <p:spPr>
-          <a:xfrm>
-            <a:off x="3500665" y="1397647"/>
-            <a:ext cx="2756261" cy="523220"/>
-          </a:xfrm>
-          <a:prstGeom prst="rect">
-            <a:avLst/>
-          </a:prstGeom>
-          <a:solidFill>
-            <a:schemeClr val="bg2">
-              <a:lumMod val="90000"/>
-            </a:schemeClr>
-          </a:solidFill>
-          <a:ln w="25400">
-            <a:solidFill>
-              <a:schemeClr val="accent4"/>
-            </a:solidFill>
-          </a:ln>
-        </p:spPr>
-        <p:txBody>
-          <a:bodyPr wrap="square" rtlCol="0">
-            <a:spAutoFit/>
-          </a:bodyPr>
-          <a:lstStyle/>
-          <a:p>
-            <a:r>
-              <a:rPr kumimoji="1" lang="ja-JP" altLang="en-US" sz="2800" dirty="0">
-                <a:latin typeface="HGP創英角ﾎﾟｯﾌﾟ体" panose="040B0A00000000000000" pitchFamily="50" charset="-128"/>
-                <a:ea typeface="HGP創英角ﾎﾟｯﾌﾟ体" panose="040B0A00000000000000" pitchFamily="50" charset="-128"/>
-              </a:rPr>
-              <a:t>ゲームのイメージ</a:t>
-            </a:r>
-          </a:p>
-        </p:txBody>
-      </p:sp>
-      <p:sp>
-        <p:nvSpPr>
-          <p:cNvPr id="6" name="テキスト ボックス 5">
-            <a:extLst>
-              <a:ext uri="{FF2B5EF4-FFF2-40B4-BE49-F238E27FC236}">
-                <a16:creationId xmlns:a16="http://schemas.microsoft.com/office/drawing/2014/main" id="{D85EB44D-D17D-46DA-B772-401EE313ED12}"/>
-              </a:ext>
-            </a:extLst>
-          </p:cNvPr>
-          <p:cNvSpPr txBox="1"/>
-          <p:nvPr/>
-        </p:nvSpPr>
-        <p:spPr>
-          <a:xfrm>
-            <a:off x="47304" y="4815915"/>
-            <a:ext cx="6707510" cy="461665"/>
-          </a:xfrm>
-          <a:prstGeom prst="rect">
-            <a:avLst/>
-          </a:prstGeom>
-          <a:solidFill>
-            <a:schemeClr val="accent2"/>
-          </a:solidFill>
-          <a:ln w="12700">
-            <a:solidFill>
-              <a:schemeClr val="tx1"/>
-            </a:solidFill>
-          </a:ln>
-        </p:spPr>
-        <p:txBody>
-          <a:bodyPr wrap="square" rtlCol="0">
-            <a:spAutoFit/>
-          </a:bodyPr>
-          <a:lstStyle/>
-          <a:p>
-            <a:pPr algn="ctr"/>
-            <a:r>
-              <a:rPr kumimoji="1" lang="ja-JP" altLang="en-US" sz="2400" dirty="0">
-                <a:latin typeface="HGP創英角ﾎﾟｯﾌﾟ体" panose="040B0A00000000000000" pitchFamily="50" charset="-128"/>
-                <a:ea typeface="HGP創英角ﾎﾟｯﾌﾟ体" panose="040B0A00000000000000" pitchFamily="50" charset="-128"/>
-              </a:rPr>
-              <a:t>ゲームの概要</a:t>
-            </a:r>
-          </a:p>
-        </p:txBody>
-      </p:sp>
-      <p:sp>
-        <p:nvSpPr>
-          <p:cNvPr id="7" name="テキスト ボックス 6">
-            <a:extLst>
-              <a:ext uri="{FF2B5EF4-FFF2-40B4-BE49-F238E27FC236}">
-                <a16:creationId xmlns:a16="http://schemas.microsoft.com/office/drawing/2014/main" id="{E3F1BEFB-3FDE-48D2-AFB7-7959856CEBBC}"/>
-              </a:ext>
-            </a:extLst>
-          </p:cNvPr>
-          <p:cNvSpPr txBox="1"/>
-          <p:nvPr/>
-        </p:nvSpPr>
-        <p:spPr>
-          <a:xfrm>
-            <a:off x="3906" y="5198675"/>
-            <a:ext cx="6763390" cy="1384995"/>
-          </a:xfrm>
-          <a:prstGeom prst="rect">
-            <a:avLst/>
-          </a:prstGeom>
-          <a:noFill/>
-        </p:spPr>
-        <p:txBody>
-          <a:bodyPr wrap="none" rtlCol="0">
-            <a:spAutoFit/>
-          </a:bodyPr>
-          <a:lstStyle/>
-          <a:p>
-            <a:r>
-              <a:rPr kumimoji="1" lang="ja-JP" altLang="en-US" sz="2800" dirty="0">
-                <a:latin typeface="HGPｺﾞｼｯｸE" panose="020B0900000000000000" pitchFamily="50" charset="-128"/>
-                <a:ea typeface="HGPｺﾞｼｯｸE" panose="020B0900000000000000" pitchFamily="50" charset="-128"/>
-              </a:rPr>
-              <a:t>・やってはいけない</a:t>
-            </a:r>
-            <a:r>
-              <a:rPr kumimoji="1" lang="en-US" altLang="ja-JP" sz="2800" dirty="0">
-                <a:latin typeface="HGPｺﾞｼｯｸE" panose="020B0900000000000000" pitchFamily="50" charset="-128"/>
-                <a:ea typeface="HGPｺﾞｼｯｸE" panose="020B0900000000000000" pitchFamily="50" charset="-128"/>
-              </a:rPr>
-              <a:t>“</a:t>
-            </a:r>
-            <a:r>
-              <a:rPr kumimoji="1" lang="ja-JP" altLang="en-US" sz="2800" dirty="0">
-                <a:solidFill>
-                  <a:srgbClr val="FF0000"/>
-                </a:solidFill>
-                <a:latin typeface="HGPｺﾞｼｯｸE" panose="020B0900000000000000" pitchFamily="50" charset="-128"/>
-                <a:ea typeface="HGPｺﾞｼｯｸE" panose="020B0900000000000000" pitchFamily="50" charset="-128"/>
-              </a:rPr>
-              <a:t>背徳感</a:t>
-            </a:r>
-            <a:r>
-              <a:rPr kumimoji="1" lang="en-US" altLang="ja-JP" sz="2800" dirty="0">
-                <a:latin typeface="HGPｺﾞｼｯｸE" panose="020B0900000000000000" pitchFamily="50" charset="-128"/>
-                <a:ea typeface="HGPｺﾞｼｯｸE" panose="020B0900000000000000" pitchFamily="50" charset="-128"/>
-              </a:rPr>
-              <a:t>”</a:t>
-            </a:r>
-            <a:r>
-              <a:rPr kumimoji="1" lang="ja-JP" altLang="en-US" sz="2800" dirty="0">
-                <a:latin typeface="HGPｺﾞｼｯｸE" panose="020B0900000000000000" pitchFamily="50" charset="-128"/>
-                <a:ea typeface="HGPｺﾞｼｯｸE" panose="020B0900000000000000" pitchFamily="50" charset="-128"/>
-              </a:rPr>
-              <a:t>を感じてもらう</a:t>
-            </a:r>
-            <a:r>
-              <a:rPr kumimoji="1" lang="en-US" altLang="ja-JP" sz="2800" dirty="0">
-                <a:latin typeface="HGPｺﾞｼｯｸE" panose="020B0900000000000000" pitchFamily="50" charset="-128"/>
-                <a:ea typeface="HGPｺﾞｼｯｸE" panose="020B0900000000000000" pitchFamily="50" charset="-128"/>
-              </a:rPr>
-              <a:t>!!</a:t>
-            </a:r>
-          </a:p>
-          <a:p>
-            <a:r>
-              <a:rPr kumimoji="1" lang="ja-JP" altLang="en-US" sz="2800" dirty="0">
-                <a:latin typeface="HGPｺﾞｼｯｸE" panose="020B0900000000000000" pitchFamily="50" charset="-128"/>
-                <a:ea typeface="HGPｺﾞｼｯｸE" panose="020B0900000000000000" pitchFamily="50" charset="-128"/>
-              </a:rPr>
-              <a:t>・警察の猛攻を掻い潜り、</a:t>
-            </a:r>
-            <a:endParaRPr kumimoji="1" lang="en-US" altLang="ja-JP" sz="2800" dirty="0">
-              <a:latin typeface="HGPｺﾞｼｯｸE" panose="020B0900000000000000" pitchFamily="50" charset="-128"/>
-              <a:ea typeface="HGPｺﾞｼｯｸE" panose="020B0900000000000000" pitchFamily="50" charset="-128"/>
-            </a:endParaRPr>
-          </a:p>
-          <a:p>
-            <a:r>
-              <a:rPr kumimoji="1" lang="ja-JP" altLang="en-US" sz="2800" dirty="0">
-                <a:latin typeface="HGPｺﾞｼｯｸE" panose="020B0900000000000000" pitchFamily="50" charset="-128"/>
-                <a:ea typeface="HGPｺﾞｼｯｸE" panose="020B0900000000000000" pitchFamily="50" charset="-128"/>
-              </a:rPr>
-              <a:t>　車を操作して暴れまわれ</a:t>
-            </a:r>
-            <a:r>
-              <a:rPr kumimoji="1" lang="en-US" altLang="ja-JP" sz="2800" dirty="0">
-                <a:latin typeface="HGPｺﾞｼｯｸE" panose="020B0900000000000000" pitchFamily="50" charset="-128"/>
-                <a:ea typeface="HGPｺﾞｼｯｸE" panose="020B0900000000000000" pitchFamily="50" charset="-128"/>
-              </a:rPr>
-              <a:t>!!</a:t>
-            </a:r>
-          </a:p>
-        </p:txBody>
-      </p:sp>
-      <p:sp>
-        <p:nvSpPr>
-          <p:cNvPr id="8" name="テキスト ボックス 7">
-            <a:extLst>
-              <a:ext uri="{FF2B5EF4-FFF2-40B4-BE49-F238E27FC236}">
-                <a16:creationId xmlns:a16="http://schemas.microsoft.com/office/drawing/2014/main" id="{D752C7F8-47FE-49C5-95F0-E6F8F8198A92}"/>
-              </a:ext>
-            </a:extLst>
-          </p:cNvPr>
-          <p:cNvSpPr txBox="1"/>
-          <p:nvPr/>
-        </p:nvSpPr>
-        <p:spPr>
-          <a:xfrm>
-            <a:off x="43979" y="6583036"/>
-            <a:ext cx="3473618" cy="461665"/>
-          </a:xfrm>
-          <a:prstGeom prst="rect">
-            <a:avLst/>
-          </a:prstGeom>
-          <a:solidFill>
-            <a:schemeClr val="accent2"/>
-          </a:solidFill>
-          <a:ln w="12700">
-            <a:solidFill>
-              <a:schemeClr val="tx1"/>
-            </a:solidFill>
-          </a:ln>
-        </p:spPr>
-        <p:txBody>
-          <a:bodyPr wrap="square" rtlCol="0">
-            <a:spAutoFit/>
-          </a:bodyPr>
-          <a:lstStyle/>
-          <a:p>
-            <a:pPr algn="ctr"/>
-            <a:r>
-              <a:rPr kumimoji="1" lang="ja-JP" altLang="en-US" sz="2400" dirty="0">
-                <a:latin typeface="HGP創英角ﾎﾟｯﾌﾟ体" panose="040B0A00000000000000" pitchFamily="50" charset="-128"/>
-                <a:ea typeface="HGP創英角ﾎﾟｯﾌﾟ体" panose="040B0A00000000000000" pitchFamily="50" charset="-128"/>
-              </a:rPr>
-              <a:t>このゲームならでは</a:t>
-            </a:r>
-          </a:p>
-        </p:txBody>
-      </p:sp>
-      <p:sp>
-        <p:nvSpPr>
-          <p:cNvPr id="10" name="テキスト ボックス 9">
-            <a:extLst>
-              <a:ext uri="{FF2B5EF4-FFF2-40B4-BE49-F238E27FC236}">
-                <a16:creationId xmlns:a16="http://schemas.microsoft.com/office/drawing/2014/main" id="{84692D28-D83E-4985-A0A3-D631C3995221}"/>
-              </a:ext>
-            </a:extLst>
-          </p:cNvPr>
-          <p:cNvSpPr txBox="1"/>
-          <p:nvPr/>
-        </p:nvSpPr>
-        <p:spPr>
-          <a:xfrm>
-            <a:off x="-23478" y="6994065"/>
-            <a:ext cx="3716082" cy="1446550"/>
-          </a:xfrm>
-          <a:prstGeom prst="rect">
-            <a:avLst/>
-          </a:prstGeom>
-          <a:noFill/>
-          <a:ln w="12700">
-            <a:noFill/>
-          </a:ln>
-        </p:spPr>
-        <p:txBody>
-          <a:bodyPr wrap="none" rtlCol="0">
-            <a:spAutoFit/>
-          </a:bodyPr>
-          <a:lstStyle/>
-          <a:p>
-            <a:r>
-              <a:rPr kumimoji="1" lang="ja-JP" altLang="en-US" sz="2200" dirty="0">
-                <a:latin typeface="HGPｺﾞｼｯｸE" panose="020B0900000000000000" pitchFamily="50" charset="-128"/>
-                <a:ea typeface="HGPｺﾞｼｯｸE" panose="020B0900000000000000" pitchFamily="50" charset="-128"/>
-              </a:rPr>
-              <a:t>悪いことをすると</a:t>
-            </a:r>
-            <a:r>
-              <a:rPr kumimoji="1" lang="ja-JP" altLang="en-US" sz="2200" dirty="0">
-                <a:solidFill>
-                  <a:schemeClr val="accent1"/>
-                </a:solidFill>
-                <a:latin typeface="HGPｺﾞｼｯｸE" panose="020B0900000000000000" pitchFamily="50" charset="-128"/>
-                <a:ea typeface="HGPｺﾞｼｯｸE" panose="020B0900000000000000" pitchFamily="50" charset="-128"/>
-              </a:rPr>
-              <a:t>失点</a:t>
-            </a:r>
-            <a:r>
-              <a:rPr kumimoji="1" lang="ja-JP" altLang="en-US" sz="2200" dirty="0">
-                <a:latin typeface="HGPｺﾞｼｯｸE" panose="020B0900000000000000" pitchFamily="50" charset="-128"/>
-                <a:ea typeface="HGPｺﾞｼｯｸE" panose="020B0900000000000000" pitchFamily="50" charset="-128"/>
-              </a:rPr>
-              <a:t>する</a:t>
-            </a:r>
-            <a:r>
-              <a:rPr kumimoji="1" lang="en-US" altLang="ja-JP" sz="2200" dirty="0">
-                <a:latin typeface="HGPｺﾞｼｯｸE" panose="020B0900000000000000" pitchFamily="50" charset="-128"/>
-                <a:ea typeface="HGPｺﾞｼｯｸE" panose="020B0900000000000000" pitchFamily="50" charset="-128"/>
-              </a:rPr>
-              <a:t>…</a:t>
-            </a:r>
-          </a:p>
-          <a:p>
-            <a:r>
-              <a:rPr kumimoji="1" lang="ja-JP" altLang="en-US" sz="2200" dirty="0">
-                <a:latin typeface="HGPｺﾞｼｯｸE" panose="020B0900000000000000" pitchFamily="50" charset="-128"/>
-                <a:ea typeface="HGPｺﾞｼｯｸE" panose="020B0900000000000000" pitchFamily="50" charset="-128"/>
-              </a:rPr>
-              <a:t>しかし</a:t>
-            </a:r>
-            <a:r>
-              <a:rPr kumimoji="1" lang="en-US" altLang="ja-JP" sz="2200" dirty="0">
-                <a:latin typeface="HGPｺﾞｼｯｸE" panose="020B0900000000000000" pitchFamily="50" charset="-128"/>
-                <a:ea typeface="HGPｺﾞｼｯｸE" panose="020B0900000000000000" pitchFamily="50" charset="-128"/>
-              </a:rPr>
-              <a:t>!!</a:t>
-            </a:r>
-            <a:r>
-              <a:rPr kumimoji="1" lang="ja-JP" altLang="en-US" sz="2200" b="1" u="sng" dirty="0">
-                <a:solidFill>
-                  <a:schemeClr val="accent1"/>
-                </a:solidFill>
-                <a:latin typeface="HGPｺﾞｼｯｸE" panose="020B0900000000000000" pitchFamily="50" charset="-128"/>
-                <a:ea typeface="HGPｺﾞｼｯｸE" panose="020B0900000000000000" pitchFamily="50" charset="-128"/>
-              </a:rPr>
-              <a:t>失点</a:t>
-            </a:r>
-            <a:r>
-              <a:rPr kumimoji="1" lang="ja-JP" altLang="en-US" sz="2200" b="1" u="sng" dirty="0">
-                <a:latin typeface="HGPｺﾞｼｯｸE" panose="020B0900000000000000" pitchFamily="50" charset="-128"/>
-                <a:ea typeface="HGPｺﾞｼｯｸE" panose="020B0900000000000000" pitchFamily="50" charset="-128"/>
-              </a:rPr>
-              <a:t>こそが</a:t>
-            </a:r>
-            <a:r>
-              <a:rPr kumimoji="1" lang="ja-JP" altLang="en-US" sz="2200" b="1" u="sng" dirty="0">
-                <a:solidFill>
-                  <a:srgbClr val="FF0000"/>
-                </a:solidFill>
-                <a:latin typeface="HGPｺﾞｼｯｸE" panose="020B0900000000000000" pitchFamily="50" charset="-128"/>
-                <a:ea typeface="HGPｺﾞｼｯｸE" panose="020B0900000000000000" pitchFamily="50" charset="-128"/>
-              </a:rPr>
-              <a:t>勝利</a:t>
-            </a:r>
-            <a:r>
-              <a:rPr kumimoji="1" lang="ja-JP" altLang="en-US" sz="2200" b="1" u="sng" dirty="0">
-                <a:latin typeface="HGPｺﾞｼｯｸE" panose="020B0900000000000000" pitchFamily="50" charset="-128"/>
-                <a:ea typeface="HGPｺﾞｼｯｸE" panose="020B0900000000000000" pitchFamily="50" charset="-128"/>
-              </a:rPr>
-              <a:t>の道</a:t>
-            </a:r>
-            <a:r>
-              <a:rPr kumimoji="1" lang="en-US" altLang="ja-JP" sz="2200" b="1" u="sng" dirty="0">
-                <a:latin typeface="HGPｺﾞｼｯｸE" panose="020B0900000000000000" pitchFamily="50" charset="-128"/>
-                <a:ea typeface="HGPｺﾞｼｯｸE" panose="020B0900000000000000" pitchFamily="50" charset="-128"/>
-              </a:rPr>
-              <a:t>!!</a:t>
-            </a:r>
-          </a:p>
-          <a:p>
-            <a:r>
-              <a:rPr kumimoji="1" lang="ja-JP" altLang="en-US" sz="2200" dirty="0">
-                <a:latin typeface="HGPｺﾞｼｯｸE" panose="020B0900000000000000" pitchFamily="50" charset="-128"/>
-                <a:ea typeface="HGPｺﾞｼｯｸE" panose="020B0900000000000000" pitchFamily="50" charset="-128"/>
-              </a:rPr>
-              <a:t>重い罪ほど</a:t>
-            </a:r>
-            <a:r>
-              <a:rPr kumimoji="1" lang="ja-JP" altLang="en-US" sz="2200" dirty="0">
-                <a:solidFill>
-                  <a:schemeClr val="accent1"/>
-                </a:solidFill>
-                <a:latin typeface="HGPｺﾞｼｯｸE" panose="020B0900000000000000" pitchFamily="50" charset="-128"/>
-                <a:ea typeface="HGPｺﾞｼｯｸE" panose="020B0900000000000000" pitchFamily="50" charset="-128"/>
-              </a:rPr>
-              <a:t>失点</a:t>
-            </a:r>
-            <a:r>
-              <a:rPr kumimoji="1" lang="ja-JP" altLang="en-US" sz="2200" dirty="0">
-                <a:latin typeface="HGPｺﾞｼｯｸE" panose="020B0900000000000000" pitchFamily="50" charset="-128"/>
-                <a:ea typeface="HGPｺﾞｼｯｸE" panose="020B0900000000000000" pitchFamily="50" charset="-128"/>
-              </a:rPr>
-              <a:t>が大きい</a:t>
-            </a:r>
-            <a:r>
-              <a:rPr kumimoji="1" lang="en-US" altLang="ja-JP" sz="2200" dirty="0">
-                <a:latin typeface="HGPｺﾞｼｯｸE" panose="020B0900000000000000" pitchFamily="50" charset="-128"/>
-                <a:ea typeface="HGPｺﾞｼｯｸE" panose="020B0900000000000000" pitchFamily="50" charset="-128"/>
-              </a:rPr>
-              <a:t>!!</a:t>
-            </a:r>
-          </a:p>
-          <a:p>
-            <a:r>
-              <a:rPr kumimoji="1" lang="ja-JP" altLang="en-US" sz="2200" dirty="0">
-                <a:latin typeface="HGPｺﾞｼｯｸE" panose="020B0900000000000000" pitchFamily="50" charset="-128"/>
-                <a:ea typeface="HGPｺﾞｼｯｸE" panose="020B0900000000000000" pitchFamily="50" charset="-128"/>
-              </a:rPr>
-              <a:t>今までにないカートゲーム</a:t>
-            </a:r>
-            <a:r>
-              <a:rPr kumimoji="1" lang="en-US" altLang="ja-JP" sz="2200" dirty="0">
-                <a:latin typeface="HGPｺﾞｼｯｸE" panose="020B0900000000000000" pitchFamily="50" charset="-128"/>
-                <a:ea typeface="HGPｺﾞｼｯｸE" panose="020B0900000000000000" pitchFamily="50" charset="-128"/>
-              </a:rPr>
-              <a:t>!!</a:t>
-            </a:r>
-            <a:endParaRPr kumimoji="1" lang="ja-JP" altLang="en-US" sz="2200" dirty="0">
-              <a:latin typeface="HGPｺﾞｼｯｸE" panose="020B0900000000000000" pitchFamily="50" charset="-128"/>
-              <a:ea typeface="HGPｺﾞｼｯｸE" panose="020B0900000000000000" pitchFamily="50" charset="-128"/>
-            </a:endParaRPr>
-          </a:p>
-        </p:txBody>
-      </p:sp>
-      <p:sp>
-        <p:nvSpPr>
-          <p:cNvPr id="12" name="吹き出し: 円形 11">
-            <a:extLst>
-              <a:ext uri="{FF2B5EF4-FFF2-40B4-BE49-F238E27FC236}">
-                <a16:creationId xmlns:a16="http://schemas.microsoft.com/office/drawing/2014/main" id="{4988FA71-C81D-45D8-9403-56D0D85DE3F5}"/>
-              </a:ext>
-            </a:extLst>
-          </p:cNvPr>
-          <p:cNvSpPr/>
-          <p:nvPr/>
-        </p:nvSpPr>
-        <p:spPr>
-          <a:xfrm>
-            <a:off x="2072255" y="1857479"/>
-            <a:ext cx="1445342" cy="590263"/>
-          </a:xfrm>
-          <a:prstGeom prst="wedgeEllipseCallout">
-            <a:avLst>
-              <a:gd name="adj1" fmla="val -61311"/>
-              <a:gd name="adj2" fmla="val 50604"/>
-            </a:avLst>
-          </a:prstGeom>
-          <a:solidFill>
-            <a:schemeClr val="bg1"/>
+            <a:schemeClr val="bg2"/>
           </a:solidFill>
           <a:ln>
             <a:solidFill>
@@ -5069,32 +4522,130 @@
           <a:lstStyle/>
           <a:p>
             <a:pPr algn="ctr"/>
-            <a:r>
-              <a:rPr kumimoji="1" lang="en-US" altLang="ja-JP" sz="1200" dirty="0">
+            <a:endParaRPr lang="ja-JP" altLang="en-US" dirty="0"/>
+          </a:p>
+        </p:txBody>
+      </p:sp>
+      <p:sp>
+        <p:nvSpPr>
+          <p:cNvPr id="40" name="テキスト ボックス 39">
+            <a:extLst>
+              <a:ext uri="{FF2B5EF4-FFF2-40B4-BE49-F238E27FC236}">
+                <a16:creationId xmlns:a16="http://schemas.microsoft.com/office/drawing/2014/main" id="{191E78BB-4681-4719-953B-F237DF0A0653}"/>
+              </a:ext>
+            </a:extLst>
+          </p:cNvPr>
+          <p:cNvSpPr txBox="1"/>
+          <p:nvPr/>
+        </p:nvSpPr>
+        <p:spPr>
+          <a:xfrm>
+            <a:off x="4962341" y="5753911"/>
+            <a:ext cx="1827744" cy="646331"/>
+          </a:xfrm>
+          <a:prstGeom prst="rect">
+            <a:avLst/>
+          </a:prstGeom>
+          <a:noFill/>
+        </p:spPr>
+        <p:txBody>
+          <a:bodyPr wrap="none" rtlCol="0">
+            <a:spAutoFit/>
+          </a:bodyPr>
+          <a:lstStyle/>
+          <a:p>
+            <a:r>
+              <a:rPr kumimoji="1" lang="ja-JP" altLang="en-US" dirty="0">
+                <a:latin typeface="HGP創英角ﾎﾟｯﾌﾟ体" panose="040B0A00000000000000" pitchFamily="50" charset="-128"/>
+                <a:ea typeface="HGP創英角ﾎﾟｯﾌﾟ体" panose="040B0A00000000000000" pitchFamily="50" charset="-128"/>
+              </a:rPr>
+              <a:t>例えば</a:t>
+            </a:r>
+            <a:r>
+              <a:rPr kumimoji="1" lang="en-US" altLang="ja-JP" dirty="0">
+                <a:latin typeface="HGP創英角ﾎﾟｯﾌﾟ体" panose="040B0A00000000000000" pitchFamily="50" charset="-128"/>
+                <a:ea typeface="HGP創英角ﾎﾟｯﾌﾟ体" panose="040B0A00000000000000" pitchFamily="50" charset="-128"/>
+              </a:rPr>
+              <a:t>…</a:t>
+            </a:r>
+          </a:p>
+          <a:p>
+            <a:r>
+              <a:rPr kumimoji="1" lang="ja-JP" altLang="en-US" dirty="0">
                 <a:solidFill>
-                  <a:schemeClr val="tx1"/>
+                  <a:srgbClr val="FF0000"/>
                 </a:solidFill>
                 <a:latin typeface="HGP創英角ﾎﾟｯﾌﾟ体" panose="040B0A00000000000000" pitchFamily="50" charset="-128"/>
                 <a:ea typeface="HGP創英角ﾎﾟｯﾌﾟ体" panose="040B0A00000000000000" pitchFamily="50" charset="-128"/>
               </a:rPr>
-              <a:t>3COMBO!!</a:t>
-            </a:r>
-            <a:endParaRPr kumimoji="1" lang="ja-JP" altLang="en-US" sz="1200" dirty="0">
-              <a:solidFill>
-                <a:schemeClr val="tx1"/>
-              </a:solidFill>
-              <a:latin typeface="HGP創英角ﾎﾟｯﾌﾟ体" panose="040B0A00000000000000" pitchFamily="50" charset="-128"/>
-              <a:ea typeface="HGP創英角ﾎﾟｯﾌﾟ体" panose="040B0A00000000000000" pitchFamily="50" charset="-128"/>
-            </a:endParaRPr>
-          </a:p>
-        </p:txBody>
-      </p:sp>
-      <p:sp>
-        <p:nvSpPr>
-          <p:cNvPr id="15" name="爆発: 8 pt 14">
+              <a:t>　　　　　選挙カー</a:t>
+            </a:r>
+          </a:p>
+        </p:txBody>
+      </p:sp>
+      <p:sp>
+        <p:nvSpPr>
+          <p:cNvPr id="45" name="テキスト ボックス 44">
             <a:extLst>
               <a:ext uri="{FF2B5EF4-FFF2-40B4-BE49-F238E27FC236}">
-                <a16:creationId xmlns:a16="http://schemas.microsoft.com/office/drawing/2014/main" id="{9AF5688A-DA8F-4822-99FF-48A5E1D25386}"/>
+                <a16:creationId xmlns:a16="http://schemas.microsoft.com/office/drawing/2014/main" id="{8EBB4823-1821-4110-A49D-82C881023DC2}"/>
+              </a:ext>
+            </a:extLst>
+          </p:cNvPr>
+          <p:cNvSpPr txBox="1"/>
+          <p:nvPr/>
+        </p:nvSpPr>
+        <p:spPr>
+          <a:xfrm>
+            <a:off x="2413347" y="5705825"/>
+            <a:ext cx="2068195" cy="646331"/>
+          </a:xfrm>
+          <a:prstGeom prst="rect">
+            <a:avLst/>
+          </a:prstGeom>
+          <a:noFill/>
+        </p:spPr>
+        <p:txBody>
+          <a:bodyPr wrap="none" rtlCol="0">
+            <a:spAutoFit/>
+          </a:bodyPr>
+          <a:lstStyle/>
+          <a:p>
+            <a:r>
+              <a:rPr kumimoji="1" lang="ja-JP" altLang="en-US" dirty="0">
+                <a:latin typeface="HGP創英角ﾎﾟｯﾌﾟ体" panose="040B0A00000000000000" pitchFamily="50" charset="-128"/>
+                <a:ea typeface="HGP創英角ﾎﾟｯﾌﾟ体" panose="040B0A00000000000000" pitchFamily="50" charset="-128"/>
+              </a:rPr>
+              <a:t>例えば</a:t>
+            </a:r>
+            <a:r>
+              <a:rPr kumimoji="1" lang="en-US" altLang="ja-JP" dirty="0">
+                <a:latin typeface="HGP創英角ﾎﾟｯﾌﾟ体" panose="040B0A00000000000000" pitchFamily="50" charset="-128"/>
+                <a:ea typeface="HGP創英角ﾎﾟｯﾌﾟ体" panose="040B0A00000000000000" pitchFamily="50" charset="-128"/>
+              </a:rPr>
+              <a:t>…</a:t>
+            </a:r>
+          </a:p>
+          <a:p>
+            <a:r>
+              <a:rPr kumimoji="1" lang="ja-JP" altLang="en-US" dirty="0">
+                <a:solidFill>
+                  <a:srgbClr val="FF0000"/>
+                </a:solidFill>
+                <a:latin typeface="HGP創英角ﾎﾟｯﾌﾟ体" panose="040B0A00000000000000" pitchFamily="50" charset="-128"/>
+                <a:ea typeface="HGP創英角ﾎﾟｯﾌﾟ体" panose="040B0A00000000000000" pitchFamily="50" charset="-128"/>
+              </a:rPr>
+              <a:t>　景観を損なうビル</a:t>
+            </a:r>
+          </a:p>
+        </p:txBody>
+      </p:sp>
+      <p:sp>
+        <p:nvSpPr>
+          <p:cNvPr id="84" name="楕円 83">
+            <a:extLst>
+              <a:ext uri="{FF2B5EF4-FFF2-40B4-BE49-F238E27FC236}">
+                <a16:creationId xmlns:a16="http://schemas.microsoft.com/office/drawing/2014/main" id="{A7A501C2-49E3-4442-BA4E-60EE870E5BC0}"/>
               </a:ext>
             </a:extLst>
           </p:cNvPr>
@@ -5103,14 +4654,17 @@
         </p:nvSpPr>
         <p:spPr>
           <a:xfrm>
-            <a:off x="4322152" y="1933275"/>
-            <a:ext cx="1172784" cy="807336"/>
+            <a:off x="2815983" y="5432982"/>
+            <a:ext cx="1319135" cy="367819"/>
           </a:xfrm>
-          <a:prstGeom prst="irregularSeal1">
+          <a:prstGeom prst="ellipse">
             <a:avLst/>
           </a:prstGeom>
           <a:solidFill>
-            <a:schemeClr val="bg1"/>
+            <a:schemeClr val="accent6">
+              <a:lumMod val="40000"/>
+              <a:lumOff val="60000"/>
+            </a:schemeClr>
           </a:solidFill>
           <a:ln>
             <a:solidFill>
@@ -5140,38 +4694,24 @@
           <a:p>
             <a:pPr algn="ctr"/>
             <a:r>
-              <a:rPr kumimoji="1" lang="en-US" altLang="ja-JP" sz="1400" dirty="0">
+              <a:rPr kumimoji="1" lang="ja-JP" altLang="en-US" sz="2000" dirty="0">
                 <a:solidFill>
                   <a:schemeClr val="tx1"/>
                 </a:solidFill>
-                <a:latin typeface="Arial Black" panose="020B0A04020102020204" pitchFamily="34" charset="0"/>
-              </a:rPr>
-              <a:t>-</a:t>
-            </a:r>
-            <a:r>
-              <a:rPr kumimoji="1" lang="en-US" altLang="ja-JP" sz="1400" dirty="0">
-                <a:solidFill>
-                  <a:srgbClr val="FFC000"/>
-                </a:solidFill>
-                <a:latin typeface="Arial Black" panose="020B0A04020102020204" pitchFamily="34" charset="0"/>
-              </a:rPr>
-              <a:t>100</a:t>
-            </a:r>
-            <a:endParaRPr kumimoji="1" lang="ja-JP" altLang="en-US" sz="1400" dirty="0">
-              <a:solidFill>
-                <a:srgbClr val="FFC000"/>
-              </a:solidFill>
-              <a:latin typeface="Arial Black" panose="020B0A04020102020204" pitchFamily="34" charset="0"/>
-            </a:endParaRPr>
-          </a:p>
-        </p:txBody>
-      </p:sp>
-      <p:sp>
-        <p:nvSpPr>
-          <p:cNvPr id="16" name="爆発: 8 pt 15">
+                <a:latin typeface="HGPｺﾞｼｯｸE" panose="020B0900000000000000" pitchFamily="50" charset="-128"/>
+                <a:ea typeface="HGPｺﾞｼｯｸE" panose="020B0900000000000000" pitchFamily="50" charset="-128"/>
+              </a:rPr>
+              <a:t>物</a:t>
+            </a:r>
+          </a:p>
+        </p:txBody>
+      </p:sp>
+      <p:sp>
+        <p:nvSpPr>
+          <p:cNvPr id="85" name="楕円 84">
             <a:extLst>
               <a:ext uri="{FF2B5EF4-FFF2-40B4-BE49-F238E27FC236}">
-                <a16:creationId xmlns:a16="http://schemas.microsoft.com/office/drawing/2014/main" id="{52C53C71-FEC4-4426-AD5F-A4DF6E2687AC}"/>
+                <a16:creationId xmlns:a16="http://schemas.microsoft.com/office/drawing/2014/main" id="{6FDE5192-E85F-429B-9D7C-E284E39B058B}"/>
               </a:ext>
             </a:extLst>
           </p:cNvPr>
@@ -5180,14 +4720,17 @@
         </p:nvSpPr>
         <p:spPr>
           <a:xfrm>
-            <a:off x="4210832" y="3254948"/>
-            <a:ext cx="1044706" cy="740172"/>
+            <a:off x="5274000" y="5436675"/>
+            <a:ext cx="1319136" cy="369804"/>
           </a:xfrm>
-          <a:prstGeom prst="irregularSeal1">
+          <a:prstGeom prst="ellipse">
             <a:avLst/>
           </a:prstGeom>
           <a:solidFill>
-            <a:schemeClr val="bg1"/>
+            <a:schemeClr val="accent6">
+              <a:lumMod val="40000"/>
+              <a:lumOff val="60000"/>
+            </a:schemeClr>
           </a:solidFill>
           <a:ln>
             <a:solidFill>
@@ -5217,115 +4760,24 @@
           <a:p>
             <a:pPr algn="ctr"/>
             <a:r>
-              <a:rPr kumimoji="1" lang="en-US" altLang="ja-JP" sz="1200" dirty="0">
+              <a:rPr kumimoji="1" lang="ja-JP" altLang="en-US" sz="2000" dirty="0">
                 <a:solidFill>
                   <a:schemeClr val="tx1"/>
                 </a:solidFill>
-                <a:latin typeface="Arial Black" panose="020B0A04020102020204" pitchFamily="34" charset="0"/>
-              </a:rPr>
-              <a:t>-</a:t>
-            </a:r>
-            <a:r>
-              <a:rPr kumimoji="1" lang="en-US" altLang="ja-JP" sz="1200" dirty="0">
-                <a:solidFill>
-                  <a:srgbClr val="FFC000"/>
-                </a:solidFill>
-                <a:latin typeface="Arial Black" panose="020B0A04020102020204" pitchFamily="34" charset="0"/>
-              </a:rPr>
-              <a:t>500</a:t>
-            </a:r>
-            <a:endParaRPr kumimoji="1" lang="ja-JP" altLang="en-US" sz="1200" dirty="0">
-              <a:solidFill>
-                <a:srgbClr val="FFC000"/>
-              </a:solidFill>
-              <a:latin typeface="Arial Black" panose="020B0A04020102020204" pitchFamily="34" charset="0"/>
-            </a:endParaRPr>
-          </a:p>
-        </p:txBody>
-      </p:sp>
-      <p:sp>
-        <p:nvSpPr>
-          <p:cNvPr id="17" name="爆発: 14 pt 16">
+                <a:latin typeface="HGPｺﾞｼｯｸE" panose="020B0900000000000000" pitchFamily="50" charset="-128"/>
+                <a:ea typeface="HGPｺﾞｼｯｸE" panose="020B0900000000000000" pitchFamily="50" charset="-128"/>
+              </a:rPr>
+              <a:t>社会</a:t>
+            </a:r>
+          </a:p>
+        </p:txBody>
+      </p:sp>
+      <p:sp>
+        <p:nvSpPr>
+          <p:cNvPr id="90" name="テキスト ボックス 89">
             <a:extLst>
               <a:ext uri="{FF2B5EF4-FFF2-40B4-BE49-F238E27FC236}">
-                <a16:creationId xmlns:a16="http://schemas.microsoft.com/office/drawing/2014/main" id="{7616A41E-BE1E-4547-89EB-44436B9E3732}"/>
-              </a:ext>
-            </a:extLst>
-          </p:cNvPr>
-          <p:cNvSpPr/>
-          <p:nvPr/>
-        </p:nvSpPr>
-        <p:spPr>
-          <a:xfrm>
-            <a:off x="754751" y="2980754"/>
-            <a:ext cx="1518467" cy="724507"/>
-          </a:xfrm>
-          <a:prstGeom prst="irregularSeal2">
-            <a:avLst/>
-          </a:prstGeom>
-          <a:solidFill>
-            <a:schemeClr val="bg1"/>
-          </a:solidFill>
-          <a:ln>
-            <a:solidFill>
-              <a:schemeClr val="tx1"/>
-            </a:solidFill>
-          </a:ln>
-        </p:spPr>
-        <p:style>
-          <a:lnRef idx="2">
-            <a:schemeClr val="accent1">
-              <a:shade val="50000"/>
-            </a:schemeClr>
-          </a:lnRef>
-          <a:fillRef idx="1">
-            <a:schemeClr val="accent1"/>
-          </a:fillRef>
-          <a:effectRef idx="0">
-            <a:schemeClr val="accent1"/>
-          </a:effectRef>
-          <a:fontRef idx="minor">
-            <a:schemeClr val="lt1"/>
-          </a:fontRef>
-        </p:style>
-        <p:txBody>
-          <a:bodyPr rtlCol="0" anchor="ctr"/>
-          <a:lstStyle/>
-          <a:p>
-            <a:pPr algn="ctr"/>
-            <a:r>
-              <a:rPr kumimoji="1" lang="en-US" altLang="ja-JP" sz="1200" dirty="0">
-                <a:solidFill>
-                  <a:schemeClr val="tx1"/>
-                </a:solidFill>
-                <a:latin typeface="Arial Black" panose="020B0A04020102020204" pitchFamily="34" charset="0"/>
-              </a:rPr>
-              <a:t>-</a:t>
-            </a:r>
-            <a:r>
-              <a:rPr kumimoji="1" lang="en-US" altLang="ja-JP" sz="1200" dirty="0">
-                <a:solidFill>
-                  <a:schemeClr val="accent4"/>
-                </a:solidFill>
-                <a:latin typeface="Arial Black" panose="020B0A04020102020204" pitchFamily="34" charset="0"/>
-              </a:rPr>
-              <a:t>1500</a:t>
-            </a:r>
-            <a:endParaRPr kumimoji="1" lang="ja-JP" altLang="en-US" sz="1200" dirty="0">
-              <a:solidFill>
-                <a:schemeClr val="accent4"/>
-              </a:solidFill>
-              <a:latin typeface="Arial Black" panose="020B0A04020102020204" pitchFamily="34" charset="0"/>
-            </a:endParaRPr>
-          </a:p>
-        </p:txBody>
-      </p:sp>
-      <p:sp>
-        <p:nvSpPr>
-          <p:cNvPr id="19" name="テキスト ボックス 18">
-            <a:extLst>
-              <a:ext uri="{FF2B5EF4-FFF2-40B4-BE49-F238E27FC236}">
-                <a16:creationId xmlns:a16="http://schemas.microsoft.com/office/drawing/2014/main" id="{811B0745-D0F1-4F46-991A-8F94E961E9E3}"/>
+                <a16:creationId xmlns:a16="http://schemas.microsoft.com/office/drawing/2014/main" id="{A2E44920-251F-4B2A-AF20-618832CCB9E9}"/>
               </a:ext>
             </a:extLst>
           </p:cNvPr>
@@ -5334,20 +4786,186 @@
         </p:nvSpPr>
         <p:spPr>
           <a:xfrm>
-            <a:off x="545740" y="1554003"/>
-            <a:ext cx="2055773" cy="400110"/>
+            <a:off x="4561615" y="7297490"/>
+            <a:ext cx="2060179" cy="461665"/>
+          </a:xfrm>
+          <a:prstGeom prst="rect">
+            <a:avLst/>
+          </a:prstGeom>
+          <a:noFill/>
+        </p:spPr>
+        <p:txBody>
+          <a:bodyPr wrap="none" rtlCol="0">
+            <a:spAutoFit/>
+          </a:bodyPr>
+          <a:lstStyle/>
+          <a:p>
+            <a:r>
+              <a:rPr kumimoji="1" lang="ja-JP" altLang="en-US" sz="2400" dirty="0">
+                <a:latin typeface="HGPｺﾞｼｯｸE" panose="020B0900000000000000" pitchFamily="50" charset="-128"/>
+                <a:ea typeface="HGPｺﾞｼｯｸE" panose="020B0900000000000000" pitchFamily="50" charset="-128"/>
+              </a:rPr>
+              <a:t>まとめて一掃</a:t>
+            </a:r>
+            <a:r>
+              <a:rPr kumimoji="1" lang="en-US" altLang="ja-JP" sz="2400" dirty="0">
+                <a:latin typeface="HGPｺﾞｼｯｸE" panose="020B0900000000000000" pitchFamily="50" charset="-128"/>
+                <a:ea typeface="HGPｺﾞｼｯｸE" panose="020B0900000000000000" pitchFamily="50" charset="-128"/>
+              </a:rPr>
+              <a:t>!!</a:t>
+            </a:r>
+            <a:endParaRPr kumimoji="1" lang="ja-JP" altLang="en-US" sz="2400" dirty="0">
+              <a:latin typeface="HGPｺﾞｼｯｸE" panose="020B0900000000000000" pitchFamily="50" charset="-128"/>
+              <a:ea typeface="HGPｺﾞｼｯｸE" panose="020B0900000000000000" pitchFamily="50" charset="-128"/>
+            </a:endParaRPr>
+          </a:p>
+        </p:txBody>
+      </p:sp>
+      <p:pic>
+        <p:nvPicPr>
+          <p:cNvPr id="92" name="図 91">
+            <a:extLst>
+              <a:ext uri="{FF2B5EF4-FFF2-40B4-BE49-F238E27FC236}">
+                <a16:creationId xmlns:a16="http://schemas.microsoft.com/office/drawing/2014/main" id="{9BBEBF90-C6DB-4373-A1C1-E446982DF597}"/>
+              </a:ext>
+            </a:extLst>
+          </p:cNvPr>
+          <p:cNvPicPr>
+            <a:picLocks noChangeAspect="1"/>
+          </p:cNvPicPr>
+          <p:nvPr/>
+        </p:nvPicPr>
+        <p:blipFill>
+          <a:blip r:embed="rId3">
+            <a:extLst>
+              <a:ext uri="{28A0092B-C50C-407E-A947-70E740481C1C}">
+                <a14:useLocalDpi xmlns:a14="http://schemas.microsoft.com/office/drawing/2010/main" val="0"/>
+              </a:ext>
+            </a:extLst>
+          </a:blip>
+          <a:stretch>
+            <a:fillRect/>
+          </a:stretch>
+        </p:blipFill>
+        <p:spPr>
+          <a:xfrm>
+            <a:off x="2759773" y="6219613"/>
+            <a:ext cx="1375345" cy="1127124"/>
+          </a:xfrm>
+          <a:prstGeom prst="rect">
+            <a:avLst/>
+          </a:prstGeom>
+        </p:spPr>
+      </p:pic>
+      <p:pic>
+        <p:nvPicPr>
+          <p:cNvPr id="94" name="図 93">
+            <a:extLst>
+              <a:ext uri="{FF2B5EF4-FFF2-40B4-BE49-F238E27FC236}">
+                <a16:creationId xmlns:a16="http://schemas.microsoft.com/office/drawing/2014/main" id="{D14F384D-E967-4295-A8EF-6DCB1DFAEC88}"/>
+              </a:ext>
+            </a:extLst>
+          </p:cNvPr>
+          <p:cNvPicPr>
+            <a:picLocks noChangeAspect="1"/>
+          </p:cNvPicPr>
+          <p:nvPr/>
+        </p:nvPicPr>
+        <p:blipFill>
+          <a:blip r:embed="rId4">
+            <a:extLst>
+              <a:ext uri="{28A0092B-C50C-407E-A947-70E740481C1C}">
+                <a14:useLocalDpi xmlns:a14="http://schemas.microsoft.com/office/drawing/2010/main" val="0"/>
+              </a:ext>
+            </a:extLst>
+          </a:blip>
+          <a:stretch>
+            <a:fillRect/>
+          </a:stretch>
+        </p:blipFill>
+        <p:spPr>
+          <a:xfrm>
+            <a:off x="98510" y="6554125"/>
+            <a:ext cx="1911011" cy="716235"/>
+          </a:xfrm>
+          <a:prstGeom prst="rect">
+            <a:avLst/>
+          </a:prstGeom>
+        </p:spPr>
+      </p:pic>
+      <p:pic>
+        <p:nvPicPr>
+          <p:cNvPr id="107" name="図 106">
+            <a:extLst>
+              <a:ext uri="{FF2B5EF4-FFF2-40B4-BE49-F238E27FC236}">
+                <a16:creationId xmlns:a16="http://schemas.microsoft.com/office/drawing/2014/main" id="{43B3D104-C96D-4274-9F77-69370A6000D1}"/>
+              </a:ext>
+            </a:extLst>
+          </p:cNvPr>
+          <p:cNvPicPr>
+            <a:picLocks noChangeAspect="1"/>
+          </p:cNvPicPr>
+          <p:nvPr/>
+        </p:nvPicPr>
+        <p:blipFill>
+          <a:blip r:embed="rId5">
+            <a:extLst>
+              <a:ext uri="{28A0092B-C50C-407E-A947-70E740481C1C}">
+                <a14:useLocalDpi xmlns:a14="http://schemas.microsoft.com/office/drawing/2010/main" val="0"/>
+              </a:ext>
+            </a:extLst>
+          </a:blip>
+          <a:stretch>
+            <a:fillRect/>
+          </a:stretch>
+        </p:blipFill>
+        <p:spPr>
+          <a:xfrm>
+            <a:off x="5296077" y="6332685"/>
+            <a:ext cx="961242" cy="964805"/>
+          </a:xfrm>
+          <a:prstGeom prst="rect">
+            <a:avLst/>
+          </a:prstGeom>
+        </p:spPr>
+      </p:pic>
+      <p:sp>
+        <p:nvSpPr>
+          <p:cNvPr id="109" name="テキスト ボックス 108">
+            <a:extLst>
+              <a:ext uri="{FF2B5EF4-FFF2-40B4-BE49-F238E27FC236}">
+                <a16:creationId xmlns:a16="http://schemas.microsoft.com/office/drawing/2014/main" id="{4C2A4FB1-847F-4C45-8B94-1B570607C5A2}"/>
+              </a:ext>
+            </a:extLst>
+          </p:cNvPr>
+          <p:cNvSpPr txBox="1"/>
+          <p:nvPr/>
+        </p:nvSpPr>
+        <p:spPr>
+          <a:xfrm>
+            <a:off x="56308" y="29289"/>
+            <a:ext cx="6595388" cy="1354217"/>
           </a:xfrm>
           <a:prstGeom prst="rect">
             <a:avLst/>
           </a:prstGeom>
           <a:solidFill>
-            <a:schemeClr val="bg1"/>
+            <a:schemeClr val="accent2"/>
           </a:solidFill>
-          <a:ln w="38100">
+          <a:ln w="44450">
             <a:solidFill>
-              <a:srgbClr val="FF0000"/>
+              <a:schemeClr val="bg2">
+                <a:lumMod val="25000"/>
+              </a:schemeClr>
             </a:solidFill>
           </a:ln>
+          <a:effectLst>
+            <a:outerShdw blurRad="50800" dist="38100" dir="2700000" algn="tl" rotWithShape="0">
+              <a:prstClr val="black">
+                <a:alpha val="40000"/>
+              </a:prstClr>
+            </a:outerShdw>
+          </a:effectLst>
         </p:spPr>
         <p:txBody>
           <a:bodyPr wrap="square" rtlCol="0">
@@ -5356,191 +4974,106 @@
           <a:lstStyle/>
           <a:p>
             <a:r>
-              <a:rPr kumimoji="1" lang="en-US" altLang="ja-JP" sz="2000" dirty="0">
-                <a:solidFill>
-                  <a:srgbClr val="FF0000"/>
-                </a:solidFill>
-              </a:rPr>
-              <a:t>SCORE</a:t>
-            </a:r>
-            <a:r>
-              <a:rPr kumimoji="1" lang="en-US" altLang="ja-JP" sz="2000" dirty="0"/>
-              <a:t>:-1,500,000</a:t>
-            </a:r>
-            <a:endParaRPr kumimoji="1" lang="ja-JP" altLang="en-US" sz="2000" dirty="0"/>
-          </a:p>
-        </p:txBody>
-      </p:sp>
-      <p:sp>
-        <p:nvSpPr>
-          <p:cNvPr id="9" name="吹き出し: 円形 8">
+              <a:rPr kumimoji="1" lang="ja-JP" altLang="en-US" sz="4100" u="sng" dirty="0">
+                <a:ln w="12700">
+                  <a:solidFill>
+                    <a:schemeClr val="bg1"/>
+                  </a:solidFill>
+                </a:ln>
+                <a:latin typeface="HGSｺﾞｼｯｸE" panose="020B0900000000000000" pitchFamily="50" charset="-128"/>
+                <a:ea typeface="HGSｺﾞｼｯｸE" panose="020B0900000000000000" pitchFamily="50" charset="-128"/>
+              </a:rPr>
+              <a:t>過剰な必要悪</a:t>
+            </a:r>
+            <a:r>
+              <a:rPr kumimoji="1" lang="en-US" altLang="ja-JP" sz="4100" u="sng" dirty="0">
+                <a:ln w="12700">
+                  <a:solidFill>
+                    <a:schemeClr val="bg1"/>
+                  </a:solidFill>
+                </a:ln>
+                <a:latin typeface="HGSｺﾞｼｯｸE" panose="020B0900000000000000" pitchFamily="50" charset="-128"/>
+                <a:ea typeface="HGSｺﾞｼｯｸE" panose="020B0900000000000000" pitchFamily="50" charset="-128"/>
+              </a:rPr>
+              <a:t>!!</a:t>
+            </a:r>
+          </a:p>
+          <a:p>
+            <a:r>
+              <a:rPr kumimoji="1" lang="en-US" altLang="ja-JP" sz="4100" u="sng" dirty="0">
+                <a:ln w="12700">
+                  <a:solidFill>
+                    <a:schemeClr val="bg1"/>
+                  </a:solidFill>
+                </a:ln>
+                <a:latin typeface="Arial Black" panose="020B0A04020102020204" pitchFamily="34" charset="0"/>
+              </a:rPr>
+              <a:t>Anarchy Cars!!</a:t>
+            </a:r>
+            <a:r>
+              <a:rPr kumimoji="1" lang="en-US" altLang="ja-JP" sz="4100" u="sng" dirty="0">
+                <a:latin typeface="HGP創英ﾌﾟﾚｾﾞﾝｽEB" panose="02020800000000000000" pitchFamily="18" charset="-128"/>
+                <a:ea typeface="HGP創英ﾌﾟﾚｾﾞﾝｽEB" panose="02020800000000000000" pitchFamily="18" charset="-128"/>
+              </a:rPr>
+              <a:t>(</a:t>
+            </a:r>
+            <a:r>
+              <a:rPr kumimoji="1" lang="ja-JP" altLang="en-US" sz="4100" u="sng" dirty="0">
+                <a:latin typeface="HGP創英ﾌﾟﾚｾﾞﾝｽEB" panose="02020800000000000000" pitchFamily="18" charset="-128"/>
+                <a:ea typeface="HGP創英ﾌﾟﾚｾﾞﾝｽEB" panose="02020800000000000000" pitchFamily="18" charset="-128"/>
+              </a:rPr>
+              <a:t>仮</a:t>
+            </a:r>
+            <a:r>
+              <a:rPr kumimoji="1" lang="en-US" altLang="ja-JP" sz="4100" u="sng" dirty="0">
+                <a:latin typeface="HGP創英ﾌﾟﾚｾﾞﾝｽEB" panose="02020800000000000000" pitchFamily="18" charset="-128"/>
+                <a:ea typeface="HGP創英ﾌﾟﾚｾﾞﾝｽEB" panose="02020800000000000000" pitchFamily="18" charset="-128"/>
+              </a:rPr>
+              <a:t>)</a:t>
+            </a:r>
+          </a:p>
+        </p:txBody>
+      </p:sp>
+      <p:pic>
+        <p:nvPicPr>
+          <p:cNvPr id="111" name="図 110">
             <a:extLst>
               <a:ext uri="{FF2B5EF4-FFF2-40B4-BE49-F238E27FC236}">
-                <a16:creationId xmlns:a16="http://schemas.microsoft.com/office/drawing/2014/main" id="{07260BA0-D1DE-4ACE-96BF-CC48D8CEF223}"/>
+                <a16:creationId xmlns:a16="http://schemas.microsoft.com/office/drawing/2014/main" id="{DF83783D-AD54-4317-8D90-2D37073AD55A}"/>
               </a:ext>
             </a:extLst>
           </p:cNvPr>
-          <p:cNvSpPr/>
+          <p:cNvPicPr>
+            <a:picLocks noChangeAspect="1"/>
+          </p:cNvPicPr>
           <p:nvPr/>
-        </p:nvSpPr>
+        </p:nvPicPr>
+        <p:blipFill>
+          <a:blip r:embed="rId6">
+            <a:extLst>
+              <a:ext uri="{28A0092B-C50C-407E-A947-70E740481C1C}">
+                <a14:useLocalDpi xmlns:a14="http://schemas.microsoft.com/office/drawing/2010/main" val="0"/>
+              </a:ext>
+            </a:extLst>
+          </a:blip>
+          <a:stretch>
+            <a:fillRect/>
+          </a:stretch>
+        </p:blipFill>
         <p:spPr>
           <a:xfrm>
-            <a:off x="5214515" y="3639927"/>
-            <a:ext cx="1044706" cy="463323"/>
+            <a:off x="4611258" y="-115170"/>
+            <a:ext cx="2644620" cy="1487599"/>
           </a:xfrm>
-          <a:prstGeom prst="wedgeEllipseCallout">
-            <a:avLst>
-              <a:gd name="adj1" fmla="val -74808"/>
-              <a:gd name="adj2" fmla="val 70723"/>
-            </a:avLst>
+          <a:prstGeom prst="rect">
+            <a:avLst/>
           </a:prstGeom>
-          <a:solidFill>
-            <a:schemeClr val="bg1"/>
-          </a:solidFill>
-          <a:ln>
-            <a:solidFill>
-              <a:schemeClr val="tx1"/>
-            </a:solidFill>
-          </a:ln>
         </p:spPr>
-        <p:style>
-          <a:lnRef idx="2">
-            <a:schemeClr val="accent1">
-              <a:shade val="50000"/>
-            </a:schemeClr>
-          </a:lnRef>
-          <a:fillRef idx="1">
-            <a:schemeClr val="accent1"/>
-          </a:fillRef>
-          <a:effectRef idx="0">
-            <a:schemeClr val="accent1"/>
-          </a:effectRef>
-          <a:fontRef idx="minor">
-            <a:schemeClr val="lt1"/>
-          </a:fontRef>
-        </p:style>
-        <p:txBody>
-          <a:bodyPr rtlCol="0" anchor="ctr"/>
-          <a:lstStyle/>
-          <a:p>
-            <a:pPr algn="ctr"/>
-            <a:r>
-              <a:rPr kumimoji="1" lang="ja-JP" altLang="en-US" sz="800" dirty="0">
-                <a:solidFill>
-                  <a:schemeClr val="tx1"/>
-                </a:solidFill>
-                <a:latin typeface="HGSｺﾞｼｯｸE" panose="020B0900000000000000" pitchFamily="50" charset="-128"/>
-                <a:ea typeface="HGSｺﾞｼｯｸE" panose="020B0900000000000000" pitchFamily="50" charset="-128"/>
-              </a:rPr>
-              <a:t>ひそひそ</a:t>
-            </a:r>
-            <a:r>
-              <a:rPr kumimoji="1" lang="en-US" altLang="ja-JP" sz="800" dirty="0">
-                <a:solidFill>
-                  <a:schemeClr val="tx1"/>
-                </a:solidFill>
-                <a:latin typeface="HGSｺﾞｼｯｸE" panose="020B0900000000000000" pitchFamily="50" charset="-128"/>
-                <a:ea typeface="HGSｺﾞｼｯｸE" panose="020B0900000000000000" pitchFamily="50" charset="-128"/>
-              </a:rPr>
-              <a:t>…</a:t>
-            </a:r>
-            <a:endParaRPr kumimoji="1" lang="ja-JP" altLang="en-US" sz="800" dirty="0">
-              <a:solidFill>
-                <a:schemeClr val="tx1"/>
-              </a:solidFill>
-              <a:latin typeface="HGSｺﾞｼｯｸE" panose="020B0900000000000000" pitchFamily="50" charset="-128"/>
-              <a:ea typeface="HGSｺﾞｼｯｸE" panose="020B0900000000000000" pitchFamily="50" charset="-128"/>
-            </a:endParaRPr>
-          </a:p>
-        </p:txBody>
-      </p:sp>
-      <p:sp>
-        <p:nvSpPr>
-          <p:cNvPr id="11" name="吹き出し: 円形 10">
-            <a:extLst>
-              <a:ext uri="{FF2B5EF4-FFF2-40B4-BE49-F238E27FC236}">
-                <a16:creationId xmlns:a16="http://schemas.microsoft.com/office/drawing/2014/main" id="{783372A9-4715-46D7-9829-D0F5D616FE5E}"/>
-              </a:ext>
-            </a:extLst>
-          </p:cNvPr>
-          <p:cNvSpPr/>
-          <p:nvPr/>
-        </p:nvSpPr>
-        <p:spPr>
-          <a:xfrm>
-            <a:off x="375853" y="3717106"/>
-            <a:ext cx="1174147" cy="367271"/>
-          </a:xfrm>
-          <a:prstGeom prst="wedgeEllipseCallout">
-            <a:avLst>
-              <a:gd name="adj1" fmla="val 58992"/>
-              <a:gd name="adj2" fmla="val 75657"/>
-            </a:avLst>
-          </a:prstGeom>
-          <a:solidFill>
-            <a:schemeClr val="bg1"/>
-          </a:solidFill>
-          <a:ln>
-            <a:solidFill>
-              <a:schemeClr val="tx1"/>
-            </a:solidFill>
-          </a:ln>
-        </p:spPr>
-        <p:style>
-          <a:lnRef idx="2">
-            <a:schemeClr val="accent1">
-              <a:shade val="50000"/>
-            </a:schemeClr>
-          </a:lnRef>
-          <a:fillRef idx="1">
-            <a:schemeClr val="accent1"/>
-          </a:fillRef>
-          <a:effectRef idx="0">
-            <a:schemeClr val="accent1"/>
-          </a:effectRef>
-          <a:fontRef idx="minor">
-            <a:schemeClr val="lt1"/>
-          </a:fontRef>
-        </p:style>
-        <p:txBody>
-          <a:bodyPr rtlCol="0" anchor="ctr"/>
-          <a:lstStyle/>
-          <a:p>
-            <a:pPr algn="ctr"/>
-            <a:r>
-              <a:rPr kumimoji="1" lang="ja-JP" altLang="en-US" sz="800" dirty="0">
-                <a:solidFill>
-                  <a:schemeClr val="tx1"/>
-                </a:solidFill>
-                <a:latin typeface="HGSｺﾞｼｯｸE" panose="020B0900000000000000" pitchFamily="50" charset="-128"/>
-                <a:ea typeface="HGSｺﾞｼｯｸE" panose="020B0900000000000000" pitchFamily="50" charset="-128"/>
-              </a:rPr>
-              <a:t>がやがや</a:t>
-            </a:r>
-            <a:r>
-              <a:rPr kumimoji="1" lang="en-US" altLang="ja-JP" sz="800" dirty="0">
-                <a:solidFill>
-                  <a:schemeClr val="tx1"/>
-                </a:solidFill>
-                <a:latin typeface="HGSｺﾞｼｯｸE" panose="020B0900000000000000" pitchFamily="50" charset="-128"/>
-                <a:ea typeface="HGSｺﾞｼｯｸE" panose="020B0900000000000000" pitchFamily="50" charset="-128"/>
-              </a:rPr>
-              <a:t>…</a:t>
-            </a:r>
-            <a:endParaRPr kumimoji="1" lang="ja-JP" altLang="en-US" sz="800" dirty="0">
-              <a:solidFill>
-                <a:schemeClr val="tx1"/>
-              </a:solidFill>
-              <a:latin typeface="HGSｺﾞｼｯｸE" panose="020B0900000000000000" pitchFamily="50" charset="-128"/>
-              <a:ea typeface="HGSｺﾞｼｯｸE" panose="020B0900000000000000" pitchFamily="50" charset="-128"/>
-            </a:endParaRPr>
-          </a:p>
-        </p:txBody>
-      </p:sp>
+      </p:pic>
     </p:spTree>
     <p:extLst>
       <p:ext uri="{BB962C8B-B14F-4D97-AF65-F5344CB8AC3E}">
-        <p14:creationId xmlns:p14="http://schemas.microsoft.com/office/powerpoint/2010/main" val="3636012601"/>
+        <p14:creationId xmlns:p14="http://schemas.microsoft.com/office/powerpoint/2010/main" val="192590622"/>
       </p:ext>
     </p:extLst>
   </p:cSld>
